--- a/slides/3_mvc.pptx
+++ b/slides/3_mvc.pptx
@@ -2,24 +2,22 @@
 <file path=ppt/presentation.xml><?xml version="1.0" encoding="utf-8"?>
 <p:presentation xmlns:a="http://schemas.openxmlformats.org/drawingml/2006/main" xmlns:r="http://schemas.openxmlformats.org/officeDocument/2006/relationships" xmlns:p="http://schemas.openxmlformats.org/presentationml/2006/main">
   <p:sldMasterIdLst>
-    <p:sldMasterId id="2147483648" r:id="rId5"/>
+    <p:sldMasterId id="2147483648" r:id="rId1"/>
   </p:sldMasterIdLst>
   <p:notesMasterIdLst>
-    <p:notesMasterId r:id="rId7"/>
+    <p:notesMasterId r:id="rId12"/>
   </p:notesMasterIdLst>
   <p:sldIdLst>
-    <p:sldId id="256" r:id="rId8"/>
-    <p:sldId id="257" r:id="rId9"/>
-    <p:sldId id="258" r:id="rId10"/>
-    <p:sldId id="259" r:id="rId11"/>
-    <p:sldId id="260" r:id="rId12"/>
-    <p:sldId id="261" r:id="rId13"/>
-    <p:sldId id="262" r:id="rId14"/>
-    <p:sldId id="263" r:id="rId15"/>
-    <p:sldId id="264" r:id="rId16"/>
-    <p:sldId id="265" r:id="rId17"/>
-    <p:sldId id="266" r:id="rId18"/>
-    <p:sldId id="267" r:id="rId19"/>
+    <p:sldId id="256" r:id="rId2"/>
+    <p:sldId id="258" r:id="rId3"/>
+    <p:sldId id="259" r:id="rId4"/>
+    <p:sldId id="260" r:id="rId5"/>
+    <p:sldId id="261" r:id="rId6"/>
+    <p:sldId id="262" r:id="rId7"/>
+    <p:sldId id="264" r:id="rId8"/>
+    <p:sldId id="265" r:id="rId9"/>
+    <p:sldId id="266" r:id="rId10"/>
+    <p:sldId id="267" r:id="rId11"/>
   </p:sldIdLst>
   <p:sldSz cx="13004800" cy="9753600"/>
   <p:notesSz cx="6858000" cy="9144000"/>
@@ -39,7 +37,7 @@
       <a:buFontTx/>
       <a:buNone/>
       <a:tabLst/>
-      <a:defRPr b="0" baseline="0" cap="none" i="0" spc="0" strike="noStrike" sz="1800" u="none" kumimoji="0" normalizeH="0">
+      <a:defRPr kumimoji="0" sz="1800" b="0" i="0" u="none" strike="noStrike" cap="none" spc="0" normalizeH="0" baseline="0">
         <a:ln>
           <a:noFill/>
         </a:ln>
@@ -65,7 +63,7 @@
       <a:buFontTx/>
       <a:buNone/>
       <a:tabLst/>
-      <a:defRPr b="0" baseline="0" cap="none" i="0" spc="0" strike="noStrike" sz="3600" u="none" kumimoji="0" normalizeH="0">
+      <a:defRPr kumimoji="0" sz="3600" b="0" i="0" u="none" strike="noStrike" cap="none" spc="0" normalizeH="0" baseline="0">
         <a:ln>
           <a:noFill/>
         </a:ln>
@@ -95,7 +93,7 @@
       <a:buFontTx/>
       <a:buNone/>
       <a:tabLst/>
-      <a:defRPr b="0" baseline="0" cap="none" i="0" spc="0" strike="noStrike" sz="3600" u="none" kumimoji="0" normalizeH="0">
+      <a:defRPr kumimoji="0" sz="3600" b="0" i="0" u="none" strike="noStrike" cap="none" spc="0" normalizeH="0" baseline="0">
         <a:ln>
           <a:noFill/>
         </a:ln>
@@ -125,7 +123,7 @@
       <a:buFontTx/>
       <a:buNone/>
       <a:tabLst/>
-      <a:defRPr b="0" baseline="0" cap="none" i="0" spc="0" strike="noStrike" sz="3600" u="none" kumimoji="0" normalizeH="0">
+      <a:defRPr kumimoji="0" sz="3600" b="0" i="0" u="none" strike="noStrike" cap="none" spc="0" normalizeH="0" baseline="0">
         <a:ln>
           <a:noFill/>
         </a:ln>
@@ -155,7 +153,7 @@
       <a:buFontTx/>
       <a:buNone/>
       <a:tabLst/>
-      <a:defRPr b="0" baseline="0" cap="none" i="0" spc="0" strike="noStrike" sz="3600" u="none" kumimoji="0" normalizeH="0">
+      <a:defRPr kumimoji="0" sz="3600" b="0" i="0" u="none" strike="noStrike" cap="none" spc="0" normalizeH="0" baseline="0">
         <a:ln>
           <a:noFill/>
         </a:ln>
@@ -185,7 +183,7 @@
       <a:buFontTx/>
       <a:buNone/>
       <a:tabLst/>
-      <a:defRPr b="0" baseline="0" cap="none" i="0" spc="0" strike="noStrike" sz="3600" u="none" kumimoji="0" normalizeH="0">
+      <a:defRPr kumimoji="0" sz="3600" b="0" i="0" u="none" strike="noStrike" cap="none" spc="0" normalizeH="0" baseline="0">
         <a:ln>
           <a:noFill/>
         </a:ln>
@@ -215,7 +213,7 @@
       <a:buFontTx/>
       <a:buNone/>
       <a:tabLst/>
-      <a:defRPr b="0" baseline="0" cap="none" i="0" spc="0" strike="noStrike" sz="3600" u="none" kumimoji="0" normalizeH="0">
+      <a:defRPr kumimoji="0" sz="3600" b="0" i="0" u="none" strike="noStrike" cap="none" spc="0" normalizeH="0" baseline="0">
         <a:ln>
           <a:noFill/>
         </a:ln>
@@ -245,7 +243,7 @@
       <a:buFontTx/>
       <a:buNone/>
       <a:tabLst/>
-      <a:defRPr b="0" baseline="0" cap="none" i="0" spc="0" strike="noStrike" sz="3600" u="none" kumimoji="0" normalizeH="0">
+      <a:defRPr kumimoji="0" sz="3600" b="0" i="0" u="none" strike="noStrike" cap="none" spc="0" normalizeH="0" baseline="0">
         <a:ln>
           <a:noFill/>
         </a:ln>
@@ -275,7 +273,7 @@
       <a:buFontTx/>
       <a:buNone/>
       <a:tabLst/>
-      <a:defRPr b="0" baseline="0" cap="none" i="0" spc="0" strike="noStrike" sz="3600" u="none" kumimoji="0" normalizeH="0">
+      <a:defRPr kumimoji="0" sz="3600" b="0" i="0" u="none" strike="noStrike" cap="none" spc="0" normalizeH="0" baseline="0">
         <a:ln>
           <a:noFill/>
         </a:ln>
@@ -305,7 +303,7 @@
       <a:buFontTx/>
       <a:buNone/>
       <a:tabLst/>
-      <a:defRPr b="0" baseline="0" cap="none" i="0" spc="0" strike="noStrike" sz="3600" u="none" kumimoji="0" normalizeH="0">
+      <a:defRPr kumimoji="0" sz="3600" b="0" i="0" u="none" strike="noStrike" cap="none" spc="0" normalizeH="0" baseline="0">
         <a:ln>
           <a:noFill/>
         </a:ln>
@@ -321,16 +319,26 @@
       </a:defRPr>
     </a:lvl9pPr>
   </p:defaultTextStyle>
+  <p:extLst>
+    <p:ext uri="{EFAFB233-063F-42B5-8137-9DF3F51BA10A}">
+      <p15:sldGuideLst xmlns:p15="http://schemas.microsoft.com/office/powerpoint/2012/main"/>
+    </p:ext>
+  </p:extLst>
 </p:presentation>
 </file>
 
-<file path=ppt/commentAuthors.xml><?xml version="1.0" encoding="utf-8"?>
-<p:cmAuthorLst xmlns:a="http://schemas.openxmlformats.org/drawingml/2006/main" xmlns:r="http://schemas.openxmlformats.org/officeDocument/2006/relationships" xmlns:p="http://schemas.openxmlformats.org/presentationml/2006/main"/>
+<file path=ppt/revisionInfo.xml><?xml version="1.0" encoding="utf-8"?>
+<p1510:revInfo xmlns:a="http://schemas.openxmlformats.org/drawingml/2006/main" xmlns:r="http://schemas.openxmlformats.org/officeDocument/2006/relationships" xmlns:p1510="http://schemas.microsoft.com/office/powerpoint/2015/10/main"/>
 </file>
 
 <file path=ppt/notesMasters/notesMaster1.xml><?xml version="1.0" encoding="utf-8"?>
 <p:notesMaster xmlns:a="http://schemas.openxmlformats.org/drawingml/2006/main" xmlns:r="http://schemas.openxmlformats.org/officeDocument/2006/relationships" xmlns:p="http://schemas.openxmlformats.org/presentationml/2006/main">
   <p:cSld>
+    <p:bg>
+      <p:bgRef idx="1001">
+        <a:schemeClr val="bg1"/>
+      </p:bgRef>
+    </p:bg>
     <p:spTree>
       <p:nvGrpSpPr>
         <p:cNvPr id="1" name=""/>
@@ -348,7 +356,9 @@
       <p:sp>
         <p:nvSpPr>
           <p:cNvPr id="116" name="Shape 116"/>
-          <p:cNvSpPr/>
+          <p:cNvSpPr>
+            <a:spLocks noGrp="1" noRot="1" noChangeAspect="1"/>
+          </p:cNvSpPr>
           <p:nvPr>
             <p:ph type="sldImg"/>
           </p:nvPr>
@@ -366,14 +376,16 @@
           <a:bodyPr/>
           <a:lstStyle/>
           <a:p>
-            <a:pPr/>
+            <a:endParaRPr/>
           </a:p>
         </p:txBody>
       </p:sp>
       <p:sp>
         <p:nvSpPr>
           <p:cNvPr id="117" name="Shape 117"/>
-          <p:cNvSpPr/>
+          <p:cNvSpPr>
+            <a:spLocks noGrp="1"/>
+          </p:cNvSpPr>
           <p:nvPr>
             <p:ph type="body" sz="quarter" idx="1"/>
           </p:nvPr>
@@ -391,7 +403,7 @@
           <a:bodyPr/>
           <a:lstStyle/>
           <a:p>
-            <a:pPr/>
+            <a:endParaRPr/>
           </a:p>
         </p:txBody>
       </p:sp>
@@ -503,7 +515,7 @@
 </file>
 
 <file path=ppt/notesSlides/notesSlide1.xml><?xml version="1.0" encoding="utf-8"?>
-<p:notes xmlns:a="http://schemas.openxmlformats.org/drawingml/2006/main" xmlns:r="http://schemas.openxmlformats.org/officeDocument/2006/relationships" xmlns:p="http://schemas.openxmlformats.org/presentationml/2006/main" showMasterSp="1" showMasterPhAnim="1">
+<p:notes xmlns:a="http://schemas.openxmlformats.org/drawingml/2006/main" xmlns:r="http://schemas.openxmlformats.org/officeDocument/2006/relationships" xmlns:p="http://schemas.openxmlformats.org/presentationml/2006/main">
   <p:cSld>
     <p:spTree>
       <p:nvGrpSpPr>
@@ -522,7 +534,9 @@
       <p:sp>
         <p:nvSpPr>
           <p:cNvPr id="121" name="Shape 121"/>
-          <p:cNvSpPr/>
+          <p:cNvSpPr>
+            <a:spLocks noGrp="1" noRot="1" noChangeAspect="1"/>
+          </p:cNvSpPr>
           <p:nvPr>
             <p:ph type="sldImg"/>
           </p:nvPr>
@@ -536,14 +550,16 @@
           <a:bodyPr/>
           <a:lstStyle/>
           <a:p>
-            <a:pPr/>
+            <a:endParaRPr/>
           </a:p>
         </p:txBody>
       </p:sp>
       <p:sp>
         <p:nvSpPr>
           <p:cNvPr id="122" name="Shape 122"/>
-          <p:cNvSpPr/>
+          <p:cNvSpPr>
+            <a:spLocks noGrp="1"/>
+          </p:cNvSpPr>
           <p:nvPr>
             <p:ph type="body" sz="quarter" idx="1"/>
           </p:nvPr>
@@ -557,31 +573,26 @@
           <a:bodyPr/>
           <a:lstStyle/>
           <a:p>
-            <a:pPr/>
             <a:r>
               <a:t>before explaining mvc, show problems it tries to solve</a:t>
             </a:r>
           </a:p>
           <a:p>
-            <a:pPr/>
             <a:r>
               <a:t>before:</a:t>
             </a:r>
           </a:p>
           <a:p>
-            <a:pPr/>
             <a:r>
               <a:t>start god-non-mvc and flatfindr in eclipse</a:t>
             </a:r>
           </a:p>
           <a:p>
-            <a:pPr/>
             <a:r>
               <a:t>open God, Application, AdController - no link editor</a:t>
             </a:r>
           </a:p>
           <a:p>
-            <a:pPr/>
             <a:r>
               <a:t>navigate to flatfindr ad 1 with open dev tools</a:t>
             </a:r>
@@ -596,8 +607,8 @@
 </p:notes>
 </file>
 
-<file path=ppt/notesSlides/notesSlide2.xml><?xml version="1.0" encoding="utf-8"?>
-<p:notes xmlns:a="http://schemas.openxmlformats.org/drawingml/2006/main" xmlns:r="http://schemas.openxmlformats.org/officeDocument/2006/relationships" xmlns:p="http://schemas.openxmlformats.org/presentationml/2006/main" showMasterSp="1" showMasterPhAnim="1">
+<file path=ppt/notesSlides/notesSlide10.xml><?xml version="1.0" encoding="utf-8"?>
+<p:notes xmlns:a="http://schemas.openxmlformats.org/drawingml/2006/main" xmlns:r="http://schemas.openxmlformats.org/officeDocument/2006/relationships" xmlns:p="http://schemas.openxmlformats.org/presentationml/2006/main">
   <p:cSld>
     <p:spTree>
       <p:nvGrpSpPr>
@@ -615,80 +626,133 @@
       </p:grpSpPr>
       <p:sp>
         <p:nvSpPr>
-          <p:cNvPr id="125" name="Shape 125"/>
-          <p:cNvSpPr/>
+          <p:cNvPr id="2" name="Folienbildplatzhalter 1"/>
+          <p:cNvSpPr>
+            <a:spLocks noGrp="1" noRot="1" noChangeAspect="1"/>
+          </p:cNvSpPr>
           <p:nvPr>
             <p:ph type="sldImg"/>
           </p:nvPr>
         </p:nvSpPr>
-        <p:spPr>
-          <a:prstGeom prst="rect">
-            <a:avLst/>
-          </a:prstGeom>
-        </p:spPr>
+        <p:spPr/>
+      </p:sp>
+      <p:sp>
+        <p:nvSpPr>
+          <p:cNvPr id="3" name="Notizenplatzhalter 2"/>
+          <p:cNvSpPr>
+            <a:spLocks noGrp="1"/>
+          </p:cNvSpPr>
+          <p:nvPr>
+            <p:ph type="body" idx="1"/>
+          </p:nvPr>
+        </p:nvSpPr>
+        <p:spPr/>
         <p:txBody>
           <a:bodyPr/>
           <a:lstStyle/>
           <a:p>
-            <a:pPr/>
-          </a:p>
-        </p:txBody>
-      </p:sp>
-      <p:sp>
-        <p:nvSpPr>
-          <p:cNvPr id="126" name="Shape 126"/>
-          <p:cNvSpPr/>
-          <p:nvPr>
-            <p:ph type="body" sz="quarter" idx="1"/>
-          </p:nvPr>
-        </p:nvSpPr>
-        <p:spPr>
-          <a:prstGeom prst="rect">
-            <a:avLst/>
-          </a:prstGeom>
-        </p:spPr>
-        <p:txBody>
-          <a:bodyPr/>
-          <a:lstStyle/>
-          <a:p>
-            <a:pPr/>
-            <a:r>
-              <a:t>a motivating example</a:t>
-            </a:r>
-          </a:p>
-          <a:p>
-            <a:pPr/>
-            <a:r>
-              <a:t>imagine being the god of the christian mythology</a:t>
-            </a:r>
-          </a:p>
-          <a:p>
-            <a:pPr/>
-            <a:r>
-              <a:t>decide on heaven or hell</a:t>
-            </a:r>
-          </a:p>
-          <a:p>
-            <a:pPr/>
-            <a:r>
-              <a:t>showcase god app</a:t>
-            </a:r>
-          </a:p>
-          <a:p>
-            <a:pPr/>
-            <a:r>
-              <a:t>search for: think dogs cats, good best great worst bad</a:t>
-            </a:r>
-          </a:p>
-          <a:p>
-            <a:pPr/>
-            <a:r>
-              <a:t>show code: don’t try to understand the code</a:t>
-            </a:r>
+            <a:r>
+              <a:rPr lang="de-DE" dirty="0"/>
+              <a:t>Hier eine </a:t>
+            </a:r>
+            <a:r>
+              <a:rPr lang="de-DE" dirty="0" err="1"/>
+              <a:t>zusammenfassung</a:t>
+            </a:r>
+            <a:r>
+              <a:rPr lang="de-DE" dirty="0"/>
+              <a:t>:</a:t>
+            </a:r>
+          </a:p>
+          <a:p>
+            <a:r>
+              <a:rPr lang="de-DE" dirty="0" err="1"/>
+              <a:t>Mvc</a:t>
+            </a:r>
+            <a:r>
+              <a:rPr lang="de-DE" dirty="0"/>
+              <a:t> ist ein </a:t>
+            </a:r>
+            <a:r>
+              <a:rPr lang="de-DE" dirty="0" err="1"/>
+              <a:t>architectural</a:t>
+            </a:r>
+            <a:r>
+              <a:rPr lang="de-DE" dirty="0"/>
+              <a:t> </a:t>
+            </a:r>
+            <a:r>
+              <a:rPr lang="de-DE" dirty="0" err="1"/>
+              <a:t>pattern</a:t>
+            </a:r>
+            <a:r>
+              <a:rPr lang="de-DE" dirty="0"/>
+              <a:t>, nicht ein </a:t>
+            </a:r>
+            <a:r>
+              <a:rPr lang="de-DE" dirty="0" err="1"/>
+              <a:t>blosses</a:t>
+            </a:r>
+            <a:r>
+              <a:rPr lang="de-DE" dirty="0"/>
+              <a:t> design </a:t>
+            </a:r>
+            <a:r>
+              <a:rPr lang="de-DE" dirty="0" err="1"/>
+              <a:t>pattern</a:t>
+            </a:r>
+            <a:r>
+              <a:rPr lang="de-DE" dirty="0"/>
+              <a:t>.</a:t>
+            </a:r>
+          </a:p>
+          <a:p>
+            <a:r>
+              <a:rPr lang="de-DE" dirty="0"/>
+              <a:t>Es funktioniert nach dem </a:t>
+            </a:r>
+            <a:r>
+              <a:rPr lang="de-DE" dirty="0" err="1"/>
+              <a:t>prinzip</a:t>
+            </a:r>
+            <a:r>
+              <a:rPr lang="de-DE" dirty="0"/>
+              <a:t> </a:t>
+            </a:r>
+            <a:r>
+              <a:rPr lang="de-DE" dirty="0" err="1"/>
+              <a:t>divide</a:t>
+            </a:r>
+            <a:r>
+              <a:rPr lang="de-DE" dirty="0"/>
+              <a:t> und </a:t>
+            </a:r>
+            <a:r>
+              <a:rPr lang="de-DE" dirty="0" err="1"/>
+              <a:t>conquer</a:t>
+            </a:r>
+            <a:r>
+              <a:rPr lang="de-DE" dirty="0"/>
+              <a:t> und unterteilt das </a:t>
+            </a:r>
+            <a:r>
+              <a:rPr lang="de-DE" dirty="0" err="1"/>
+              <a:t>program</a:t>
+            </a:r>
+            <a:r>
+              <a:rPr lang="de-DE" dirty="0"/>
+              <a:t> in 3 teile.</a:t>
+            </a:r>
+            <a:endParaRPr lang="en-CH" dirty="0"/>
           </a:p>
         </p:txBody>
       </p:sp>
     </p:spTree>
+    <p:extLst>
+      <p:ext uri="{BB962C8B-B14F-4D97-AF65-F5344CB8AC3E}">
+        <p14:creationId xmlns:p14="http://schemas.microsoft.com/office/powerpoint/2010/main" val="695607330"/>
+      </p:ext>
+    </p:extLst>
   </p:cSld>
   <p:clrMapOvr>
     <a:masterClrMapping/>
@@ -696,8 +760,8 @@
 </p:notes>
 </file>
 
-<file path=ppt/notesSlides/notesSlide3.xml><?xml version="1.0" encoding="utf-8"?>
-<p:notes xmlns:a="http://schemas.openxmlformats.org/drawingml/2006/main" xmlns:r="http://schemas.openxmlformats.org/officeDocument/2006/relationships" xmlns:p="http://schemas.openxmlformats.org/presentationml/2006/main" showMasterSp="1" showMasterPhAnim="1">
+<file path=ppt/notesSlides/notesSlide2.xml><?xml version="1.0" encoding="utf-8"?>
+<p:notes xmlns:a="http://schemas.openxmlformats.org/drawingml/2006/main" xmlns:r="http://schemas.openxmlformats.org/officeDocument/2006/relationships" xmlns:p="http://schemas.openxmlformats.org/presentationml/2006/main">
   <p:cSld>
     <p:spTree>
       <p:nvGrpSpPr>
@@ -716,7 +780,9 @@
       <p:sp>
         <p:nvSpPr>
           <p:cNvPr id="144" name="Shape 144"/>
-          <p:cNvSpPr/>
+          <p:cNvSpPr>
+            <a:spLocks noGrp="1" noRot="1" noChangeAspect="1"/>
+          </p:cNvSpPr>
           <p:nvPr>
             <p:ph type="sldImg"/>
           </p:nvPr>
@@ -730,14 +796,16 @@
           <a:bodyPr/>
           <a:lstStyle/>
           <a:p>
-            <a:pPr/>
+            <a:endParaRPr/>
           </a:p>
         </p:txBody>
       </p:sp>
       <p:sp>
         <p:nvSpPr>
           <p:cNvPr id="145" name="Shape 145"/>
-          <p:cNvSpPr/>
+          <p:cNvSpPr>
+            <a:spLocks noGrp="1"/>
+          </p:cNvSpPr>
           <p:nvPr>
             <p:ph type="body" sz="quarter" idx="1"/>
           </p:nvPr>
@@ -751,38 +819,46 @@
           <a:bodyPr/>
           <a:lstStyle/>
           <a:p>
-            <a:pPr/>
-            <a:r>
+            <a:r>
+              <a:rPr dirty="0"/>
               <a:t>god class</a:t>
             </a:r>
           </a:p>
           <a:p>
-            <a:pPr/>
-            <a:r>
+            <a:r>
+              <a:rPr dirty="0"/>
               <a:t>blue circles are responsibilities</a:t>
             </a:r>
           </a:p>
           <a:p>
-            <a:pPr/>
-            <a:r>
+            <a:r>
+              <a:rPr dirty="0"/>
               <a:t>a single entity with a lot of responsibilities (low cohesion)</a:t>
             </a:r>
           </a:p>
           <a:p>
-            <a:pPr/>
-            <a:r>
+            <a:r>
+              <a:rPr dirty="0"/>
               <a:t>how to maintain?</a:t>
             </a:r>
           </a:p>
           <a:p>
-            <a:pPr/>
-            <a:r>
-              <a:t>what if we want to add facebook?</a:t>
-            </a:r>
-          </a:p>
-          <a:p>
-            <a:pPr/>
-            <a:r>
+            <a:r>
+              <a:rPr dirty="0"/>
+              <a:t>what if we want to add </a:t>
+            </a:r>
+            <a:r>
+              <a:rPr dirty="0" err="1"/>
+              <a:t>facebook</a:t>
+            </a:r>
+            <a:r>
+              <a:rPr dirty="0"/>
+              <a:t>?</a:t>
+            </a:r>
+          </a:p>
+          <a:p>
+            <a:r>
+              <a:rPr dirty="0"/>
               <a:t>can we do better?</a:t>
             </a:r>
           </a:p>
@@ -796,8 +872,8 @@
 </p:notes>
 </file>
 
-<file path=ppt/notesSlides/notesSlide4.xml><?xml version="1.0" encoding="utf-8"?>
-<p:notes xmlns:a="http://schemas.openxmlformats.org/drawingml/2006/main" xmlns:r="http://schemas.openxmlformats.org/officeDocument/2006/relationships" xmlns:p="http://schemas.openxmlformats.org/presentationml/2006/main" showMasterSp="1" showMasterPhAnim="1">
+<file path=ppt/notesSlides/notesSlide3.xml><?xml version="1.0" encoding="utf-8"?>
+<p:notes xmlns:a="http://schemas.openxmlformats.org/drawingml/2006/main" xmlns:r="http://schemas.openxmlformats.org/officeDocument/2006/relationships" xmlns:p="http://schemas.openxmlformats.org/presentationml/2006/main">
   <p:cSld>
     <p:spTree>
       <p:nvGrpSpPr>
@@ -816,7 +892,9 @@
       <p:sp>
         <p:nvSpPr>
           <p:cNvPr id="148" name="Shape 148"/>
-          <p:cNvSpPr/>
+          <p:cNvSpPr>
+            <a:spLocks noGrp="1" noRot="1" noChangeAspect="1"/>
+          </p:cNvSpPr>
           <p:nvPr>
             <p:ph type="sldImg"/>
           </p:nvPr>
@@ -830,14 +908,16 @@
           <a:bodyPr/>
           <a:lstStyle/>
           <a:p>
-            <a:pPr/>
+            <a:endParaRPr/>
           </a:p>
         </p:txBody>
       </p:sp>
       <p:sp>
         <p:nvSpPr>
           <p:cNvPr id="149" name="Shape 149"/>
-          <p:cNvSpPr/>
+          <p:cNvSpPr>
+            <a:spLocks noGrp="1"/>
+          </p:cNvSpPr>
           <p:nvPr>
             <p:ph type="body" sz="quarter" idx="1"/>
           </p:nvPr>
@@ -851,25 +931,21 @@
           <a:bodyPr/>
           <a:lstStyle/>
           <a:p>
-            <a:pPr/>
             <a:r>
               <a:t>architecture is about organization of components and their composition</a:t>
             </a:r>
           </a:p>
           <a:p>
-            <a:pPr/>
             <a:r>
               <a:t>not specifically about classes and instances</a:t>
             </a:r>
           </a:p>
           <a:p>
-            <a:pPr/>
             <a:r>
               <a:t>grand view on the system</a:t>
             </a:r>
           </a:p>
           <a:p>
-            <a:pPr/>
             <a:r>
               <a:t>what is architecture good for?</a:t>
             </a:r>
@@ -884,8 +960,8 @@
 </p:notes>
 </file>
 
-<file path=ppt/notesSlides/notesSlide5.xml><?xml version="1.0" encoding="utf-8"?>
-<p:notes xmlns:a="http://schemas.openxmlformats.org/drawingml/2006/main" xmlns:r="http://schemas.openxmlformats.org/officeDocument/2006/relationships" xmlns:p="http://schemas.openxmlformats.org/presentationml/2006/main" showMasterSp="1" showMasterPhAnim="1">
+<file path=ppt/notesSlides/notesSlide4.xml><?xml version="1.0" encoding="utf-8"?>
+<p:notes xmlns:a="http://schemas.openxmlformats.org/drawingml/2006/main" xmlns:r="http://schemas.openxmlformats.org/officeDocument/2006/relationships" xmlns:p="http://schemas.openxmlformats.org/presentationml/2006/main">
   <p:cSld>
     <p:spTree>
       <p:nvGrpSpPr>
@@ -904,7 +980,9 @@
       <p:sp>
         <p:nvSpPr>
           <p:cNvPr id="152" name="Shape 152"/>
-          <p:cNvSpPr/>
+          <p:cNvSpPr>
+            <a:spLocks noGrp="1" noRot="1" noChangeAspect="1"/>
+          </p:cNvSpPr>
           <p:nvPr>
             <p:ph type="sldImg"/>
           </p:nvPr>
@@ -918,14 +996,16 @@
           <a:bodyPr/>
           <a:lstStyle/>
           <a:p>
-            <a:pPr/>
+            <a:endParaRPr/>
           </a:p>
         </p:txBody>
       </p:sp>
       <p:sp>
         <p:nvSpPr>
           <p:cNvPr id="153" name="Shape 153"/>
-          <p:cNvSpPr/>
+          <p:cNvSpPr>
+            <a:spLocks noGrp="1"/>
+          </p:cNvSpPr>
           <p:nvPr>
             <p:ph type="body" sz="quarter" idx="1"/>
           </p:nvPr>
@@ -939,16 +1019,25 @@
           <a:bodyPr/>
           <a:lstStyle/>
           <a:p>
-            <a:pPr/>
-            <a:r>
-              <a:t>the simpler, the easier to maintain</a:t>
-            </a:r>
-          </a:p>
-          <a:p>
-            <a:pPr/>
-            <a:r>
-              <a:t>avoid repetition</a:t>
-            </a:r>
+            <a:r>
+              <a:rPr lang="de-DE" dirty="0"/>
+              <a:t>Je einfacher und je klarer die </a:t>
+            </a:r>
+            <a:r>
+              <a:rPr lang="de-DE" dirty="0" err="1"/>
+              <a:t>responsibilities</a:t>
+            </a:r>
+            <a:r>
+              <a:rPr lang="de-DE" dirty="0"/>
+              <a:t> verteilt sind</a:t>
+            </a:r>
+          </a:p>
+          <a:p>
+            <a:r>
+              <a:rPr lang="de-DE" dirty="0"/>
+              <a:t>Umso einfacher kann man es wieder verwenden/ erweitern.</a:t>
+            </a:r>
+            <a:endParaRPr dirty="0"/>
           </a:p>
         </p:txBody>
       </p:sp>
@@ -960,8 +1049,191 @@
 </p:notes>
 </file>
 
+<file path=ppt/notesSlides/notesSlide5.xml><?xml version="1.0" encoding="utf-8"?>
+<p:notes xmlns:a="http://schemas.openxmlformats.org/drawingml/2006/main" xmlns:r="http://schemas.openxmlformats.org/officeDocument/2006/relationships" xmlns:p="http://schemas.openxmlformats.org/presentationml/2006/main">
+  <p:cSld>
+    <p:spTree>
+      <p:nvGrpSpPr>
+        <p:cNvPr id="1" name=""/>
+        <p:cNvGrpSpPr/>
+        <p:nvPr/>
+      </p:nvGrpSpPr>
+      <p:grpSpPr>
+        <a:xfrm>
+          <a:off x="0" y="0"/>
+          <a:ext cx="0" cy="0"/>
+          <a:chOff x="0" y="0"/>
+          <a:chExt cx="0" cy="0"/>
+        </a:xfrm>
+      </p:grpSpPr>
+      <p:sp>
+        <p:nvSpPr>
+          <p:cNvPr id="2" name="Folienbildplatzhalter 1"/>
+          <p:cNvSpPr>
+            <a:spLocks noGrp="1" noRot="1" noChangeAspect="1"/>
+          </p:cNvSpPr>
+          <p:nvPr>
+            <p:ph type="sldImg"/>
+          </p:nvPr>
+        </p:nvSpPr>
+        <p:spPr/>
+      </p:sp>
+      <p:sp>
+        <p:nvSpPr>
+          <p:cNvPr id="3" name="Notizenplatzhalter 2"/>
+          <p:cNvSpPr>
+            <a:spLocks noGrp="1"/>
+          </p:cNvSpPr>
+          <p:nvPr>
+            <p:ph type="body" idx="1"/>
+          </p:nvPr>
+        </p:nvSpPr>
+        <p:spPr/>
+        <p:txBody>
+          <a:bodyPr/>
+          <a:lstStyle/>
+          <a:p>
+            <a:r>
+              <a:rPr lang="de-DE" dirty="0"/>
+              <a:t>MVC ist ein </a:t>
+            </a:r>
+            <a:r>
+              <a:rPr lang="de-DE" dirty="0" err="1"/>
+              <a:t>Architectural</a:t>
+            </a:r>
+            <a:r>
+              <a:rPr lang="de-DE" dirty="0"/>
+              <a:t> </a:t>
+            </a:r>
+            <a:r>
+              <a:rPr lang="de-DE" dirty="0" err="1"/>
+              <a:t>pattern</a:t>
+            </a:r>
+            <a:r>
+              <a:rPr lang="de-DE" dirty="0"/>
+              <a:t>. </a:t>
+            </a:r>
+            <a:r>
+              <a:rPr lang="de-DE" dirty="0" err="1"/>
+              <a:t>Architectural</a:t>
+            </a:r>
+            <a:r>
+              <a:rPr lang="de-DE" dirty="0"/>
+              <a:t> </a:t>
+            </a:r>
+            <a:r>
+              <a:rPr lang="de-DE" dirty="0" err="1"/>
+              <a:t>patterns</a:t>
+            </a:r>
+            <a:r>
+              <a:rPr lang="de-DE" dirty="0"/>
+              <a:t> sind breiter gefasst als design </a:t>
+            </a:r>
+            <a:r>
+              <a:rPr lang="de-DE" dirty="0" err="1"/>
+              <a:t>patterns</a:t>
+            </a:r>
+            <a:r>
+              <a:rPr lang="de-DE" dirty="0"/>
+              <a:t>. </a:t>
+            </a:r>
+            <a:r>
+              <a:rPr lang="de-DE" dirty="0" err="1"/>
+              <a:t>Z.b.</a:t>
+            </a:r>
+            <a:r>
+              <a:rPr lang="de-DE" dirty="0"/>
+              <a:t> das </a:t>
+            </a:r>
+            <a:r>
+              <a:rPr lang="de-DE" dirty="0" err="1"/>
+              <a:t>Mvc</a:t>
+            </a:r>
+            <a:r>
+              <a:rPr lang="de-DE" dirty="0"/>
+              <a:t> </a:t>
+            </a:r>
+            <a:r>
+              <a:rPr lang="de-DE" dirty="0" err="1"/>
+              <a:t>pattern</a:t>
+            </a:r>
+            <a:r>
+              <a:rPr lang="de-DE" dirty="0"/>
+              <a:t> hilft die ganze </a:t>
+            </a:r>
+            <a:r>
+              <a:rPr lang="de-DE" dirty="0" err="1"/>
+              <a:t>architektur</a:t>
+            </a:r>
+            <a:r>
+              <a:rPr lang="de-DE" dirty="0"/>
+              <a:t> zu regeln,</a:t>
+            </a:r>
+          </a:p>
+          <a:p>
+            <a:r>
+              <a:rPr lang="de-DE" dirty="0"/>
+              <a:t>Aber </a:t>
+            </a:r>
+            <a:r>
+              <a:rPr lang="de-DE" dirty="0" err="1"/>
+              <a:t>z.b.</a:t>
+            </a:r>
+            <a:r>
+              <a:rPr lang="de-DE" dirty="0"/>
+              <a:t> im MVC </a:t>
+            </a:r>
+            <a:r>
+              <a:rPr lang="de-DE" dirty="0" err="1"/>
+              <a:t>pattern</a:t>
+            </a:r>
+            <a:r>
+              <a:rPr lang="de-DE" dirty="0"/>
+              <a:t> selbst werden design </a:t>
+            </a:r>
+            <a:r>
+              <a:rPr lang="de-DE" dirty="0" err="1"/>
+              <a:t>patterns</a:t>
+            </a:r>
+            <a:r>
+              <a:rPr lang="de-DE" dirty="0"/>
+              <a:t> verwendet wie das </a:t>
+            </a:r>
+            <a:r>
+              <a:rPr lang="de-DE" dirty="0" err="1"/>
+              <a:t>observer</a:t>
+            </a:r>
+            <a:r>
+              <a:rPr lang="de-DE" dirty="0"/>
+              <a:t> </a:t>
+            </a:r>
+            <a:r>
+              <a:rPr lang="de-DE" dirty="0" err="1"/>
+              <a:t>pattern</a:t>
+            </a:r>
+            <a:r>
+              <a:rPr lang="de-DE" dirty="0"/>
+              <a:t> etc.</a:t>
+            </a:r>
+            <a:endParaRPr lang="en-CH" dirty="0"/>
+          </a:p>
+        </p:txBody>
+      </p:sp>
+    </p:spTree>
+    <p:extLst>
+      <p:ext uri="{BB962C8B-B14F-4D97-AF65-F5344CB8AC3E}">
+        <p14:creationId xmlns:p14="http://schemas.microsoft.com/office/powerpoint/2010/main" val="3700895615"/>
+      </p:ext>
+    </p:extLst>
+  </p:cSld>
+  <p:clrMapOvr>
+    <a:masterClrMapping/>
+  </p:clrMapOvr>
+</p:notes>
+</file>
+
 <file path=ppt/notesSlides/notesSlide6.xml><?xml version="1.0" encoding="utf-8"?>
-<p:notes xmlns:a="http://schemas.openxmlformats.org/drawingml/2006/main" xmlns:r="http://schemas.openxmlformats.org/officeDocument/2006/relationships" xmlns:p="http://schemas.openxmlformats.org/presentationml/2006/main" showMasterSp="1" showMasterPhAnim="1">
+<p:notes xmlns:a="http://schemas.openxmlformats.org/drawingml/2006/main" xmlns:r="http://schemas.openxmlformats.org/officeDocument/2006/relationships" xmlns:p="http://schemas.openxmlformats.org/presentationml/2006/main">
   <p:cSld>
     <p:spTree>
       <p:nvGrpSpPr>
@@ -980,7 +1252,9 @@
       <p:sp>
         <p:nvSpPr>
           <p:cNvPr id="196" name="Shape 196"/>
-          <p:cNvSpPr/>
+          <p:cNvSpPr>
+            <a:spLocks noGrp="1" noRot="1" noChangeAspect="1"/>
+          </p:cNvSpPr>
           <p:nvPr>
             <p:ph type="sldImg"/>
           </p:nvPr>
@@ -994,14 +1268,16 @@
           <a:bodyPr/>
           <a:lstStyle/>
           <a:p>
-            <a:pPr/>
+            <a:endParaRPr/>
           </a:p>
         </p:txBody>
       </p:sp>
       <p:sp>
         <p:nvSpPr>
           <p:cNvPr id="197" name="Shape 197"/>
-          <p:cNvSpPr/>
+          <p:cNvSpPr>
+            <a:spLocks noGrp="1"/>
+          </p:cNvSpPr>
           <p:nvPr>
             <p:ph type="body" sz="quarter" idx="1"/>
           </p:nvPr>
@@ -1015,46 +1291,277 @@
           <a:bodyPr/>
           <a:lstStyle/>
           <a:p>
-            <a:pPr/>
-            <a:r>
-              <a:t>partition application into model, view and controller components</a:t>
-            </a:r>
-          </a:p>
-          <a:p>
-            <a:pPr/>
-            <a:r>
-              <a:t>layered design</a:t>
-            </a:r>
-          </a:p>
-          <a:p>
-            <a:pPr/>
-            <a:r>
-              <a:t>model is business domain: state &amp; behaviour</a:t>
-            </a:r>
-          </a:p>
-          <a:p>
-            <a:pPr/>
-            <a:r>
-              <a:t>view parametrised by model data</a:t>
-            </a:r>
-          </a:p>
-          <a:p>
-            <a:pPr/>
-            <a:r>
-              <a:t>controller delegates changes between model and view </a:t>
-            </a:r>
-          </a:p>
-          <a:p>
-            <a:pPr/>
-            <a:r>
-              <a:t>be aware of the dangerous paths</a:t>
-            </a:r>
-          </a:p>
-          <a:p>
-            <a:pPr/>
-            <a:r>
-              <a:t>violation impedes substitutability of components</a:t>
-            </a:r>
+            <a:r>
+              <a:rPr lang="de-DE" dirty="0"/>
+              <a:t>Ihr hattet dieses design </a:t>
+            </a:r>
+            <a:r>
+              <a:rPr lang="de-DE" dirty="0" err="1"/>
+              <a:t>pattern</a:t>
+            </a:r>
+            <a:r>
+              <a:rPr lang="de-DE" dirty="0"/>
+              <a:t> alle bereits in p2, aber daher eine kurze </a:t>
+            </a:r>
+            <a:r>
+              <a:rPr lang="de-DE" dirty="0" err="1"/>
+              <a:t>zusammenfassung</a:t>
+            </a:r>
+            <a:r>
+              <a:rPr lang="de-DE" dirty="0"/>
+              <a:t>:</a:t>
+            </a:r>
+          </a:p>
+          <a:p>
+            <a:pPr marL="342900" indent="-342900">
+              <a:buFontTx/>
+              <a:buChar char="-"/>
+            </a:pPr>
+            <a:r>
+              <a:rPr lang="de-DE" dirty="0"/>
+              <a:t>View: Die </a:t>
+            </a:r>
+            <a:r>
+              <a:rPr lang="de-DE" dirty="0" err="1"/>
+              <a:t>view</a:t>
+            </a:r>
+            <a:r>
+              <a:rPr lang="de-DE" dirty="0"/>
+              <a:t> ist die </a:t>
+            </a:r>
+            <a:r>
+              <a:rPr lang="de-DE" dirty="0" err="1"/>
+              <a:t>visualisation</a:t>
+            </a:r>
+            <a:r>
+              <a:rPr lang="de-DE" dirty="0"/>
+              <a:t> der daten. Sprich beispielsweise der </a:t>
+            </a:r>
+            <a:r>
+              <a:rPr lang="de-DE" dirty="0" err="1"/>
+              <a:t>html</a:t>
+            </a:r>
+            <a:r>
+              <a:rPr lang="de-DE" dirty="0"/>
+              <a:t> teil bei einer </a:t>
+            </a:r>
+            <a:r>
+              <a:rPr lang="de-DE" dirty="0" err="1"/>
+              <a:t>website</a:t>
+            </a:r>
+            <a:r>
+              <a:rPr lang="de-DE" dirty="0"/>
+              <a:t>.</a:t>
+            </a:r>
+          </a:p>
+          <a:p>
+            <a:pPr marL="342900" indent="-342900">
+              <a:buFontTx/>
+              <a:buChar char="-"/>
+            </a:pPr>
+            <a:r>
+              <a:rPr lang="de-DE" dirty="0"/>
+              <a:t>Model: Das </a:t>
+            </a:r>
+            <a:r>
+              <a:rPr lang="de-DE" dirty="0" err="1"/>
+              <a:t>model</a:t>
+            </a:r>
+            <a:r>
+              <a:rPr lang="de-DE" dirty="0"/>
+              <a:t> stellt die </a:t>
+            </a:r>
+            <a:r>
+              <a:rPr lang="de-DE" dirty="0" err="1"/>
+              <a:t>business</a:t>
+            </a:r>
+            <a:r>
+              <a:rPr lang="de-DE" dirty="0"/>
+              <a:t> </a:t>
+            </a:r>
+            <a:r>
+              <a:rPr lang="de-DE" dirty="0" err="1"/>
+              <a:t>domain</a:t>
+            </a:r>
+            <a:r>
+              <a:rPr lang="de-DE" dirty="0"/>
+              <a:t> dar und deren </a:t>
+            </a:r>
+            <a:r>
+              <a:rPr lang="de-DE" dirty="0" err="1"/>
+              <a:t>logik</a:t>
+            </a:r>
+            <a:r>
+              <a:rPr lang="de-DE" dirty="0"/>
+              <a:t>, sprich die Objekte welche die Daten des </a:t>
+            </a:r>
+            <a:r>
+              <a:rPr lang="de-DE" dirty="0" err="1"/>
+              <a:t>programms</a:t>
+            </a:r>
+            <a:r>
+              <a:rPr lang="de-DE" dirty="0"/>
+              <a:t> erhalten und die dazugehörige </a:t>
+            </a:r>
+            <a:r>
+              <a:rPr lang="de-DE" dirty="0" err="1"/>
+              <a:t>logik</a:t>
+            </a:r>
+            <a:r>
+              <a:rPr lang="de-DE" dirty="0"/>
+              <a:t>.</a:t>
+            </a:r>
+          </a:p>
+          <a:p>
+            <a:pPr marL="342900" lvl="2" indent="-342900">
+              <a:buFontTx/>
+              <a:buChar char="-"/>
+            </a:pPr>
+            <a:r>
+              <a:rPr lang="de-DE" dirty="0"/>
+              <a:t>=&gt; Die dazugehörige </a:t>
+            </a:r>
+            <a:r>
+              <a:rPr lang="de-DE" dirty="0" err="1"/>
+              <a:t>logik</a:t>
+            </a:r>
+            <a:r>
+              <a:rPr lang="de-DE" dirty="0"/>
+              <a:t> wird oft in einen sogenannten </a:t>
+            </a:r>
+            <a:r>
+              <a:rPr lang="de-DE" dirty="0" err="1"/>
+              <a:t>service</a:t>
+            </a:r>
+            <a:r>
+              <a:rPr lang="de-DE" dirty="0"/>
+              <a:t> </a:t>
+            </a:r>
+            <a:r>
+              <a:rPr lang="de-DE" dirty="0" err="1"/>
+              <a:t>layer</a:t>
+            </a:r>
+            <a:r>
+              <a:rPr lang="de-DE" dirty="0"/>
+              <a:t> abgewickelt.</a:t>
+            </a:r>
+          </a:p>
+          <a:p>
+            <a:pPr marL="342900" indent="-342900">
+              <a:buFontTx/>
+              <a:buChar char="-"/>
+            </a:pPr>
+            <a:r>
+              <a:rPr lang="de-DE" dirty="0"/>
+              <a:t>Controller: der </a:t>
+            </a:r>
+            <a:r>
+              <a:rPr lang="de-DE" dirty="0" err="1"/>
+              <a:t>controller</a:t>
+            </a:r>
+            <a:r>
+              <a:rPr lang="de-DE" dirty="0"/>
+              <a:t> ist eine </a:t>
+            </a:r>
+            <a:r>
+              <a:rPr lang="de-DE" dirty="0" err="1"/>
+              <a:t>art</a:t>
+            </a:r>
+            <a:r>
+              <a:rPr lang="de-DE" dirty="0"/>
+              <a:t> </a:t>
+            </a:r>
+            <a:r>
+              <a:rPr lang="de-DE" dirty="0" err="1"/>
+              <a:t>bindeglied</a:t>
+            </a:r>
+            <a:r>
+              <a:rPr lang="de-DE" dirty="0"/>
+              <a:t> zwischen </a:t>
+            </a:r>
+            <a:r>
+              <a:rPr lang="de-DE" dirty="0" err="1"/>
+              <a:t>model</a:t>
+            </a:r>
+            <a:r>
+              <a:rPr lang="de-DE" dirty="0"/>
+              <a:t> und </a:t>
+            </a:r>
+            <a:r>
+              <a:rPr lang="de-DE" dirty="0" err="1"/>
+              <a:t>view</a:t>
+            </a:r>
+            <a:r>
+              <a:rPr lang="de-DE" dirty="0"/>
+              <a:t>. Der </a:t>
+            </a:r>
+            <a:r>
+              <a:rPr lang="de-DE" dirty="0" err="1"/>
+              <a:t>controller</a:t>
+            </a:r>
+            <a:r>
+              <a:rPr lang="de-DE" dirty="0"/>
+              <a:t> leitet die daten an das </a:t>
+            </a:r>
+            <a:r>
+              <a:rPr lang="de-DE" dirty="0" err="1"/>
+              <a:t>model</a:t>
+            </a:r>
+            <a:r>
+              <a:rPr lang="de-DE" dirty="0"/>
+              <a:t> weiter und umgekehrt.</a:t>
+            </a:r>
+          </a:p>
+          <a:p>
+            <a:pPr marL="342900" indent="-342900">
+              <a:buFontTx/>
+              <a:buChar char="-"/>
+            </a:pPr>
+            <a:endParaRPr lang="de-DE" dirty="0"/>
+          </a:p>
+          <a:p>
+            <a:pPr marL="342900" indent="-342900">
+              <a:buFontTx/>
+              <a:buChar char="-"/>
+            </a:pPr>
+            <a:r>
+              <a:rPr lang="de-DE" dirty="0"/>
+              <a:t>Wichtig ist: Die </a:t>
+            </a:r>
+            <a:r>
+              <a:rPr lang="de-DE" dirty="0" err="1"/>
+              <a:t>responsibilities</a:t>
+            </a:r>
+            <a:r>
+              <a:rPr lang="de-DE" dirty="0"/>
+              <a:t> sind für jeden teil klar, und eindeutig von einander abgetrennt.</a:t>
+            </a:r>
+          </a:p>
+          <a:p>
+            <a:pPr marL="342900" indent="-342900">
+              <a:buFontTx/>
+              <a:buChar char="-"/>
+            </a:pPr>
+            <a:endParaRPr lang="de-DE" dirty="0"/>
+          </a:p>
+          <a:p>
+            <a:pPr marL="342900" indent="-342900">
+              <a:buFontTx/>
+              <a:buChar char="-"/>
+            </a:pPr>
+            <a:r>
+              <a:rPr lang="de-DE" dirty="0"/>
+              <a:t>Als </a:t>
+            </a:r>
+            <a:r>
+              <a:rPr lang="de-DE" dirty="0" err="1"/>
+              <a:t>framework</a:t>
+            </a:r>
+            <a:r>
+              <a:rPr lang="de-DE" dirty="0"/>
+              <a:t> welches MVC gut einsetzt gibt es spring:</a:t>
+            </a:r>
+            <a:endParaRPr dirty="0"/>
           </a:p>
         </p:txBody>
       </p:sp>
@@ -1067,89 +1574,7 @@
 </file>
 
 <file path=ppt/notesSlides/notesSlide7.xml><?xml version="1.0" encoding="utf-8"?>
-<p:notes xmlns:a="http://schemas.openxmlformats.org/drawingml/2006/main" xmlns:r="http://schemas.openxmlformats.org/officeDocument/2006/relationships" xmlns:p="http://schemas.openxmlformats.org/presentationml/2006/main" showMasterSp="1" showMasterPhAnim="1">
-  <p:cSld>
-    <p:spTree>
-      <p:nvGrpSpPr>
-        <p:cNvPr id="1" name=""/>
-        <p:cNvGrpSpPr/>
-        <p:nvPr/>
-      </p:nvGrpSpPr>
-      <p:grpSpPr>
-        <a:xfrm>
-          <a:off x="0" y="0"/>
-          <a:ext cx="0" cy="0"/>
-          <a:chOff x="0" y="0"/>
-          <a:chExt cx="0" cy="0"/>
-        </a:xfrm>
-      </p:grpSpPr>
-      <p:sp>
-        <p:nvSpPr>
-          <p:cNvPr id="216" name="Shape 216"/>
-          <p:cNvSpPr/>
-          <p:nvPr>
-            <p:ph type="sldImg"/>
-          </p:nvPr>
-        </p:nvSpPr>
-        <p:spPr>
-          <a:prstGeom prst="rect">
-            <a:avLst/>
-          </a:prstGeom>
-        </p:spPr>
-        <p:txBody>
-          <a:bodyPr/>
-          <a:lstStyle/>
-          <a:p>
-            <a:pPr/>
-          </a:p>
-        </p:txBody>
-      </p:sp>
-      <p:sp>
-        <p:nvSpPr>
-          <p:cNvPr id="217" name="Shape 217"/>
-          <p:cNvSpPr/>
-          <p:nvPr>
-            <p:ph type="body" sz="quarter" idx="1"/>
-          </p:nvPr>
-        </p:nvSpPr>
-        <p:spPr>
-          <a:prstGeom prst="rect">
-            <a:avLst/>
-          </a:prstGeom>
-        </p:spPr>
-        <p:txBody>
-          <a:bodyPr/>
-          <a:lstStyle/>
-          <a:p>
-            <a:pPr/>
-            <a:r>
-              <a:t>project on blackboard</a:t>
-            </a:r>
-          </a:p>
-          <a:p>
-            <a:pPr/>
-            <a:r>
-              <a:t>assign MVC</a:t>
-            </a:r>
-          </a:p>
-          <a:p>
-            <a:pPr/>
-            <a:r>
-              <a:t>discuss, don’t show code</a:t>
-            </a:r>
-          </a:p>
-        </p:txBody>
-      </p:sp>
-    </p:spTree>
-  </p:cSld>
-  <p:clrMapOvr>
-    <a:masterClrMapping/>
-  </p:clrMapOvr>
-</p:notes>
-</file>
-
-<file path=ppt/notesSlides/notesSlide8.xml><?xml version="1.0" encoding="utf-8"?>
-<p:notes xmlns:a="http://schemas.openxmlformats.org/drawingml/2006/main" xmlns:r="http://schemas.openxmlformats.org/officeDocument/2006/relationships" xmlns:p="http://schemas.openxmlformats.org/presentationml/2006/main" showMasterSp="1" showMasterPhAnim="1">
+<p:notes xmlns:a="http://schemas.openxmlformats.org/drawingml/2006/main" xmlns:r="http://schemas.openxmlformats.org/officeDocument/2006/relationships" xmlns:p="http://schemas.openxmlformats.org/presentationml/2006/main">
   <p:cSld>
     <p:spTree>
       <p:nvGrpSpPr>
@@ -1168,7 +1593,9 @@
       <p:sp>
         <p:nvSpPr>
           <p:cNvPr id="220" name="Shape 220"/>
-          <p:cNvSpPr/>
+          <p:cNvSpPr>
+            <a:spLocks noGrp="1" noRot="1" noChangeAspect="1"/>
+          </p:cNvSpPr>
           <p:nvPr>
             <p:ph type="sldImg"/>
           </p:nvPr>
@@ -1182,14 +1609,16 @@
           <a:bodyPr/>
           <a:lstStyle/>
           <a:p>
-            <a:pPr/>
+            <a:endParaRPr/>
           </a:p>
         </p:txBody>
       </p:sp>
       <p:sp>
         <p:nvSpPr>
           <p:cNvPr id="221" name="Shape 221"/>
-          <p:cNvSpPr/>
+          <p:cNvSpPr>
+            <a:spLocks noGrp="1"/>
+          </p:cNvSpPr>
           <p:nvPr>
             <p:ph type="body" sz="quarter" idx="1"/>
           </p:nvPr>
@@ -1203,16 +1632,119 @@
           <a:bodyPr/>
           <a:lstStyle/>
           <a:p>
-            <a:pPr/>
-            <a:r>
-              <a:t>show browser, then show code</a:t>
-            </a:r>
-          </a:p>
-          <a:p>
-            <a:pPr/>
-            <a:r>
-              <a:t>locate model, view, controller of ad get</a:t>
-            </a:r>
+            <a:r>
+              <a:rPr lang="de-DE" dirty="0"/>
+              <a:t>Spring MVC ist ein </a:t>
+            </a:r>
+            <a:r>
+              <a:rPr lang="de-DE" dirty="0" err="1"/>
+              <a:t>framework</a:t>
+            </a:r>
+            <a:r>
+              <a:rPr lang="de-DE" dirty="0"/>
+              <a:t> welches, um es mit den worten von </a:t>
+            </a:r>
+            <a:r>
+              <a:rPr lang="de-DE" dirty="0" err="1"/>
+              <a:t>professor</a:t>
+            </a:r>
+            <a:r>
+              <a:rPr lang="de-DE" dirty="0"/>
+              <a:t> </a:t>
+            </a:r>
+            <a:r>
+              <a:rPr lang="de-DE" dirty="0" err="1"/>
+              <a:t>nierstrasz</a:t>
+            </a:r>
+            <a:r>
+              <a:rPr lang="de-DE" dirty="0"/>
+              <a:t> zu sagen, „</a:t>
+            </a:r>
+            <a:r>
+              <a:rPr lang="de-DE" dirty="0" err="1"/>
+              <a:t>automagically</a:t>
+            </a:r>
+            <a:r>
+              <a:rPr lang="de-DE" dirty="0"/>
+              <a:t>“, viel </a:t>
+            </a:r>
+            <a:r>
+              <a:rPr lang="de-DE" dirty="0" err="1"/>
+              <a:t>arbeit</a:t>
+            </a:r>
+            <a:r>
+              <a:rPr lang="de-DE" dirty="0"/>
+              <a:t> vom </a:t>
+            </a:r>
+            <a:r>
+              <a:rPr lang="de-DE" dirty="0" err="1"/>
+              <a:t>benutzer</a:t>
+            </a:r>
+            <a:r>
+              <a:rPr lang="de-DE" dirty="0"/>
+              <a:t> abnimmt</a:t>
+            </a:r>
+          </a:p>
+          <a:p>
+            <a:r>
+              <a:rPr lang="de-DE" dirty="0"/>
+              <a:t>Und ihm die </a:t>
+            </a:r>
+            <a:r>
+              <a:rPr lang="de-DE" dirty="0" err="1"/>
+              <a:t>implementierung</a:t>
+            </a:r>
+            <a:r>
+              <a:rPr lang="de-DE" dirty="0"/>
+              <a:t> des </a:t>
+            </a:r>
+            <a:r>
+              <a:rPr lang="de-DE" dirty="0" err="1"/>
+              <a:t>mvc</a:t>
+            </a:r>
+            <a:r>
+              <a:rPr lang="de-DE" dirty="0"/>
+              <a:t> design </a:t>
+            </a:r>
+            <a:r>
+              <a:rPr lang="de-DE" dirty="0" err="1"/>
+              <a:t>patterns</a:t>
+            </a:r>
+            <a:r>
+              <a:rPr lang="de-DE" dirty="0"/>
+              <a:t> auf eine einfache </a:t>
+            </a:r>
+            <a:r>
+              <a:rPr lang="de-DE" dirty="0" err="1"/>
+              <a:t>art</a:t>
+            </a:r>
+            <a:r>
+              <a:rPr lang="de-DE" dirty="0"/>
+              <a:t> und weise ermöglicht.</a:t>
+            </a:r>
+          </a:p>
+          <a:p>
+            <a:r>
+              <a:rPr lang="de-DE" dirty="0"/>
+              <a:t>Hierzu hat </a:t>
+            </a:r>
+            <a:r>
+              <a:rPr lang="de-DE" dirty="0" err="1"/>
+              <a:t>silas</a:t>
+            </a:r>
+            <a:r>
+              <a:rPr lang="de-DE" dirty="0"/>
+              <a:t> ein kleines </a:t>
+            </a:r>
+            <a:r>
+              <a:rPr lang="de-DE" dirty="0" err="1"/>
+              <a:t>projekt</a:t>
+            </a:r>
+            <a:r>
+              <a:rPr lang="de-DE" dirty="0"/>
+              <a:t> vorbereitet, welches er euch nun zeigen wird.</a:t>
+            </a:r>
+            <a:endParaRPr dirty="0"/>
           </a:p>
         </p:txBody>
       </p:sp>
@@ -1224,8 +1756,162 @@
 </p:notes>
 </file>
 
+<file path=ppt/notesSlides/notesSlide8.xml><?xml version="1.0" encoding="utf-8"?>
+<p:notes xmlns:a="http://schemas.openxmlformats.org/drawingml/2006/main" xmlns:r="http://schemas.openxmlformats.org/officeDocument/2006/relationships" xmlns:p="http://schemas.openxmlformats.org/presentationml/2006/main">
+  <p:cSld>
+    <p:spTree>
+      <p:nvGrpSpPr>
+        <p:cNvPr id="1" name=""/>
+        <p:cNvGrpSpPr/>
+        <p:nvPr/>
+      </p:nvGrpSpPr>
+      <p:grpSpPr>
+        <a:xfrm>
+          <a:off x="0" y="0"/>
+          <a:ext cx="0" cy="0"/>
+          <a:chOff x="0" y="0"/>
+          <a:chExt cx="0" cy="0"/>
+        </a:xfrm>
+      </p:grpSpPr>
+      <p:sp>
+        <p:nvSpPr>
+          <p:cNvPr id="2" name="Folienbildplatzhalter 1"/>
+          <p:cNvSpPr>
+            <a:spLocks noGrp="1" noRot="1" noChangeAspect="1"/>
+          </p:cNvSpPr>
+          <p:nvPr>
+            <p:ph type="sldImg"/>
+          </p:nvPr>
+        </p:nvSpPr>
+        <p:spPr/>
+      </p:sp>
+      <p:sp>
+        <p:nvSpPr>
+          <p:cNvPr id="3" name="Notizenplatzhalter 2"/>
+          <p:cNvSpPr>
+            <a:spLocks noGrp="1"/>
+          </p:cNvSpPr>
+          <p:nvPr>
+            <p:ph type="body" idx="1"/>
+          </p:nvPr>
+        </p:nvSpPr>
+        <p:spPr/>
+        <p:txBody>
+          <a:bodyPr/>
+          <a:lstStyle/>
+          <a:p>
+            <a:pPr marL="342900" indent="-342900">
+              <a:buFontTx/>
+              <a:buChar char="-"/>
+            </a:pPr>
+            <a:r>
+              <a:rPr lang="de-DE" dirty="0"/>
+              <a:t>User geht auf </a:t>
+            </a:r>
+            <a:r>
+              <a:rPr lang="de-DE" dirty="0" err="1"/>
+              <a:t>url</a:t>
+            </a:r>
+            <a:endParaRPr lang="de-DE" dirty="0"/>
+          </a:p>
+          <a:p>
+            <a:pPr marL="342900" indent="-342900">
+              <a:buFontTx/>
+              <a:buChar char="-"/>
+            </a:pPr>
+            <a:r>
+              <a:rPr lang="de-DE" dirty="0"/>
+              <a:t>Der </a:t>
+            </a:r>
+            <a:r>
+              <a:rPr lang="de-DE" dirty="0" err="1"/>
+              <a:t>request</a:t>
+            </a:r>
+            <a:r>
+              <a:rPr lang="de-DE" dirty="0"/>
+              <a:t> wird vom </a:t>
+            </a:r>
+            <a:r>
+              <a:rPr lang="de-DE" dirty="0" err="1"/>
+              <a:t>controller</a:t>
+            </a:r>
+            <a:r>
+              <a:rPr lang="de-DE" dirty="0"/>
+              <a:t> verarbeitet</a:t>
+            </a:r>
+          </a:p>
+          <a:p>
+            <a:pPr marL="342900" indent="-342900">
+              <a:buFontTx/>
+              <a:buChar char="-"/>
+            </a:pPr>
+            <a:r>
+              <a:rPr lang="de-DE" dirty="0"/>
+              <a:t>Die entsprechenden daten werden aus dem Model geholt</a:t>
+            </a:r>
+          </a:p>
+          <a:p>
+            <a:pPr marL="342900" indent="-342900">
+              <a:buFontTx/>
+              <a:buChar char="-"/>
+            </a:pPr>
+            <a:r>
+              <a:rPr lang="de-DE" dirty="0"/>
+              <a:t>Die daten werden an die </a:t>
+            </a:r>
+            <a:r>
+              <a:rPr lang="de-DE" dirty="0" err="1"/>
+              <a:t>view</a:t>
+            </a:r>
+            <a:r>
+              <a:rPr lang="de-DE" dirty="0"/>
+              <a:t> weitergegeben</a:t>
+            </a:r>
+          </a:p>
+          <a:p>
+            <a:pPr marL="342900" indent="-342900">
+              <a:buFontTx/>
+              <a:buChar char="-"/>
+            </a:pPr>
+            <a:r>
+              <a:rPr lang="de-DE" dirty="0"/>
+              <a:t>Die </a:t>
+            </a:r>
+            <a:r>
+              <a:rPr lang="de-DE" dirty="0" err="1"/>
+              <a:t>view</a:t>
+            </a:r>
+            <a:r>
+              <a:rPr lang="de-DE" dirty="0"/>
+              <a:t> wird dem </a:t>
+            </a:r>
+            <a:r>
+              <a:rPr lang="de-DE" dirty="0" err="1"/>
+              <a:t>user</a:t>
+            </a:r>
+            <a:r>
+              <a:rPr lang="de-DE" dirty="0"/>
+              <a:t> angezeigt</a:t>
+            </a:r>
+            <a:endParaRPr lang="en-CH" dirty="0"/>
+          </a:p>
+        </p:txBody>
+      </p:sp>
+    </p:spTree>
+    <p:extLst>
+      <p:ext uri="{BB962C8B-B14F-4D97-AF65-F5344CB8AC3E}">
+        <p14:creationId xmlns:p14="http://schemas.microsoft.com/office/powerpoint/2010/main" val="2584313780"/>
+      </p:ext>
+    </p:extLst>
+  </p:cSld>
+  <p:clrMapOvr>
+    <a:masterClrMapping/>
+  </p:clrMapOvr>
+</p:notes>
+</file>
+
 <file path=ppt/notesSlides/notesSlide9.xml><?xml version="1.0" encoding="utf-8"?>
-<p:notes xmlns:a="http://schemas.openxmlformats.org/drawingml/2006/main" xmlns:r="http://schemas.openxmlformats.org/officeDocument/2006/relationships" xmlns:p="http://schemas.openxmlformats.org/presentationml/2006/main" showMasterSp="1" showMasterPhAnim="1">
+<p:notes xmlns:a="http://schemas.openxmlformats.org/drawingml/2006/main" xmlns:r="http://schemas.openxmlformats.org/officeDocument/2006/relationships" xmlns:p="http://schemas.openxmlformats.org/presentationml/2006/main">
   <p:cSld>
     <p:spTree>
       <p:nvGrpSpPr>
@@ -1244,7 +1930,9 @@
       <p:sp>
         <p:nvSpPr>
           <p:cNvPr id="228" name="Shape 228"/>
-          <p:cNvSpPr/>
+          <p:cNvSpPr>
+            <a:spLocks noGrp="1" noRot="1" noChangeAspect="1"/>
+          </p:cNvSpPr>
           <p:nvPr>
             <p:ph type="sldImg"/>
           </p:nvPr>
@@ -1258,14 +1946,16 @@
           <a:bodyPr/>
           <a:lstStyle/>
           <a:p>
-            <a:pPr/>
+            <a:endParaRPr/>
           </a:p>
         </p:txBody>
       </p:sp>
       <p:sp>
         <p:nvSpPr>
           <p:cNvPr id="229" name="Shape 229"/>
-          <p:cNvSpPr/>
+          <p:cNvSpPr>
+            <a:spLocks noGrp="1"/>
+          </p:cNvSpPr>
           <p:nvPr>
             <p:ph type="body" sz="quarter" idx="1"/>
           </p:nvPr>
@@ -1279,21 +1969,63 @@
           <a:bodyPr/>
           <a:lstStyle/>
           <a:p>
-            <a:pPr/>
-            <a:r>
-              <a:t>vocabulary: efficient communication &amp; search</a:t>
-            </a:r>
-          </a:p>
-          <a:p>
-            <a:pPr/>
-            <a:r>
-              <a:t>technologies: what technology solves which problems</a:t>
-            </a:r>
-          </a:p>
-          <a:p>
-            <a:pPr/>
-            <a:r>
-              <a:t>not w3schools!</a:t>
+            <a:r>
+              <a:rPr lang="de-DE" dirty="0"/>
+              <a:t>Versucht euch etwas mit folgenden </a:t>
+            </a:r>
+            <a:r>
+              <a:rPr lang="de-DE" dirty="0" err="1"/>
+              <a:t>technologien</a:t>
+            </a:r>
+            <a:r>
+              <a:rPr lang="de-DE" dirty="0"/>
+              <a:t>/ </a:t>
+            </a:r>
+            <a:r>
+              <a:rPr lang="de-DE" dirty="0" err="1"/>
+              <a:t>wörtern</a:t>
+            </a:r>
+            <a:r>
+              <a:rPr lang="de-DE" dirty="0"/>
+              <a:t> anzufreunden um spring besser zu verstehen.</a:t>
+            </a:r>
+          </a:p>
+          <a:p>
+            <a:r>
+              <a:rPr lang="de-DE" dirty="0"/>
+              <a:t>Gute freunde von euch sollten: </a:t>
+            </a:r>
+            <a:r>
+              <a:rPr lang="de-DE" dirty="0" err="1"/>
+              <a:t>stackoverflow</a:t>
+            </a:r>
+            <a:r>
+              <a:rPr lang="de-DE" dirty="0"/>
+              <a:t>, und die </a:t>
+            </a:r>
+            <a:r>
+              <a:rPr lang="de-DE" dirty="0" err="1"/>
+              <a:t>javadocs</a:t>
+            </a:r>
+            <a:r>
+              <a:rPr lang="de-DE" dirty="0"/>
+              <a:t> sein. Ebenfalls die </a:t>
+            </a:r>
+            <a:r>
+              <a:rPr lang="de-DE" dirty="0" err="1"/>
+              <a:t>guide</a:t>
+            </a:r>
+            <a:r>
+              <a:rPr lang="de-DE" dirty="0"/>
+              <a:t> </a:t>
+            </a:r>
+            <a:r>
+              <a:rPr lang="de-DE" dirty="0" err="1"/>
+              <a:t>section</a:t>
+            </a:r>
+            <a:r>
+              <a:rPr lang="de-DE" dirty="0"/>
+              <a:t> auf spring.io ist sehr zu empfehlen</a:t>
             </a:r>
           </a:p>
         </p:txBody>
@@ -1307,7 +2039,7 @@
 </file>
 
 <file path=ppt/slideLayouts/slideLayout1.xml><?xml version="1.0" encoding="utf-8"?>
-<p:sldLayout xmlns:a="http://schemas.openxmlformats.org/drawingml/2006/main" xmlns:r="http://schemas.openxmlformats.org/officeDocument/2006/relationships" xmlns:p="http://schemas.openxmlformats.org/presentationml/2006/main" type="title" showMasterSp="1" showMasterPhAnim="1">
+<p:sldLayout xmlns:a="http://schemas.openxmlformats.org/drawingml/2006/main" xmlns:r="http://schemas.openxmlformats.org/officeDocument/2006/relationships" xmlns:p="http://schemas.openxmlformats.org/presentationml/2006/main" type="title">
   <p:cSld name="Title &amp; Subtitle">
     <p:spTree>
       <p:nvGrpSpPr>
@@ -1326,7 +2058,9 @@
       <p:sp>
         <p:nvSpPr>
           <p:cNvPr id="11" name="Title Text"/>
-          <p:cNvSpPr txBox="1"/>
+          <p:cNvSpPr txBox="1">
+            <a:spLocks noGrp="1"/>
+          </p:cNvSpPr>
           <p:nvPr>
             <p:ph type="title"/>
           </p:nvPr>
@@ -1344,7 +2078,6 @@
           <a:bodyPr anchor="b"/>
           <a:lstStyle/>
           <a:p>
-            <a:pPr/>
             <a:r>
               <a:t>Title Text</a:t>
             </a:r>
@@ -1354,7 +2087,9 @@
       <p:sp>
         <p:nvSpPr>
           <p:cNvPr id="12" name="Body Level One…"/>
-          <p:cNvSpPr txBox="1"/>
+          <p:cNvSpPr txBox="1">
+            <a:spLocks noGrp="1"/>
+          </p:cNvSpPr>
           <p:nvPr>
             <p:ph type="body" sz="quarter" idx="1"/>
           </p:nvPr>
@@ -1413,7 +2148,6 @@
             </a:lvl5pPr>
           </a:lstStyle>
           <a:p>
-            <a:pPr/>
             <a:r>
               <a:t>Body Level One</a:t>
             </a:r>
@@ -1447,7 +2181,9 @@
       <p:sp>
         <p:nvSpPr>
           <p:cNvPr id="13" name="Slide Number"/>
-          <p:cNvSpPr txBox="1"/>
+          <p:cNvSpPr txBox="1">
+            <a:spLocks noGrp="1"/>
+          </p:cNvSpPr>
           <p:nvPr>
             <p:ph type="sldNum" sz="quarter" idx="2"/>
           </p:nvPr>
@@ -1461,8 +2197,10 @@
           <a:bodyPr/>
           <a:lstStyle/>
           <a:p>
-            <a:pPr/>
-            <a:fld id="{86CB4B4D-7CA3-9044-876B-883B54F8677D}" type="slidenum"/>
+            <a:fld id="{86CB4B4D-7CA3-9044-876B-883B54F8677D}" type="slidenum">
+              <a:t>‹Nr.›</a:t>
+            </a:fld>
+            <a:endParaRPr/>
           </a:p>
         </p:txBody>
       </p:sp>
@@ -1471,12 +2209,12 @@
   <p:clrMapOvr>
     <a:masterClrMapping/>
   </p:clrMapOvr>
-  <p:transition xmlns:p14="http://schemas.microsoft.com/office/powerpoint/2010/main" spd="med" advClick="1"/>
+  <p:transition spd="med"/>
 </p:sldLayout>
 </file>
 
 <file path=ppt/slideLayouts/slideLayout10.xml><?xml version="1.0" encoding="utf-8"?>
-<p:sldLayout xmlns:a="http://schemas.openxmlformats.org/drawingml/2006/main" xmlns:r="http://schemas.openxmlformats.org/officeDocument/2006/relationships" xmlns:p="http://schemas.openxmlformats.org/presentationml/2006/main" type="tx" showMasterSp="1" showMasterPhAnim="1">
+<p:sldLayout xmlns:a="http://schemas.openxmlformats.org/drawingml/2006/main" xmlns:r="http://schemas.openxmlformats.org/officeDocument/2006/relationships" xmlns:p="http://schemas.openxmlformats.org/presentationml/2006/main" type="tx">
   <p:cSld name="Quote">
     <p:spTree>
       <p:nvGrpSpPr>
@@ -1495,7 +2233,9 @@
       <p:sp>
         <p:nvSpPr>
           <p:cNvPr id="93" name="–Johnny Appleseed"/>
-          <p:cNvSpPr txBox="1"/>
+          <p:cNvSpPr txBox="1">
+            <a:spLocks noGrp="1"/>
+          </p:cNvSpPr>
           <p:nvPr>
             <p:ph type="body" sz="quarter" idx="13"/>
           </p:nvPr>
@@ -1529,7 +2269,6 @@
             </a:lvl1pPr>
           </a:lstStyle>
           <a:p>
-            <a:pPr/>
             <a:r>
               <a:t>–Johnny Appleseed</a:t>
             </a:r>
@@ -1539,7 +2278,9 @@
       <p:sp>
         <p:nvSpPr>
           <p:cNvPr id="94" name="“Type a quote here.”"/>
-          <p:cNvSpPr txBox="1"/>
+          <p:cNvSpPr txBox="1">
+            <a:spLocks noGrp="1"/>
+          </p:cNvSpPr>
           <p:nvPr>
             <p:ph type="body" sz="quarter" idx="14"/>
           </p:nvPr>
@@ -1568,7 +2309,6 @@
             </a:lvl1pPr>
           </a:lstStyle>
           <a:p>
-            <a:pPr/>
             <a:r>
               <a:t>“Type a quote here.” </a:t>
             </a:r>
@@ -1578,7 +2318,9 @@
       <p:sp>
         <p:nvSpPr>
           <p:cNvPr id="95" name="Slide Number"/>
-          <p:cNvSpPr txBox="1"/>
+          <p:cNvSpPr txBox="1">
+            <a:spLocks noGrp="1"/>
+          </p:cNvSpPr>
           <p:nvPr>
             <p:ph type="sldNum" sz="quarter" idx="2"/>
           </p:nvPr>
@@ -1592,8 +2334,10 @@
           <a:bodyPr/>
           <a:lstStyle/>
           <a:p>
-            <a:pPr/>
-            <a:fld id="{86CB4B4D-7CA3-9044-876B-883B54F8677D}" type="slidenum"/>
+            <a:fld id="{86CB4B4D-7CA3-9044-876B-883B54F8677D}" type="slidenum">
+              <a:t>‹Nr.›</a:t>
+            </a:fld>
+            <a:endParaRPr/>
           </a:p>
         </p:txBody>
       </p:sp>
@@ -1602,12 +2346,12 @@
   <p:clrMapOvr>
     <a:masterClrMapping/>
   </p:clrMapOvr>
-  <p:transition xmlns:p14="http://schemas.microsoft.com/office/powerpoint/2010/main" spd="med" advClick="1"/>
+  <p:transition spd="med"/>
 </p:sldLayout>
 </file>
 
 <file path=ppt/slideLayouts/slideLayout11.xml><?xml version="1.0" encoding="utf-8"?>
-<p:sldLayout xmlns:a="http://schemas.openxmlformats.org/drawingml/2006/main" xmlns:r="http://schemas.openxmlformats.org/officeDocument/2006/relationships" xmlns:p="http://schemas.openxmlformats.org/presentationml/2006/main" type="tx" showMasterSp="1" showMasterPhAnim="1">
+<p:sldLayout xmlns:a="http://schemas.openxmlformats.org/drawingml/2006/main" xmlns:r="http://schemas.openxmlformats.org/officeDocument/2006/relationships" xmlns:p="http://schemas.openxmlformats.org/presentationml/2006/main" type="tx">
   <p:cSld name="Photo">
     <p:spTree>
       <p:nvGrpSpPr>
@@ -1626,7 +2370,9 @@
       <p:sp>
         <p:nvSpPr>
           <p:cNvPr id="102" name="Image"/>
-          <p:cNvSpPr/>
+          <p:cNvSpPr>
+            <a:spLocks noGrp="1"/>
+          </p:cNvSpPr>
           <p:nvPr>
             <p:ph type="pic" idx="13"/>
           </p:nvPr>
@@ -1646,14 +2392,16 @@
           </a:bodyPr>
           <a:lstStyle/>
           <a:p>
-            <a:pPr/>
+            <a:endParaRPr/>
           </a:p>
         </p:txBody>
       </p:sp>
       <p:sp>
         <p:nvSpPr>
           <p:cNvPr id="103" name="Slide Number"/>
-          <p:cNvSpPr txBox="1"/>
+          <p:cNvSpPr txBox="1">
+            <a:spLocks noGrp="1"/>
+          </p:cNvSpPr>
           <p:nvPr>
             <p:ph type="sldNum" sz="quarter" idx="2"/>
           </p:nvPr>
@@ -1667,8 +2415,10 @@
           <a:bodyPr/>
           <a:lstStyle/>
           <a:p>
-            <a:pPr/>
-            <a:fld id="{86CB4B4D-7CA3-9044-876B-883B54F8677D}" type="slidenum"/>
+            <a:fld id="{86CB4B4D-7CA3-9044-876B-883B54F8677D}" type="slidenum">
+              <a:t>‹Nr.›</a:t>
+            </a:fld>
+            <a:endParaRPr/>
           </a:p>
         </p:txBody>
       </p:sp>
@@ -1677,12 +2427,12 @@
   <p:clrMapOvr>
     <a:masterClrMapping/>
   </p:clrMapOvr>
-  <p:transition xmlns:p14="http://schemas.microsoft.com/office/powerpoint/2010/main" spd="med" advClick="1"/>
+  <p:transition spd="med"/>
 </p:sldLayout>
 </file>
 
 <file path=ppt/slideLayouts/slideLayout12.xml><?xml version="1.0" encoding="utf-8"?>
-<p:sldLayout xmlns:a="http://schemas.openxmlformats.org/drawingml/2006/main" xmlns:r="http://schemas.openxmlformats.org/officeDocument/2006/relationships" xmlns:p="http://schemas.openxmlformats.org/presentationml/2006/main" type="tx" showMasterSp="1" showMasterPhAnim="1">
+<p:sldLayout xmlns:a="http://schemas.openxmlformats.org/drawingml/2006/main" xmlns:r="http://schemas.openxmlformats.org/officeDocument/2006/relationships" xmlns:p="http://schemas.openxmlformats.org/presentationml/2006/main" type="tx">
   <p:cSld name="Blank">
     <p:spTree>
       <p:nvGrpSpPr>
@@ -1701,7 +2451,9 @@
       <p:sp>
         <p:nvSpPr>
           <p:cNvPr id="110" name="Slide Number"/>
-          <p:cNvSpPr txBox="1"/>
+          <p:cNvSpPr txBox="1">
+            <a:spLocks noGrp="1"/>
+          </p:cNvSpPr>
           <p:nvPr>
             <p:ph type="sldNum" sz="quarter" idx="2"/>
           </p:nvPr>
@@ -1715,8 +2467,10 @@
           <a:bodyPr/>
           <a:lstStyle/>
           <a:p>
-            <a:pPr/>
-            <a:fld id="{86CB4B4D-7CA3-9044-876B-883B54F8677D}" type="slidenum"/>
+            <a:fld id="{86CB4B4D-7CA3-9044-876B-883B54F8677D}" type="slidenum">
+              <a:t>‹Nr.›</a:t>
+            </a:fld>
+            <a:endParaRPr/>
           </a:p>
         </p:txBody>
       </p:sp>
@@ -1725,12 +2479,12 @@
   <p:clrMapOvr>
     <a:masterClrMapping/>
   </p:clrMapOvr>
-  <p:transition xmlns:p14="http://schemas.microsoft.com/office/powerpoint/2010/main" spd="med" advClick="1"/>
+  <p:transition spd="med"/>
 </p:sldLayout>
 </file>
 
 <file path=ppt/slideLayouts/slideLayout2.xml><?xml version="1.0" encoding="utf-8"?>
-<p:sldLayout xmlns:a="http://schemas.openxmlformats.org/drawingml/2006/main" xmlns:r="http://schemas.openxmlformats.org/officeDocument/2006/relationships" xmlns:p="http://schemas.openxmlformats.org/presentationml/2006/main" type="tx" showMasterSp="1" showMasterPhAnim="1">
+<p:sldLayout xmlns:a="http://schemas.openxmlformats.org/drawingml/2006/main" xmlns:r="http://schemas.openxmlformats.org/officeDocument/2006/relationships" xmlns:p="http://schemas.openxmlformats.org/presentationml/2006/main" type="tx">
   <p:cSld name="Photo - Horizontal">
     <p:spTree>
       <p:nvGrpSpPr>
@@ -1749,7 +2503,9 @@
       <p:sp>
         <p:nvSpPr>
           <p:cNvPr id="20" name="Image"/>
-          <p:cNvSpPr/>
+          <p:cNvSpPr>
+            <a:spLocks noGrp="1"/>
+          </p:cNvSpPr>
           <p:nvPr>
             <p:ph type="pic" idx="13"/>
           </p:nvPr>
@@ -1769,14 +2525,16 @@
           </a:bodyPr>
           <a:lstStyle/>
           <a:p>
-            <a:pPr/>
+            <a:endParaRPr/>
           </a:p>
         </p:txBody>
       </p:sp>
       <p:sp>
         <p:nvSpPr>
           <p:cNvPr id="21" name="Title Text"/>
-          <p:cNvSpPr txBox="1"/>
+          <p:cNvSpPr txBox="1">
+            <a:spLocks noGrp="1"/>
+          </p:cNvSpPr>
           <p:nvPr>
             <p:ph type="title"/>
           </p:nvPr>
@@ -1794,7 +2552,6 @@
           <a:bodyPr anchor="b"/>
           <a:lstStyle/>
           <a:p>
-            <a:pPr/>
             <a:r>
               <a:t>Title Text</a:t>
             </a:r>
@@ -1804,7 +2561,9 @@
       <p:sp>
         <p:nvSpPr>
           <p:cNvPr id="22" name="Body Level One…"/>
-          <p:cNvSpPr txBox="1"/>
+          <p:cNvSpPr txBox="1">
+            <a:spLocks noGrp="1"/>
+          </p:cNvSpPr>
           <p:nvPr>
             <p:ph type="body" sz="quarter" idx="1"/>
           </p:nvPr>
@@ -1863,7 +2622,6 @@
             </a:lvl5pPr>
           </a:lstStyle>
           <a:p>
-            <a:pPr/>
             <a:r>
               <a:t>Body Level One</a:t>
             </a:r>
@@ -1897,7 +2655,9 @@
       <p:sp>
         <p:nvSpPr>
           <p:cNvPr id="23" name="Slide Number"/>
-          <p:cNvSpPr txBox="1"/>
+          <p:cNvSpPr txBox="1">
+            <a:spLocks noGrp="1"/>
+          </p:cNvSpPr>
           <p:nvPr>
             <p:ph type="sldNum" sz="quarter" idx="2"/>
           </p:nvPr>
@@ -1915,8 +2675,10 @@
           <a:bodyPr/>
           <a:lstStyle/>
           <a:p>
-            <a:pPr/>
-            <a:fld id="{86CB4B4D-7CA3-9044-876B-883B54F8677D}" type="slidenum"/>
+            <a:fld id="{86CB4B4D-7CA3-9044-876B-883B54F8677D}" type="slidenum">
+              <a:t>‹Nr.›</a:t>
+            </a:fld>
+            <a:endParaRPr/>
           </a:p>
         </p:txBody>
       </p:sp>
@@ -1925,12 +2687,12 @@
   <p:clrMapOvr>
     <a:masterClrMapping/>
   </p:clrMapOvr>
-  <p:transition xmlns:p14="http://schemas.microsoft.com/office/powerpoint/2010/main" spd="med" advClick="1"/>
+  <p:transition spd="med"/>
 </p:sldLayout>
 </file>
 
 <file path=ppt/slideLayouts/slideLayout3.xml><?xml version="1.0" encoding="utf-8"?>
-<p:sldLayout xmlns:a="http://schemas.openxmlformats.org/drawingml/2006/main" xmlns:r="http://schemas.openxmlformats.org/officeDocument/2006/relationships" xmlns:p="http://schemas.openxmlformats.org/presentationml/2006/main" type="tx" showMasterSp="1" showMasterPhAnim="1">
+<p:sldLayout xmlns:a="http://schemas.openxmlformats.org/drawingml/2006/main" xmlns:r="http://schemas.openxmlformats.org/officeDocument/2006/relationships" xmlns:p="http://schemas.openxmlformats.org/presentationml/2006/main" type="tx">
   <p:cSld name="Title - Center">
     <p:spTree>
       <p:nvGrpSpPr>
@@ -1949,7 +2711,9 @@
       <p:sp>
         <p:nvSpPr>
           <p:cNvPr id="30" name="Title Text"/>
-          <p:cNvSpPr txBox="1"/>
+          <p:cNvSpPr txBox="1">
+            <a:spLocks noGrp="1"/>
+          </p:cNvSpPr>
           <p:nvPr>
             <p:ph type="title"/>
           </p:nvPr>
@@ -1967,7 +2731,6 @@
           <a:bodyPr/>
           <a:lstStyle/>
           <a:p>
-            <a:pPr/>
             <a:r>
               <a:t>Title Text</a:t>
             </a:r>
@@ -1977,7 +2740,9 @@
       <p:sp>
         <p:nvSpPr>
           <p:cNvPr id="31" name="Slide Number"/>
-          <p:cNvSpPr txBox="1"/>
+          <p:cNvSpPr txBox="1">
+            <a:spLocks noGrp="1"/>
+          </p:cNvSpPr>
           <p:nvPr>
             <p:ph type="sldNum" sz="quarter" idx="2"/>
           </p:nvPr>
@@ -1991,8 +2756,10 @@
           <a:bodyPr/>
           <a:lstStyle/>
           <a:p>
-            <a:pPr/>
-            <a:fld id="{86CB4B4D-7CA3-9044-876B-883B54F8677D}" type="slidenum"/>
+            <a:fld id="{86CB4B4D-7CA3-9044-876B-883B54F8677D}" type="slidenum">
+              <a:t>‹Nr.›</a:t>
+            </a:fld>
+            <a:endParaRPr/>
           </a:p>
         </p:txBody>
       </p:sp>
@@ -2001,12 +2768,12 @@
   <p:clrMapOvr>
     <a:masterClrMapping/>
   </p:clrMapOvr>
-  <p:transition xmlns:p14="http://schemas.microsoft.com/office/powerpoint/2010/main" spd="med" advClick="1"/>
+  <p:transition spd="med"/>
 </p:sldLayout>
 </file>
 
 <file path=ppt/slideLayouts/slideLayout4.xml><?xml version="1.0" encoding="utf-8"?>
-<p:sldLayout xmlns:a="http://schemas.openxmlformats.org/drawingml/2006/main" xmlns:r="http://schemas.openxmlformats.org/officeDocument/2006/relationships" xmlns:p="http://schemas.openxmlformats.org/presentationml/2006/main" type="tx" showMasterSp="1" showMasterPhAnim="1">
+<p:sldLayout xmlns:a="http://schemas.openxmlformats.org/drawingml/2006/main" xmlns:r="http://schemas.openxmlformats.org/officeDocument/2006/relationships" xmlns:p="http://schemas.openxmlformats.org/presentationml/2006/main" type="tx">
   <p:cSld name="Photo - Vertical">
     <p:spTree>
       <p:nvGrpSpPr>
@@ -2025,7 +2792,9 @@
       <p:sp>
         <p:nvSpPr>
           <p:cNvPr id="38" name="Image"/>
-          <p:cNvSpPr/>
+          <p:cNvSpPr>
+            <a:spLocks noGrp="1"/>
+          </p:cNvSpPr>
           <p:nvPr>
             <p:ph type="pic" sz="half" idx="13"/>
           </p:nvPr>
@@ -2045,14 +2814,16 @@
           </a:bodyPr>
           <a:lstStyle/>
           <a:p>
-            <a:pPr/>
+            <a:endParaRPr/>
           </a:p>
         </p:txBody>
       </p:sp>
       <p:sp>
         <p:nvSpPr>
           <p:cNvPr id="39" name="Title Text"/>
-          <p:cNvSpPr txBox="1"/>
+          <p:cNvSpPr txBox="1">
+            <a:spLocks noGrp="1"/>
+          </p:cNvSpPr>
           <p:nvPr>
             <p:ph type="title"/>
           </p:nvPr>
@@ -2074,7 +2845,6 @@
             </a:lvl1pPr>
           </a:lstStyle>
           <a:p>
-            <a:pPr/>
             <a:r>
               <a:t>Title Text</a:t>
             </a:r>
@@ -2084,7 +2854,9 @@
       <p:sp>
         <p:nvSpPr>
           <p:cNvPr id="40" name="Body Level One…"/>
-          <p:cNvSpPr txBox="1"/>
+          <p:cNvSpPr txBox="1">
+            <a:spLocks noGrp="1"/>
+          </p:cNvSpPr>
           <p:nvPr>
             <p:ph type="body" sz="quarter" idx="1"/>
           </p:nvPr>
@@ -2143,7 +2915,6 @@
             </a:lvl5pPr>
           </a:lstStyle>
           <a:p>
-            <a:pPr/>
             <a:r>
               <a:t>Body Level One</a:t>
             </a:r>
@@ -2177,7 +2948,9 @@
       <p:sp>
         <p:nvSpPr>
           <p:cNvPr id="41" name="Slide Number"/>
-          <p:cNvSpPr txBox="1"/>
+          <p:cNvSpPr txBox="1">
+            <a:spLocks noGrp="1"/>
+          </p:cNvSpPr>
           <p:nvPr>
             <p:ph type="sldNum" sz="quarter" idx="2"/>
           </p:nvPr>
@@ -2191,8 +2964,10 @@
           <a:bodyPr/>
           <a:lstStyle/>
           <a:p>
-            <a:pPr/>
-            <a:fld id="{86CB4B4D-7CA3-9044-876B-883B54F8677D}" type="slidenum"/>
+            <a:fld id="{86CB4B4D-7CA3-9044-876B-883B54F8677D}" type="slidenum">
+              <a:t>‹Nr.›</a:t>
+            </a:fld>
+            <a:endParaRPr/>
           </a:p>
         </p:txBody>
       </p:sp>
@@ -2201,12 +2976,12 @@
   <p:clrMapOvr>
     <a:masterClrMapping/>
   </p:clrMapOvr>
-  <p:transition xmlns:p14="http://schemas.microsoft.com/office/powerpoint/2010/main" spd="med" advClick="1"/>
+  <p:transition spd="med"/>
 </p:sldLayout>
 </file>
 
 <file path=ppt/slideLayouts/slideLayout5.xml><?xml version="1.0" encoding="utf-8"?>
-<p:sldLayout xmlns:a="http://schemas.openxmlformats.org/drawingml/2006/main" xmlns:r="http://schemas.openxmlformats.org/officeDocument/2006/relationships" xmlns:p="http://schemas.openxmlformats.org/presentationml/2006/main" type="tx" showMasterSp="1" showMasterPhAnim="1">
+<p:sldLayout xmlns:a="http://schemas.openxmlformats.org/drawingml/2006/main" xmlns:r="http://schemas.openxmlformats.org/officeDocument/2006/relationships" xmlns:p="http://schemas.openxmlformats.org/presentationml/2006/main" type="tx">
   <p:cSld name="Title - Top">
     <p:spTree>
       <p:nvGrpSpPr>
@@ -2225,7 +3000,9 @@
       <p:sp>
         <p:nvSpPr>
           <p:cNvPr id="48" name="Title Text"/>
-          <p:cNvSpPr txBox="1"/>
+          <p:cNvSpPr txBox="1">
+            <a:spLocks noGrp="1"/>
+          </p:cNvSpPr>
           <p:nvPr>
             <p:ph type="title"/>
           </p:nvPr>
@@ -2239,7 +3016,6 @@
           <a:bodyPr/>
           <a:lstStyle/>
           <a:p>
-            <a:pPr/>
             <a:r>
               <a:t>Title Text</a:t>
             </a:r>
@@ -2249,7 +3025,9 @@
       <p:sp>
         <p:nvSpPr>
           <p:cNvPr id="49" name="Slide Number"/>
-          <p:cNvSpPr txBox="1"/>
+          <p:cNvSpPr txBox="1">
+            <a:spLocks noGrp="1"/>
+          </p:cNvSpPr>
           <p:nvPr>
             <p:ph type="sldNum" sz="quarter" idx="2"/>
           </p:nvPr>
@@ -2263,8 +3041,10 @@
           <a:bodyPr/>
           <a:lstStyle/>
           <a:p>
-            <a:pPr/>
-            <a:fld id="{86CB4B4D-7CA3-9044-876B-883B54F8677D}" type="slidenum"/>
+            <a:fld id="{86CB4B4D-7CA3-9044-876B-883B54F8677D}" type="slidenum">
+              <a:t>‹Nr.›</a:t>
+            </a:fld>
+            <a:endParaRPr/>
           </a:p>
         </p:txBody>
       </p:sp>
@@ -2273,12 +3053,12 @@
   <p:clrMapOvr>
     <a:masterClrMapping/>
   </p:clrMapOvr>
-  <p:transition xmlns:p14="http://schemas.microsoft.com/office/powerpoint/2010/main" spd="med" advClick="1"/>
+  <p:transition spd="med"/>
 </p:sldLayout>
 </file>
 
 <file path=ppt/slideLayouts/slideLayout6.xml><?xml version="1.0" encoding="utf-8"?>
-<p:sldLayout xmlns:a="http://schemas.openxmlformats.org/drawingml/2006/main" xmlns:r="http://schemas.openxmlformats.org/officeDocument/2006/relationships" xmlns:p="http://schemas.openxmlformats.org/presentationml/2006/main" type="tx" showMasterSp="1" showMasterPhAnim="1">
+<p:sldLayout xmlns:a="http://schemas.openxmlformats.org/drawingml/2006/main" xmlns:r="http://schemas.openxmlformats.org/officeDocument/2006/relationships" xmlns:p="http://schemas.openxmlformats.org/presentationml/2006/main" type="tx">
   <p:cSld name="Title &amp; Bullets">
     <p:spTree>
       <p:nvGrpSpPr>
@@ -2297,7 +3077,9 @@
       <p:sp>
         <p:nvSpPr>
           <p:cNvPr id="56" name="Title Text"/>
-          <p:cNvSpPr txBox="1"/>
+          <p:cNvSpPr txBox="1">
+            <a:spLocks noGrp="1"/>
+          </p:cNvSpPr>
           <p:nvPr>
             <p:ph type="title"/>
           </p:nvPr>
@@ -2311,7 +3093,6 @@
           <a:bodyPr/>
           <a:lstStyle/>
           <a:p>
-            <a:pPr/>
             <a:r>
               <a:t>Title Text</a:t>
             </a:r>
@@ -2321,7 +3102,9 @@
       <p:sp>
         <p:nvSpPr>
           <p:cNvPr id="57" name="Body Level One…"/>
-          <p:cNvSpPr txBox="1"/>
+          <p:cNvSpPr txBox="1">
+            <a:spLocks noGrp="1"/>
+          </p:cNvSpPr>
           <p:nvPr>
             <p:ph type="body" idx="1"/>
           </p:nvPr>
@@ -2335,7 +3118,6 @@
           <a:bodyPr/>
           <a:lstStyle/>
           <a:p>
-            <a:pPr/>
             <a:r>
               <a:t>Body Level One</a:t>
             </a:r>
@@ -2369,7 +3151,9 @@
       <p:sp>
         <p:nvSpPr>
           <p:cNvPr id="58" name="Slide Number"/>
-          <p:cNvSpPr txBox="1"/>
+          <p:cNvSpPr txBox="1">
+            <a:spLocks noGrp="1"/>
+          </p:cNvSpPr>
           <p:nvPr>
             <p:ph type="sldNum" sz="quarter" idx="2"/>
           </p:nvPr>
@@ -2383,8 +3167,10 @@
           <a:bodyPr/>
           <a:lstStyle/>
           <a:p>
-            <a:pPr/>
-            <a:fld id="{86CB4B4D-7CA3-9044-876B-883B54F8677D}" type="slidenum"/>
+            <a:fld id="{86CB4B4D-7CA3-9044-876B-883B54F8677D}" type="slidenum">
+              <a:t>‹Nr.›</a:t>
+            </a:fld>
+            <a:endParaRPr/>
           </a:p>
         </p:txBody>
       </p:sp>
@@ -2393,12 +3179,12 @@
   <p:clrMapOvr>
     <a:masterClrMapping/>
   </p:clrMapOvr>
-  <p:transition xmlns:p14="http://schemas.microsoft.com/office/powerpoint/2010/main" spd="med" advClick="1"/>
+  <p:transition spd="med"/>
 </p:sldLayout>
 </file>
 
 <file path=ppt/slideLayouts/slideLayout7.xml><?xml version="1.0" encoding="utf-8"?>
-<p:sldLayout xmlns:a="http://schemas.openxmlformats.org/drawingml/2006/main" xmlns:r="http://schemas.openxmlformats.org/officeDocument/2006/relationships" xmlns:p="http://schemas.openxmlformats.org/presentationml/2006/main" type="tx" showMasterSp="1" showMasterPhAnim="1">
+<p:sldLayout xmlns:a="http://schemas.openxmlformats.org/drawingml/2006/main" xmlns:r="http://schemas.openxmlformats.org/officeDocument/2006/relationships" xmlns:p="http://schemas.openxmlformats.org/presentationml/2006/main" type="tx">
   <p:cSld name="Title, Bullets &amp; Photo">
     <p:spTree>
       <p:nvGrpSpPr>
@@ -2417,7 +3203,9 @@
       <p:sp>
         <p:nvSpPr>
           <p:cNvPr id="65" name="Image"/>
-          <p:cNvSpPr/>
+          <p:cNvSpPr>
+            <a:spLocks noGrp="1"/>
+          </p:cNvSpPr>
           <p:nvPr>
             <p:ph type="pic" sz="half" idx="13"/>
           </p:nvPr>
@@ -2437,14 +3225,16 @@
           </a:bodyPr>
           <a:lstStyle/>
           <a:p>
-            <a:pPr/>
+            <a:endParaRPr/>
           </a:p>
         </p:txBody>
       </p:sp>
       <p:sp>
         <p:nvSpPr>
           <p:cNvPr id="66" name="Title Text"/>
-          <p:cNvSpPr txBox="1"/>
+          <p:cNvSpPr txBox="1">
+            <a:spLocks noGrp="1"/>
+          </p:cNvSpPr>
           <p:nvPr>
             <p:ph type="title"/>
           </p:nvPr>
@@ -2458,7 +3248,6 @@
           <a:bodyPr/>
           <a:lstStyle/>
           <a:p>
-            <a:pPr/>
             <a:r>
               <a:t>Title Text</a:t>
             </a:r>
@@ -2468,7 +3257,9 @@
       <p:sp>
         <p:nvSpPr>
           <p:cNvPr id="67" name="Body Level One…"/>
-          <p:cNvSpPr txBox="1"/>
+          <p:cNvSpPr txBox="1">
+            <a:spLocks noGrp="1"/>
+          </p:cNvSpPr>
           <p:nvPr>
             <p:ph type="body" sz="half" idx="1"/>
           </p:nvPr>
@@ -2517,7 +3308,6 @@
             </a:lvl5pPr>
           </a:lstStyle>
           <a:p>
-            <a:pPr/>
             <a:r>
               <a:t>Body Level One</a:t>
             </a:r>
@@ -2551,7 +3341,9 @@
       <p:sp>
         <p:nvSpPr>
           <p:cNvPr id="68" name="Slide Number"/>
-          <p:cNvSpPr txBox="1"/>
+          <p:cNvSpPr txBox="1">
+            <a:spLocks noGrp="1"/>
+          </p:cNvSpPr>
           <p:nvPr>
             <p:ph type="sldNum" sz="quarter" idx="2"/>
           </p:nvPr>
@@ -2565,8 +3357,10 @@
           <a:bodyPr/>
           <a:lstStyle/>
           <a:p>
-            <a:pPr/>
-            <a:fld id="{86CB4B4D-7CA3-9044-876B-883B54F8677D}" type="slidenum"/>
+            <a:fld id="{86CB4B4D-7CA3-9044-876B-883B54F8677D}" type="slidenum">
+              <a:t>‹Nr.›</a:t>
+            </a:fld>
+            <a:endParaRPr/>
           </a:p>
         </p:txBody>
       </p:sp>
@@ -2575,12 +3369,12 @@
   <p:clrMapOvr>
     <a:masterClrMapping/>
   </p:clrMapOvr>
-  <p:transition xmlns:p14="http://schemas.microsoft.com/office/powerpoint/2010/main" spd="med" advClick="1"/>
+  <p:transition spd="med"/>
 </p:sldLayout>
 </file>
 
 <file path=ppt/slideLayouts/slideLayout8.xml><?xml version="1.0" encoding="utf-8"?>
-<p:sldLayout xmlns:a="http://schemas.openxmlformats.org/drawingml/2006/main" xmlns:r="http://schemas.openxmlformats.org/officeDocument/2006/relationships" xmlns:p="http://schemas.openxmlformats.org/presentationml/2006/main" type="tx" showMasterSp="1" showMasterPhAnim="1">
+<p:sldLayout xmlns:a="http://schemas.openxmlformats.org/drawingml/2006/main" xmlns:r="http://schemas.openxmlformats.org/officeDocument/2006/relationships" xmlns:p="http://schemas.openxmlformats.org/presentationml/2006/main" type="tx">
   <p:cSld name="Bullets">
     <p:spTree>
       <p:nvGrpSpPr>
@@ -2599,7 +3393,9 @@
       <p:sp>
         <p:nvSpPr>
           <p:cNvPr id="75" name="Body Level One…"/>
-          <p:cNvSpPr txBox="1"/>
+          <p:cNvSpPr txBox="1">
+            <a:spLocks noGrp="1"/>
+          </p:cNvSpPr>
           <p:nvPr>
             <p:ph type="body" idx="1"/>
           </p:nvPr>
@@ -2617,7 +3413,6 @@
           <a:bodyPr/>
           <a:lstStyle/>
           <a:p>
-            <a:pPr/>
             <a:r>
               <a:t>Body Level One</a:t>
             </a:r>
@@ -2651,7 +3446,9 @@
       <p:sp>
         <p:nvSpPr>
           <p:cNvPr id="76" name="Slide Number"/>
-          <p:cNvSpPr txBox="1"/>
+          <p:cNvSpPr txBox="1">
+            <a:spLocks noGrp="1"/>
+          </p:cNvSpPr>
           <p:nvPr>
             <p:ph type="sldNum" sz="quarter" idx="2"/>
           </p:nvPr>
@@ -2665,8 +3462,10 @@
           <a:bodyPr/>
           <a:lstStyle/>
           <a:p>
-            <a:pPr/>
-            <a:fld id="{86CB4B4D-7CA3-9044-876B-883B54F8677D}" type="slidenum"/>
+            <a:fld id="{86CB4B4D-7CA3-9044-876B-883B54F8677D}" type="slidenum">
+              <a:t>‹Nr.›</a:t>
+            </a:fld>
+            <a:endParaRPr/>
           </a:p>
         </p:txBody>
       </p:sp>
@@ -2675,12 +3474,12 @@
   <p:clrMapOvr>
     <a:masterClrMapping/>
   </p:clrMapOvr>
-  <p:transition xmlns:p14="http://schemas.microsoft.com/office/powerpoint/2010/main" spd="med" advClick="1"/>
+  <p:transition spd="med"/>
 </p:sldLayout>
 </file>
 
 <file path=ppt/slideLayouts/slideLayout9.xml><?xml version="1.0" encoding="utf-8"?>
-<p:sldLayout xmlns:a="http://schemas.openxmlformats.org/drawingml/2006/main" xmlns:r="http://schemas.openxmlformats.org/officeDocument/2006/relationships" xmlns:p="http://schemas.openxmlformats.org/presentationml/2006/main" type="tx" showMasterSp="1" showMasterPhAnim="1">
+<p:sldLayout xmlns:a="http://schemas.openxmlformats.org/drawingml/2006/main" xmlns:r="http://schemas.openxmlformats.org/officeDocument/2006/relationships" xmlns:p="http://schemas.openxmlformats.org/presentationml/2006/main" type="tx">
   <p:cSld name="Photo - 3 Up">
     <p:spTree>
       <p:nvGrpSpPr>
@@ -2699,7 +3498,9 @@
       <p:sp>
         <p:nvSpPr>
           <p:cNvPr id="83" name="Image"/>
-          <p:cNvSpPr/>
+          <p:cNvSpPr>
+            <a:spLocks noGrp="1"/>
+          </p:cNvSpPr>
           <p:nvPr>
             <p:ph type="pic" sz="quarter" idx="13"/>
           </p:nvPr>
@@ -2719,14 +3520,16 @@
           </a:bodyPr>
           <a:lstStyle/>
           <a:p>
-            <a:pPr/>
+            <a:endParaRPr/>
           </a:p>
         </p:txBody>
       </p:sp>
       <p:sp>
         <p:nvSpPr>
           <p:cNvPr id="84" name="Image"/>
-          <p:cNvSpPr/>
+          <p:cNvSpPr>
+            <a:spLocks noGrp="1"/>
+          </p:cNvSpPr>
           <p:nvPr>
             <p:ph type="pic" sz="quarter" idx="14"/>
           </p:nvPr>
@@ -2746,14 +3549,16 @@
           </a:bodyPr>
           <a:lstStyle/>
           <a:p>
-            <a:pPr/>
+            <a:endParaRPr/>
           </a:p>
         </p:txBody>
       </p:sp>
       <p:sp>
         <p:nvSpPr>
           <p:cNvPr id="85" name="Image"/>
-          <p:cNvSpPr/>
+          <p:cNvSpPr>
+            <a:spLocks noGrp="1"/>
+          </p:cNvSpPr>
           <p:nvPr>
             <p:ph type="pic" sz="half" idx="15"/>
           </p:nvPr>
@@ -2773,14 +3578,16 @@
           </a:bodyPr>
           <a:lstStyle/>
           <a:p>
-            <a:pPr/>
+            <a:endParaRPr/>
           </a:p>
         </p:txBody>
       </p:sp>
       <p:sp>
         <p:nvSpPr>
           <p:cNvPr id="86" name="Slide Number"/>
-          <p:cNvSpPr txBox="1"/>
+          <p:cNvSpPr txBox="1">
+            <a:spLocks noGrp="1"/>
+          </p:cNvSpPr>
           <p:nvPr>
             <p:ph type="sldNum" sz="quarter" idx="2"/>
           </p:nvPr>
@@ -2794,8 +3601,10 @@
           <a:bodyPr/>
           <a:lstStyle/>
           <a:p>
-            <a:pPr/>
-            <a:fld id="{86CB4B4D-7CA3-9044-876B-883B54F8677D}" type="slidenum"/>
+            <a:fld id="{86CB4B4D-7CA3-9044-876B-883B54F8677D}" type="slidenum">
+              <a:t>‹Nr.›</a:t>
+            </a:fld>
+            <a:endParaRPr/>
           </a:p>
         </p:txBody>
       </p:sp>
@@ -2804,7 +3613,7 @@
   <p:clrMapOvr>
     <a:masterClrMapping/>
   </p:clrMapOvr>
-  <p:transition xmlns:p14="http://schemas.microsoft.com/office/powerpoint/2010/main" spd="med" advClick="1"/>
+  <p:transition spd="med"/>
 </p:sldLayout>
 </file>
 
@@ -2816,6 +3625,7 @@
         <a:solidFill>
           <a:srgbClr val="FFFFFF"/>
         </a:solidFill>
+        <a:effectLst/>
       </p:bgPr>
     </p:bg>
     <p:spTree>
@@ -2835,7 +3645,9 @@
       <p:sp>
         <p:nvSpPr>
           <p:cNvPr id="2" name="Title Text"/>
-          <p:cNvSpPr txBox="1"/>
+          <p:cNvSpPr txBox="1">
+            <a:spLocks noGrp="1"/>
+          </p:cNvSpPr>
           <p:nvPr>
             <p:ph type="title"/>
           </p:nvPr>
@@ -2853,17 +3665,16 @@
           </a:ln>
           <a:extLst>
             <a:ext uri="{C572A759-6A51-4108-AA02-DFA0A04FC94B}">
-              <ma14:wrappingTextBoxFlag xmlns:ma14="http://schemas.microsoft.com/office/mac/drawingml/2011/main" val="1"/>
+              <ma14:wrappingTextBoxFlag xmlns="" xmlns:ma14="http://schemas.microsoft.com/office/mac/drawingml/2011/main" val="1"/>
             </a:ext>
           </a:extLst>
         </p:spPr>
         <p:txBody>
           <a:bodyPr lIns="50800" tIns="50800" rIns="50800" bIns="50800" anchor="ctr">
-            <a:normAutofit fontScale="100000" lnSpcReduction="0"/>
+            <a:normAutofit/>
           </a:bodyPr>
           <a:lstStyle/>
           <a:p>
-            <a:pPr/>
             <a:r>
               <a:t>Title Text</a:t>
             </a:r>
@@ -2873,7 +3684,9 @@
       <p:sp>
         <p:nvSpPr>
           <p:cNvPr id="3" name="Body Level One…"/>
-          <p:cNvSpPr txBox="1"/>
+          <p:cNvSpPr txBox="1">
+            <a:spLocks noGrp="1"/>
+          </p:cNvSpPr>
           <p:nvPr>
             <p:ph type="body" idx="1"/>
           </p:nvPr>
@@ -2891,17 +3704,16 @@
           </a:ln>
           <a:extLst>
             <a:ext uri="{C572A759-6A51-4108-AA02-DFA0A04FC94B}">
-              <ma14:wrappingTextBoxFlag xmlns:ma14="http://schemas.microsoft.com/office/mac/drawingml/2011/main" val="1"/>
+              <ma14:wrappingTextBoxFlag xmlns="" xmlns:ma14="http://schemas.microsoft.com/office/mac/drawingml/2011/main" val="1"/>
             </a:ext>
           </a:extLst>
         </p:spPr>
         <p:txBody>
           <a:bodyPr lIns="50800" tIns="50800" rIns="50800" bIns="50800" anchor="ctr">
-            <a:normAutofit fontScale="100000" lnSpcReduction="0"/>
+            <a:normAutofit/>
           </a:bodyPr>
           <a:lstStyle/>
           <a:p>
-            <a:pPr/>
             <a:r>
               <a:t>Body Level One</a:t>
             </a:r>
@@ -2935,7 +3747,9 @@
       <p:sp>
         <p:nvSpPr>
           <p:cNvPr id="4" name="Slide Number"/>
-          <p:cNvSpPr txBox="1"/>
+          <p:cNvSpPr txBox="1">
+            <a:spLocks noGrp="1"/>
+          </p:cNvSpPr>
           <p:nvPr>
             <p:ph type="sldNum" sz="quarter" idx="2"/>
           </p:nvPr>
@@ -2962,8 +3776,10 @@
             </a:lvl1pPr>
           </a:lstStyle>
           <a:p>
-            <a:pPr/>
-            <a:fld id="{86CB4B4D-7CA3-9044-876B-883B54F8677D}" type="slidenum"/>
+            <a:fld id="{86CB4B4D-7CA3-9044-876B-883B54F8677D}" type="slidenum">
+              <a:t>‹Nr.›</a:t>
+            </a:fld>
+            <a:endParaRPr/>
           </a:p>
         </p:txBody>
       </p:sp>
@@ -2971,20 +3787,20 @@
   </p:cSld>
   <p:clrMap bg1="lt1" tx1="dk1" bg2="lt2" tx2="dk2" accent1="accent1" accent2="accent2" accent3="accent3" accent4="accent4" accent5="accent5" accent6="accent6" hlink="hlink" folHlink="folHlink"/>
   <p:sldLayoutIdLst>
-    <p:sldLayoutId id="2147483649" r:id="rId2"/>
-    <p:sldLayoutId id="2147483650" r:id="rId3"/>
-    <p:sldLayoutId id="2147483651" r:id="rId4"/>
-    <p:sldLayoutId id="2147483652" r:id="rId5"/>
-    <p:sldLayoutId id="2147483653" r:id="rId6"/>
-    <p:sldLayoutId id="2147483654" r:id="rId7"/>
-    <p:sldLayoutId id="2147483655" r:id="rId8"/>
-    <p:sldLayoutId id="2147483656" r:id="rId9"/>
-    <p:sldLayoutId id="2147483657" r:id="rId10"/>
-    <p:sldLayoutId id="2147483658" r:id="rId11"/>
-    <p:sldLayoutId id="2147483659" r:id="rId12"/>
-    <p:sldLayoutId id="2147483660" r:id="rId13"/>
+    <p:sldLayoutId id="2147483649" r:id="rId1"/>
+    <p:sldLayoutId id="2147483650" r:id="rId2"/>
+    <p:sldLayoutId id="2147483651" r:id="rId3"/>
+    <p:sldLayoutId id="2147483652" r:id="rId4"/>
+    <p:sldLayoutId id="2147483653" r:id="rId5"/>
+    <p:sldLayoutId id="2147483654" r:id="rId6"/>
+    <p:sldLayoutId id="2147483655" r:id="rId7"/>
+    <p:sldLayoutId id="2147483656" r:id="rId8"/>
+    <p:sldLayoutId id="2147483657" r:id="rId9"/>
+    <p:sldLayoutId id="2147483658" r:id="rId10"/>
+    <p:sldLayoutId id="2147483659" r:id="rId11"/>
+    <p:sldLayoutId id="2147483660" r:id="rId12"/>
   </p:sldLayoutIdLst>
-  <p:transition xmlns:p14="http://schemas.microsoft.com/office/powerpoint/2010/main" spd="med" advClick="1"/>
+  <p:transition spd="med"/>
   <p:txStyles>
     <p:titleStyle>
       <a:lvl1pPr marL="0" marR="0" indent="0" algn="ctr" defTabSz="584200" rtl="0" latinLnBrk="0">
@@ -3002,7 +3818,7 @@
         <a:buFontTx/>
         <a:buNone/>
         <a:tabLst/>
-        <a:defRPr b="0" baseline="0" cap="none" i="0" spc="0" strike="noStrike" sz="8000" u="none">
+        <a:defRPr sz="8000" b="0" i="0" u="none" strike="noStrike" cap="none" spc="0" baseline="0">
           <a:ln>
             <a:noFill/>
           </a:ln>
@@ -3031,7 +3847,7 @@
         <a:buFontTx/>
         <a:buNone/>
         <a:tabLst/>
-        <a:defRPr b="0" baseline="0" cap="none" i="0" spc="0" strike="noStrike" sz="8000" u="none">
+        <a:defRPr sz="8000" b="0" i="0" u="none" strike="noStrike" cap="none" spc="0" baseline="0">
           <a:ln>
             <a:noFill/>
           </a:ln>
@@ -3060,7 +3876,7 @@
         <a:buFontTx/>
         <a:buNone/>
         <a:tabLst/>
-        <a:defRPr b="0" baseline="0" cap="none" i="0" spc="0" strike="noStrike" sz="8000" u="none">
+        <a:defRPr sz="8000" b="0" i="0" u="none" strike="noStrike" cap="none" spc="0" baseline="0">
           <a:ln>
             <a:noFill/>
           </a:ln>
@@ -3089,7 +3905,7 @@
         <a:buFontTx/>
         <a:buNone/>
         <a:tabLst/>
-        <a:defRPr b="0" baseline="0" cap="none" i="0" spc="0" strike="noStrike" sz="8000" u="none">
+        <a:defRPr sz="8000" b="0" i="0" u="none" strike="noStrike" cap="none" spc="0" baseline="0">
           <a:ln>
             <a:noFill/>
           </a:ln>
@@ -3118,7 +3934,7 @@
         <a:buFontTx/>
         <a:buNone/>
         <a:tabLst/>
-        <a:defRPr b="0" baseline="0" cap="none" i="0" spc="0" strike="noStrike" sz="8000" u="none">
+        <a:defRPr sz="8000" b="0" i="0" u="none" strike="noStrike" cap="none" spc="0" baseline="0">
           <a:ln>
             <a:noFill/>
           </a:ln>
@@ -3147,7 +3963,7 @@
         <a:buFontTx/>
         <a:buNone/>
         <a:tabLst/>
-        <a:defRPr b="0" baseline="0" cap="none" i="0" spc="0" strike="noStrike" sz="8000" u="none">
+        <a:defRPr sz="8000" b="0" i="0" u="none" strike="noStrike" cap="none" spc="0" baseline="0">
           <a:ln>
             <a:noFill/>
           </a:ln>
@@ -3176,7 +3992,7 @@
         <a:buFontTx/>
         <a:buNone/>
         <a:tabLst/>
-        <a:defRPr b="0" baseline="0" cap="none" i="0" spc="0" strike="noStrike" sz="8000" u="none">
+        <a:defRPr sz="8000" b="0" i="0" u="none" strike="noStrike" cap="none" spc="0" baseline="0">
           <a:ln>
             <a:noFill/>
           </a:ln>
@@ -3205,7 +4021,7 @@
         <a:buFontTx/>
         <a:buNone/>
         <a:tabLst/>
-        <a:defRPr b="0" baseline="0" cap="none" i="0" spc="0" strike="noStrike" sz="8000" u="none">
+        <a:defRPr sz="8000" b="0" i="0" u="none" strike="noStrike" cap="none" spc="0" baseline="0">
           <a:ln>
             <a:noFill/>
           </a:ln>
@@ -3234,7 +4050,7 @@
         <a:buFontTx/>
         <a:buNone/>
         <a:tabLst/>
-        <a:defRPr b="0" baseline="0" cap="none" i="0" spc="0" strike="noStrike" sz="8000" u="none">
+        <a:defRPr sz="8000" b="0" i="0" u="none" strike="noStrike" cap="none" spc="0" baseline="0">
           <a:ln>
             <a:noFill/>
           </a:ln>
@@ -3265,7 +4081,7 @@
         <a:buFontTx/>
         <a:buChar char="•"/>
         <a:tabLst/>
-        <a:defRPr b="0" baseline="0" cap="none" i="0" spc="0" strike="noStrike" sz="3600" u="none">
+        <a:defRPr sz="3600" b="0" i="0" u="none" strike="noStrike" cap="none" spc="0" baseline="0">
           <a:ln>
             <a:noFill/>
           </a:ln>
@@ -3294,7 +4110,7 @@
         <a:buFontTx/>
         <a:buChar char="•"/>
         <a:tabLst/>
-        <a:defRPr b="0" baseline="0" cap="none" i="0" spc="0" strike="noStrike" sz="3600" u="none">
+        <a:defRPr sz="3600" b="0" i="0" u="none" strike="noStrike" cap="none" spc="0" baseline="0">
           <a:ln>
             <a:noFill/>
           </a:ln>
@@ -3323,7 +4139,7 @@
         <a:buFontTx/>
         <a:buChar char="•"/>
         <a:tabLst/>
-        <a:defRPr b="0" baseline="0" cap="none" i="0" spc="0" strike="noStrike" sz="3600" u="none">
+        <a:defRPr sz="3600" b="0" i="0" u="none" strike="noStrike" cap="none" spc="0" baseline="0">
           <a:ln>
             <a:noFill/>
           </a:ln>
@@ -3352,7 +4168,7 @@
         <a:buFontTx/>
         <a:buChar char="•"/>
         <a:tabLst/>
-        <a:defRPr b="0" baseline="0" cap="none" i="0" spc="0" strike="noStrike" sz="3600" u="none">
+        <a:defRPr sz="3600" b="0" i="0" u="none" strike="noStrike" cap="none" spc="0" baseline="0">
           <a:ln>
             <a:noFill/>
           </a:ln>
@@ -3381,7 +4197,7 @@
         <a:buFontTx/>
         <a:buChar char="•"/>
         <a:tabLst/>
-        <a:defRPr b="0" baseline="0" cap="none" i="0" spc="0" strike="noStrike" sz="3600" u="none">
+        <a:defRPr sz="3600" b="0" i="0" u="none" strike="noStrike" cap="none" spc="0" baseline="0">
           <a:ln>
             <a:noFill/>
           </a:ln>
@@ -3410,7 +4226,7 @@
         <a:buFontTx/>
         <a:buChar char="•"/>
         <a:tabLst/>
-        <a:defRPr b="0" baseline="0" cap="none" i="0" spc="0" strike="noStrike" sz="3600" u="none">
+        <a:defRPr sz="3600" b="0" i="0" u="none" strike="noStrike" cap="none" spc="0" baseline="0">
           <a:ln>
             <a:noFill/>
           </a:ln>
@@ -3439,7 +4255,7 @@
         <a:buFontTx/>
         <a:buChar char="•"/>
         <a:tabLst/>
-        <a:defRPr b="0" baseline="0" cap="none" i="0" spc="0" strike="noStrike" sz="3600" u="none">
+        <a:defRPr sz="3600" b="0" i="0" u="none" strike="noStrike" cap="none" spc="0" baseline="0">
           <a:ln>
             <a:noFill/>
           </a:ln>
@@ -3468,7 +4284,7 @@
         <a:buFontTx/>
         <a:buChar char="•"/>
         <a:tabLst/>
-        <a:defRPr b="0" baseline="0" cap="none" i="0" spc="0" strike="noStrike" sz="3600" u="none">
+        <a:defRPr sz="3600" b="0" i="0" u="none" strike="noStrike" cap="none" spc="0" baseline="0">
           <a:ln>
             <a:noFill/>
           </a:ln>
@@ -3497,7 +4313,7 @@
         <a:buFontTx/>
         <a:buChar char="•"/>
         <a:tabLst/>
-        <a:defRPr b="0" baseline="0" cap="none" i="0" spc="0" strike="noStrike" sz="3600" u="none">
+        <a:defRPr sz="3600" b="0" i="0" u="none" strike="noStrike" cap="none" spc="0" baseline="0">
           <a:ln>
             <a:noFill/>
           </a:ln>
@@ -3528,7 +4344,7 @@
         <a:buFontTx/>
         <a:buNone/>
         <a:tabLst/>
-        <a:defRPr b="0" baseline="0" cap="none" i="0" spc="0" strike="noStrike" sz="1800" u="none">
+        <a:defRPr sz="1800" b="0" i="0" u="none" strike="noStrike" cap="none" spc="0" baseline="0">
           <a:ln>
             <a:noFill/>
           </a:ln>
@@ -3557,7 +4373,7 @@
         <a:buFontTx/>
         <a:buNone/>
         <a:tabLst/>
-        <a:defRPr b="0" baseline="0" cap="none" i="0" spc="0" strike="noStrike" sz="1800" u="none">
+        <a:defRPr sz="1800" b="0" i="0" u="none" strike="noStrike" cap="none" spc="0" baseline="0">
           <a:ln>
             <a:noFill/>
           </a:ln>
@@ -3586,7 +4402,7 @@
         <a:buFontTx/>
         <a:buNone/>
         <a:tabLst/>
-        <a:defRPr b="0" baseline="0" cap="none" i="0" spc="0" strike="noStrike" sz="1800" u="none">
+        <a:defRPr sz="1800" b="0" i="0" u="none" strike="noStrike" cap="none" spc="0" baseline="0">
           <a:ln>
             <a:noFill/>
           </a:ln>
@@ -3615,7 +4431,7 @@
         <a:buFontTx/>
         <a:buNone/>
         <a:tabLst/>
-        <a:defRPr b="0" baseline="0" cap="none" i="0" spc="0" strike="noStrike" sz="1800" u="none">
+        <a:defRPr sz="1800" b="0" i="0" u="none" strike="noStrike" cap="none" spc="0" baseline="0">
           <a:ln>
             <a:noFill/>
           </a:ln>
@@ -3644,7 +4460,7 @@
         <a:buFontTx/>
         <a:buNone/>
         <a:tabLst/>
-        <a:defRPr b="0" baseline="0" cap="none" i="0" spc="0" strike="noStrike" sz="1800" u="none">
+        <a:defRPr sz="1800" b="0" i="0" u="none" strike="noStrike" cap="none" spc="0" baseline="0">
           <a:ln>
             <a:noFill/>
           </a:ln>
@@ -3673,7 +4489,7 @@
         <a:buFontTx/>
         <a:buNone/>
         <a:tabLst/>
-        <a:defRPr b="0" baseline="0" cap="none" i="0" spc="0" strike="noStrike" sz="1800" u="none">
+        <a:defRPr sz="1800" b="0" i="0" u="none" strike="noStrike" cap="none" spc="0" baseline="0">
           <a:ln>
             <a:noFill/>
           </a:ln>
@@ -3702,7 +4518,7 @@
         <a:buFontTx/>
         <a:buNone/>
         <a:tabLst/>
-        <a:defRPr b="0" baseline="0" cap="none" i="0" spc="0" strike="noStrike" sz="1800" u="none">
+        <a:defRPr sz="1800" b="0" i="0" u="none" strike="noStrike" cap="none" spc="0" baseline="0">
           <a:ln>
             <a:noFill/>
           </a:ln>
@@ -3731,7 +4547,7 @@
         <a:buFontTx/>
         <a:buNone/>
         <a:tabLst/>
-        <a:defRPr b="0" baseline="0" cap="none" i="0" spc="0" strike="noStrike" sz="1800" u="none">
+        <a:defRPr sz="1800" b="0" i="0" u="none" strike="noStrike" cap="none" spc="0" baseline="0">
           <a:ln>
             <a:noFill/>
           </a:ln>
@@ -3760,7 +4576,7 @@
         <a:buFontTx/>
         <a:buNone/>
         <a:tabLst/>
-        <a:defRPr b="0" baseline="0" cap="none" i="0" spc="0" strike="noStrike" sz="1800" u="none">
+        <a:defRPr sz="1800" b="0" i="0" u="none" strike="noStrike" cap="none" spc="0" baseline="0">
           <a:ln>
             <a:noFill/>
           </a:ln>
@@ -3780,7 +4596,7 @@
 </file>
 
 <file path=ppt/slides/slide1.xml><?xml version="1.0" encoding="utf-8"?>
-<p:sld xmlns:a="http://schemas.openxmlformats.org/drawingml/2006/main" xmlns:r="http://schemas.openxmlformats.org/officeDocument/2006/relationships" xmlns:p="http://schemas.openxmlformats.org/presentationml/2006/main" showMasterSp="1" showMasterPhAnim="1">
+<p:sld xmlns:a="http://schemas.openxmlformats.org/drawingml/2006/main" xmlns:r="http://schemas.openxmlformats.org/officeDocument/2006/relationships" xmlns:p="http://schemas.openxmlformats.org/presentationml/2006/main">
   <p:cSld>
     <p:spTree>
       <p:nvGrpSpPr>
@@ -3799,7 +4615,9 @@
       <p:sp>
         <p:nvSpPr>
           <p:cNvPr id="119" name="MVC"/>
-          <p:cNvSpPr txBox="1"/>
+          <p:cNvSpPr txBox="1">
+            <a:spLocks noGrp="1"/>
+          </p:cNvSpPr>
           <p:nvPr>
             <p:ph type="ctrTitle"/>
           </p:nvPr>
@@ -3813,7 +4631,6 @@
           <a:bodyPr/>
           <a:lstStyle/>
           <a:p>
-            <a:pPr/>
             <a:r>
               <a:t>MVC</a:t>
             </a:r>
@@ -3823,7 +4640,9 @@
       <p:sp>
         <p:nvSpPr>
           <p:cNvPr id="120" name="Supplementary presentation to exercises…"/>
-          <p:cNvSpPr txBox="1"/>
+          <p:cNvSpPr txBox="1">
+            <a:spLocks noGrp="1"/>
+          </p:cNvSpPr>
           <p:nvPr>
             <p:ph type="subTitle" sz="quarter" idx="1"/>
           </p:nvPr>
@@ -3834,13 +4653,16 @@
           </a:prstGeom>
         </p:spPr>
         <p:txBody>
-          <a:bodyPr/>
+          <a:bodyPr>
+            <a:normAutofit lnSpcReduction="10000"/>
+          </a:bodyPr>
           <a:lstStyle/>
           <a:p>
             <a:pPr lvl="1" indent="162305" defTabSz="414781">
               <a:defRPr sz="2272"/>
             </a:pPr>
             <a:r>
+              <a:rPr dirty="0"/>
               <a:t>Supplementary presentation to exercises</a:t>
             </a:r>
           </a:p>
@@ -3849,7 +4671,16 @@
               <a:defRPr sz="2272"/>
             </a:pPr>
             <a:r>
-              <a:t>ESE 2016, University of Bern</a:t>
+              <a:rPr dirty="0"/>
+              <a:t>ESE 201</a:t>
+            </a:r>
+            <a:r>
+              <a:rPr lang="de-DE" dirty="0"/>
+              <a:t>7</a:t>
+            </a:r>
+            <a:r>
+              <a:rPr dirty="0"/>
+              <a:t>, University of Bern</a:t>
             </a:r>
           </a:p>
           <a:p>
@@ -3857,8 +4688,30 @@
               <a:defRPr sz="2272"/>
             </a:pPr>
             <a:r>
-              <a:t>Manuel Leuenberger</a:t>
-            </a:r>
+              <a:rPr lang="de-DE" dirty="0" err="1"/>
+              <a:t>Slides</a:t>
+            </a:r>
+            <a:r>
+              <a:rPr lang="de-DE" dirty="0"/>
+              <a:t> </a:t>
+            </a:r>
+            <a:r>
+              <a:rPr lang="de-DE" dirty="0" err="1"/>
+              <a:t>by</a:t>
+            </a:r>
+            <a:r>
+              <a:rPr lang="de-DE" dirty="0"/>
+              <a:t>: </a:t>
+            </a:r>
+            <a:r>
+              <a:rPr dirty="0"/>
+              <a:t>Manuel </a:t>
+            </a:r>
+            <a:r>
+              <a:rPr dirty="0" err="1"/>
+              <a:t>Leuenberger</a:t>
+            </a:r>
+            <a:endParaRPr dirty="0"/>
           </a:p>
         </p:txBody>
       </p:sp>
@@ -3867,410 +4720,12 @@
   <p:clrMapOvr>
     <a:masterClrMapping/>
   </p:clrMapOvr>
-  <p:transition xmlns:p14="http://schemas.microsoft.com/office/powerpoint/2010/main" spd="med" advClick="1"/>
+  <p:transition spd="med"/>
 </p:sld>
 </file>
 
 <file path=ppt/slides/slide10.xml><?xml version="1.0" encoding="utf-8"?>
-<p:sld xmlns:a="http://schemas.openxmlformats.org/drawingml/2006/main" xmlns:r="http://schemas.openxmlformats.org/officeDocument/2006/relationships" xmlns:p="http://schemas.openxmlformats.org/presentationml/2006/main" showMasterSp="1" showMasterPhAnim="1">
-  <p:cSld>
-    <p:spTree>
-      <p:nvGrpSpPr>
-        <p:cNvPr id="1" name=""/>
-        <p:cNvGrpSpPr/>
-        <p:nvPr/>
-      </p:nvGrpSpPr>
-      <p:grpSpPr>
-        <a:xfrm>
-          <a:off x="0" y="0"/>
-          <a:ext cx="0" cy="0"/>
-          <a:chOff x="0" y="0"/>
-          <a:chExt cx="0" cy="0"/>
-        </a:xfrm>
-      </p:grpSpPr>
-      <p:sp>
-        <p:nvSpPr>
-          <p:cNvPr id="223" name="Request lifecycle"/>
-          <p:cNvSpPr txBox="1"/>
-          <p:nvPr>
-            <p:ph type="title"/>
-          </p:nvPr>
-        </p:nvSpPr>
-        <p:spPr>
-          <a:prstGeom prst="rect">
-            <a:avLst/>
-          </a:prstGeom>
-        </p:spPr>
-        <p:txBody>
-          <a:bodyPr/>
-          <a:lstStyle/>
-          <a:p>
-            <a:pPr/>
-            <a:r>
-              <a:t>Request lifecycle</a:t>
-            </a:r>
-          </a:p>
-        </p:txBody>
-      </p:sp>
-      <p:sp>
-        <p:nvSpPr>
-          <p:cNvPr id="224" name="user navigates to URL…"/>
-          <p:cNvSpPr txBox="1"/>
-          <p:nvPr>
-            <p:ph type="body" idx="1"/>
-          </p:nvPr>
-        </p:nvSpPr>
-        <p:spPr>
-          <a:prstGeom prst="rect">
-            <a:avLst/>
-          </a:prstGeom>
-        </p:spPr>
-        <p:txBody>
-          <a:bodyPr/>
-          <a:lstStyle/>
-          <a:p>
-            <a:pPr/>
-            <a:r>
-              <a:t>user navigates to URL</a:t>
-            </a:r>
-          </a:p>
-          <a:p>
-            <a:pPr/>
-            <a:r>
-              <a:t>request is mapped to </a:t>
-            </a:r>
-            <a:r>
-              <a:rPr b="1">
-                <a:latin typeface="Helvetica"/>
-                <a:ea typeface="Helvetica"/>
-                <a:cs typeface="Helvetica"/>
-                <a:sym typeface="Helvetica"/>
-              </a:rPr>
-              <a:t>controller</a:t>
-            </a:r>
-            <a:r>
-              <a:t> method</a:t>
-            </a:r>
-          </a:p>
-          <a:p>
-            <a:pPr/>
-            <a:r>
-              <a:rPr b="1">
-                <a:latin typeface="Helvetica"/>
-                <a:ea typeface="Helvetica"/>
-                <a:cs typeface="Helvetica"/>
-                <a:sym typeface="Helvetica"/>
-              </a:rPr>
-              <a:t>controller</a:t>
-            </a:r>
-            <a:r>
-              <a:t> loads </a:t>
-            </a:r>
-            <a:r>
-              <a:rPr b="1">
-                <a:latin typeface="Helvetica"/>
-                <a:ea typeface="Helvetica"/>
-                <a:cs typeface="Helvetica"/>
-                <a:sym typeface="Helvetica"/>
-              </a:rPr>
-              <a:t>model</a:t>
-            </a:r>
-            <a:r>
-              <a:t> by id</a:t>
-            </a:r>
-          </a:p>
-          <a:p>
-            <a:pPr/>
-            <a:r>
-              <a:rPr b="1">
-                <a:latin typeface="Helvetica"/>
-                <a:ea typeface="Helvetica"/>
-                <a:cs typeface="Helvetica"/>
-                <a:sym typeface="Helvetica"/>
-              </a:rPr>
-              <a:t>controller</a:t>
-            </a:r>
-            <a:r>
-              <a:t> pipes model data into </a:t>
-            </a:r>
-            <a:r>
-              <a:rPr b="1">
-                <a:latin typeface="Helvetica"/>
-                <a:ea typeface="Helvetica"/>
-                <a:cs typeface="Helvetica"/>
-                <a:sym typeface="Helvetica"/>
-              </a:rPr>
-              <a:t>view</a:t>
-            </a:r>
-          </a:p>
-          <a:p>
-            <a:pPr/>
-            <a:r>
-              <a:t>user gets rendered </a:t>
-            </a:r>
-            <a:r>
-              <a:rPr b="1">
-                <a:latin typeface="Helvetica"/>
-                <a:ea typeface="Helvetica"/>
-                <a:cs typeface="Helvetica"/>
-                <a:sym typeface="Helvetica"/>
-              </a:rPr>
-              <a:t>view</a:t>
-            </a:r>
-            <a:r>
-              <a:t> as response</a:t>
-            </a:r>
-          </a:p>
-        </p:txBody>
-      </p:sp>
-    </p:spTree>
-  </p:cSld>
-  <p:clrMapOvr>
-    <a:masterClrMapping/>
-  </p:clrMapOvr>
-  <p:transition xmlns:p14="http://schemas.microsoft.com/office/powerpoint/2010/main" spd="med" advClick="1"/>
-</p:sld>
-</file>
-
-<file path=ppt/slides/slide11.xml><?xml version="1.0" encoding="utf-8"?>
-<p:sld xmlns:a="http://schemas.openxmlformats.org/drawingml/2006/main" xmlns:r="http://schemas.openxmlformats.org/officeDocument/2006/relationships" xmlns:p="http://schemas.openxmlformats.org/presentationml/2006/main" showMasterSp="1" showMasterPhAnim="1">
-  <p:cSld>
-    <p:spTree>
-      <p:nvGrpSpPr>
-        <p:cNvPr id="1" name=""/>
-        <p:cNvGrpSpPr/>
-        <p:nvPr/>
-      </p:nvGrpSpPr>
-      <p:grpSpPr>
-        <a:xfrm>
-          <a:off x="0" y="0"/>
-          <a:ext cx="0" cy="0"/>
-          <a:chOff x="0" y="0"/>
-          <a:chExt cx="0" cy="0"/>
-        </a:xfrm>
-      </p:grpSpPr>
-      <p:sp>
-        <p:nvSpPr>
-          <p:cNvPr id="226" name="Tip"/>
-          <p:cNvSpPr txBox="1"/>
-          <p:nvPr>
-            <p:ph type="title"/>
-          </p:nvPr>
-        </p:nvSpPr>
-        <p:spPr>
-          <a:prstGeom prst="rect">
-            <a:avLst/>
-          </a:prstGeom>
-        </p:spPr>
-        <p:txBody>
-          <a:bodyPr/>
-          <a:lstStyle/>
-          <a:p>
-            <a:pPr/>
-            <a:r>
-              <a:t>Tip</a:t>
-            </a:r>
-          </a:p>
-        </p:txBody>
-      </p:sp>
-      <p:sp>
-        <p:nvSpPr>
-          <p:cNvPr id="227" name="become fluent in the web vocabulary…"/>
-          <p:cNvSpPr txBox="1"/>
-          <p:nvPr>
-            <p:ph type="body" idx="1"/>
-          </p:nvPr>
-        </p:nvSpPr>
-        <p:spPr>
-          <a:prstGeom prst="rect">
-            <a:avLst/>
-          </a:prstGeom>
-        </p:spPr>
-        <p:txBody>
-          <a:bodyPr/>
-          <a:lstStyle/>
-          <a:p>
-            <a:pPr marL="342264" indent="-342264" defTabSz="449833">
-              <a:spcBef>
-                <a:spcPts val="3200"/>
-              </a:spcBef>
-              <a:defRPr sz="2772"/>
-            </a:pPr>
-            <a:r>
-              <a:t>become fluent in the web </a:t>
-            </a:r>
-            <a:r>
-              <a:rPr b="1">
-                <a:latin typeface="Helvetica"/>
-                <a:ea typeface="Helvetica"/>
-                <a:cs typeface="Helvetica"/>
-                <a:sym typeface="Helvetica"/>
-              </a:rPr>
-              <a:t>vocabulary</a:t>
-            </a:r>
-            <a:endParaRPr b="1">
-              <a:latin typeface="Helvetica"/>
-              <a:ea typeface="Helvetica"/>
-              <a:cs typeface="Helvetica"/>
-              <a:sym typeface="Helvetica"/>
-            </a:endParaRPr>
-          </a:p>
-          <a:p>
-            <a:pPr marL="342264" indent="-342264" defTabSz="449833">
-              <a:spcBef>
-                <a:spcPts val="3200"/>
-              </a:spcBef>
-              <a:defRPr sz="2772"/>
-            </a:pPr>
-            <a:r>
-              <a:t>understand concepts of used </a:t>
-            </a:r>
-            <a:r>
-              <a:rPr b="1">
-                <a:latin typeface="Helvetica"/>
-                <a:ea typeface="Helvetica"/>
-                <a:cs typeface="Helvetica"/>
-                <a:sym typeface="Helvetica"/>
-              </a:rPr>
-              <a:t>technologies</a:t>
-            </a:r>
-            <a:endParaRPr b="1">
-              <a:latin typeface="Helvetica"/>
-              <a:ea typeface="Helvetica"/>
-              <a:cs typeface="Helvetica"/>
-              <a:sym typeface="Helvetica"/>
-            </a:endParaRPr>
-          </a:p>
-          <a:p>
-            <a:pPr marL="342264" indent="-342264" defTabSz="449833">
-              <a:spcBef>
-                <a:spcPts val="3200"/>
-              </a:spcBef>
-              <a:defRPr sz="2772"/>
-            </a:pPr>
-            <a:r>
-              <a:t>HTTP: request &amp; response, headers, body, method, status</a:t>
-            </a:r>
-          </a:p>
-          <a:p>
-            <a:pPr marL="342264" indent="-342264" defTabSz="449833">
-              <a:spcBef>
-                <a:spcPts val="3200"/>
-              </a:spcBef>
-              <a:defRPr sz="2772"/>
-            </a:pPr>
-            <a:r>
-              <a:t>URL: host, path, query, hash, URL-encoding</a:t>
-            </a:r>
-          </a:p>
-          <a:p>
-            <a:pPr marL="342264" indent="-342264" defTabSz="449833">
-              <a:spcBef>
-                <a:spcPts val="3200"/>
-              </a:spcBef>
-              <a:defRPr sz="2772"/>
-            </a:pPr>
-            <a:r>
-              <a:t>HTML: element, attribute, form-control</a:t>
-            </a:r>
-          </a:p>
-          <a:p>
-            <a:pPr marL="342264" indent="-342264" defTabSz="449833">
-              <a:spcBef>
-                <a:spcPts val="3200"/>
-              </a:spcBef>
-              <a:defRPr sz="2772"/>
-            </a:pPr>
-            <a:r>
-              <a:t>CSS: selector, property, position, display</a:t>
-            </a:r>
-          </a:p>
-          <a:p>
-            <a:pPr marL="342264" indent="-342264" defTabSz="449833">
-              <a:spcBef>
-                <a:spcPts val="3200"/>
-              </a:spcBef>
-              <a:defRPr sz="2772"/>
-            </a:pPr>
-            <a:r>
-              <a:t>JS: jQuery, JSON, DOM</a:t>
-            </a:r>
-          </a:p>
-          <a:p>
-            <a:pPr marL="342264" indent="-342264" defTabSz="449833">
-              <a:spcBef>
-                <a:spcPts val="3200"/>
-              </a:spcBef>
-              <a:defRPr sz="2772"/>
-            </a:pPr>
-            <a:r>
-              <a:t>Documentation: </a:t>
-            </a:r>
-            <a:r>
-              <a:rPr u="sng">
-                <a:hlinkClick r:id="rId3" invalidUrl="" action="" tgtFrame="" tooltip="" history="1" highlightClick="0" endSnd="0"/>
-              </a:rPr>
-              <a:t>RFC</a:t>
-            </a:r>
-            <a:r>
-              <a:t>, </a:t>
-            </a:r>
-            <a:r>
-              <a:rPr u="sng">
-                <a:hlinkClick r:id="rId4" invalidUrl="" action="" tgtFrame="" tooltip="" history="1" highlightClick="0" endSnd="0"/>
-              </a:rPr>
-              <a:t>MDN</a:t>
-            </a:r>
-            <a:r>
-              <a:t>, </a:t>
-            </a:r>
-            <a:r>
-              <a:rPr u="sng">
-                <a:hlinkClick r:id="rId5" invalidUrl="" action="" tgtFrame="" tooltip="" history="1" highlightClick="0" endSnd="0"/>
-              </a:rPr>
-              <a:t>stackoverflow</a:t>
-            </a:r>
-            <a:r>
-              <a:t>, </a:t>
-            </a:r>
-            <a:r>
-              <a:rPr u="sng">
-                <a:hlinkClick r:id="rId6" invalidUrl="" action="" tgtFrame="" tooltip="" history="1" highlightClick="0" endSnd="0"/>
-              </a:rPr>
-              <a:t>W3C</a:t>
-            </a:r>
-            <a:r>
-              <a:t>, </a:t>
-            </a:r>
-            <a:r>
-              <a:rPr u="sng">
-                <a:hlinkClick r:id="rId7" invalidUrl="" action="" tgtFrame="" tooltip="" history="1" highlightClick="0" endSnd="0"/>
-              </a:rPr>
-              <a:t>JavaDoc</a:t>
-            </a:r>
-            <a:r>
-              <a:t>, </a:t>
-            </a:r>
-            <a:r>
-              <a:rPr u="sng">
-                <a:hlinkClick r:id="rId8" invalidUrl="" action="" tgtFrame="" tooltip="" history="1" highlightClick="0" endSnd="0"/>
-              </a:rPr>
-              <a:t>Guides</a:t>
-            </a:r>
-          </a:p>
-        </p:txBody>
-      </p:sp>
-    </p:spTree>
-  </p:cSld>
-  <p:clrMapOvr>
-    <a:masterClrMapping/>
-  </p:clrMapOvr>
-  <p:transition xmlns:p14="http://schemas.microsoft.com/office/powerpoint/2010/main" spd="med" advClick="1"/>
-</p:sld>
-</file>
-
-<file path=ppt/slides/slide12.xml><?xml version="1.0" encoding="utf-8"?>
-<p:sld xmlns:a="http://schemas.openxmlformats.org/drawingml/2006/main" xmlns:r="http://schemas.openxmlformats.org/officeDocument/2006/relationships" xmlns:p="http://schemas.openxmlformats.org/presentationml/2006/main" showMasterSp="1" showMasterPhAnim="1">
+<p:sld xmlns:a="http://schemas.openxmlformats.org/drawingml/2006/main" xmlns:r="http://schemas.openxmlformats.org/officeDocument/2006/relationships" xmlns:p="http://schemas.openxmlformats.org/presentationml/2006/main">
   <p:cSld>
     <p:spTree>
       <p:nvGrpSpPr>
@@ -4289,7 +4744,9 @@
       <p:sp>
         <p:nvSpPr>
           <p:cNvPr id="231" name="Summary"/>
-          <p:cNvSpPr txBox="1"/>
+          <p:cNvSpPr txBox="1">
+            <a:spLocks noGrp="1"/>
+          </p:cNvSpPr>
           <p:nvPr>
             <p:ph type="title"/>
           </p:nvPr>
@@ -4303,7 +4760,6 @@
           <a:bodyPr/>
           <a:lstStyle/>
           <a:p>
-            <a:pPr/>
             <a:r>
               <a:t>Summary</a:t>
             </a:r>
@@ -4313,7 +4769,9 @@
       <p:sp>
         <p:nvSpPr>
           <p:cNvPr id="232" name="model, view, controller…"/>
-          <p:cNvSpPr txBox="1"/>
+          <p:cNvSpPr txBox="1">
+            <a:spLocks noGrp="1"/>
+          </p:cNvSpPr>
           <p:nvPr>
             <p:ph type="body" idx="1"/>
           </p:nvPr>
@@ -4334,7 +4792,7 @@
               <a:defRPr sz="3132"/>
             </a:pPr>
             <a:r>
-              <a:rPr b="1">
+              <a:rPr b="1" dirty="0">
                 <a:latin typeface="Helvetica"/>
                 <a:ea typeface="Helvetica"/>
                 <a:cs typeface="Helvetica"/>
@@ -4343,10 +4801,11 @@
               <a:t>m</a:t>
             </a:r>
             <a:r>
+              <a:rPr dirty="0"/>
               <a:t>odel, </a:t>
             </a:r>
             <a:r>
-              <a:rPr b="1">
+              <a:rPr b="1" dirty="0">
                 <a:latin typeface="Helvetica"/>
                 <a:ea typeface="Helvetica"/>
                 <a:cs typeface="Helvetica"/>
@@ -4355,10 +4814,11 @@
               <a:t>v</a:t>
             </a:r>
             <a:r>
+              <a:rPr dirty="0"/>
               <a:t>iew, </a:t>
             </a:r>
             <a:r>
-              <a:rPr b="1">
+              <a:rPr b="1" dirty="0">
                 <a:latin typeface="Helvetica"/>
                 <a:ea typeface="Helvetica"/>
                 <a:cs typeface="Helvetica"/>
@@ -4367,6 +4827,7 @@
               <a:t>c</a:t>
             </a:r>
             <a:r>
+              <a:rPr dirty="0"/>
               <a:t>ontroller</a:t>
             </a:r>
           </a:p>
@@ -4378,7 +4839,16 @@
               <a:defRPr sz="3132"/>
             </a:pPr>
             <a:r>
-              <a:t>architectural style, not a design pattern</a:t>
+              <a:rPr dirty="0"/>
+              <a:t>architectural </a:t>
+            </a:r>
+            <a:r>
+              <a:rPr lang="de-DE" dirty="0" err="1"/>
+              <a:t>pattern</a:t>
+            </a:r>
+            <a:r>
+              <a:rPr dirty="0"/>
+              <a:t>, not a design pattern</a:t>
             </a:r>
           </a:p>
           <a:p>
@@ -4389,18 +4859,19 @@
               <a:defRPr sz="3132"/>
             </a:pPr>
             <a:r>
+              <a:rPr dirty="0"/>
               <a:t>divide &amp; conquer</a:t>
             </a:r>
           </a:p>
           <a:p>
-            <a:pPr lvl="1" marL="773430" indent="-386715" defTabSz="508254">
+            <a:pPr marL="773430" lvl="1" indent="-386715" defTabSz="508254">
               <a:spcBef>
                 <a:spcPts val="3600"/>
               </a:spcBef>
               <a:defRPr sz="3132"/>
             </a:pPr>
             <a:r>
-              <a:rPr b="1">
+              <a:rPr b="1" dirty="0">
                 <a:latin typeface="Helvetica"/>
                 <a:ea typeface="Helvetica"/>
                 <a:cs typeface="Helvetica"/>
@@ -4409,18 +4880,24 @@
               <a:t>model</a:t>
             </a:r>
             <a:r>
-              <a:t> is business domain: state &amp; behaviour</a:t>
-            </a:r>
-          </a:p>
-          <a:p>
-            <a:pPr lvl="1" marL="773430" indent="-386715" defTabSz="508254">
+              <a:rPr dirty="0"/>
+              <a:t> is business domain: state &amp; </a:t>
+            </a:r>
+            <a:r>
+              <a:rPr dirty="0" err="1"/>
+              <a:t>behaviour</a:t>
+            </a:r>
+            <a:endParaRPr dirty="0"/>
+          </a:p>
+          <a:p>
+            <a:pPr marL="773430" lvl="1" indent="-386715" defTabSz="508254">
               <a:spcBef>
                 <a:spcPts val="3600"/>
               </a:spcBef>
               <a:defRPr sz="3132"/>
             </a:pPr>
             <a:r>
-              <a:rPr b="1">
+              <a:rPr b="1" dirty="0">
                 <a:latin typeface="Helvetica"/>
                 <a:ea typeface="Helvetica"/>
                 <a:cs typeface="Helvetica"/>
@@ -4429,10 +4906,11 @@
               <a:t>view</a:t>
             </a:r>
             <a:r>
+              <a:rPr dirty="0"/>
               <a:t> represents </a:t>
             </a:r>
             <a:r>
-              <a:rPr b="1">
+              <a:rPr b="1" dirty="0">
                 <a:latin typeface="Helvetica"/>
                 <a:ea typeface="Helvetica"/>
                 <a:cs typeface="Helvetica"/>
@@ -4440,22 +4918,16 @@
               </a:rPr>
               <a:t>model</a:t>
             </a:r>
-            <a:endParaRPr b="1">
-              <a:latin typeface="Helvetica"/>
-              <a:ea typeface="Helvetica"/>
-              <a:cs typeface="Helvetica"/>
-              <a:sym typeface="Helvetica"/>
-            </a:endParaRPr>
-          </a:p>
-          <a:p>
-            <a:pPr lvl="1" marL="773430" indent="-386715" defTabSz="508254">
+          </a:p>
+          <a:p>
+            <a:pPr marL="773430" lvl="1" indent="-386715" defTabSz="508254">
               <a:spcBef>
                 <a:spcPts val="3600"/>
               </a:spcBef>
               <a:defRPr sz="3132"/>
             </a:pPr>
             <a:r>
-              <a:rPr b="1">
+              <a:rPr b="1" dirty="0">
                 <a:latin typeface="Helvetica"/>
                 <a:ea typeface="Helvetica"/>
                 <a:cs typeface="Helvetica"/>
@@ -4464,10 +4936,11 @@
               <a:t>controller</a:t>
             </a:r>
             <a:r>
+              <a:rPr dirty="0"/>
               <a:t> delegates changes between </a:t>
             </a:r>
             <a:r>
-              <a:rPr b="1">
+              <a:rPr b="1" dirty="0">
                 <a:latin typeface="Helvetica"/>
                 <a:ea typeface="Helvetica"/>
                 <a:cs typeface="Helvetica"/>
@@ -4476,10 +4949,11 @@
               <a:t>model</a:t>
             </a:r>
             <a:r>
+              <a:rPr dirty="0"/>
               <a:t> and </a:t>
             </a:r>
             <a:r>
-              <a:rPr b="1">
+              <a:rPr b="1" dirty="0">
                 <a:latin typeface="Helvetica"/>
                 <a:ea typeface="Helvetica"/>
                 <a:cs typeface="Helvetica"/>
@@ -4496,6 +4970,7 @@
               <a:defRPr sz="3132"/>
             </a:pPr>
             <a:r>
+              <a:rPr dirty="0"/>
               <a:t>responsibilities are clearly defined without overlapping</a:t>
             </a:r>
           </a:p>
@@ -4506,62 +4981,12 @@
   <p:clrMapOvr>
     <a:masterClrMapping/>
   </p:clrMapOvr>
-  <p:transition xmlns:p14="http://schemas.microsoft.com/office/powerpoint/2010/main" spd="med" advClick="1"/>
+  <p:transition spd="med"/>
 </p:sld>
 </file>
 
 <file path=ppt/slides/slide2.xml><?xml version="1.0" encoding="utf-8"?>
-<p:sld xmlns:a="http://schemas.openxmlformats.org/drawingml/2006/main" xmlns:r="http://schemas.openxmlformats.org/officeDocument/2006/relationships" xmlns:p="http://schemas.openxmlformats.org/presentationml/2006/main" showMasterSp="1" showMasterPhAnim="1">
-  <p:cSld>
-    <p:spTree>
-      <p:nvGrpSpPr>
-        <p:cNvPr id="1" name=""/>
-        <p:cNvGrpSpPr/>
-        <p:nvPr/>
-      </p:nvGrpSpPr>
-      <p:grpSpPr>
-        <a:xfrm>
-          <a:off x="0" y="0"/>
-          <a:ext cx="0" cy="0"/>
-          <a:chOff x="0" y="0"/>
-          <a:chExt cx="0" cy="0"/>
-        </a:xfrm>
-      </p:grpSpPr>
-      <p:sp>
-        <p:nvSpPr>
-          <p:cNvPr id="124" name="God’s Tinder"/>
-          <p:cNvSpPr txBox="1"/>
-          <p:nvPr>
-            <p:ph type="title"/>
-          </p:nvPr>
-        </p:nvSpPr>
-        <p:spPr>
-          <a:prstGeom prst="rect">
-            <a:avLst/>
-          </a:prstGeom>
-        </p:spPr>
-        <p:txBody>
-          <a:bodyPr/>
-          <a:lstStyle/>
-          <a:p>
-            <a:pPr/>
-            <a:r>
-              <a:t>God’s Tinder</a:t>
-            </a:r>
-          </a:p>
-        </p:txBody>
-      </p:sp>
-    </p:spTree>
-  </p:cSld>
-  <p:clrMapOvr>
-    <a:masterClrMapping/>
-  </p:clrMapOvr>
-  <p:transition xmlns:p14="http://schemas.microsoft.com/office/powerpoint/2010/main" spd="med" advClick="1"/>
-</p:sld>
-</file>
-
-<file path=ppt/slides/slide3.xml><?xml version="1.0" encoding="utf-8"?>
-<p:sld xmlns:a="http://schemas.openxmlformats.org/drawingml/2006/main" xmlns:r="http://schemas.openxmlformats.org/officeDocument/2006/relationships" xmlns:p="http://schemas.openxmlformats.org/presentationml/2006/main" showMasterSp="1" showMasterPhAnim="1">
+<p:sld xmlns:a="http://schemas.openxmlformats.org/drawingml/2006/main" xmlns:r="http://schemas.openxmlformats.org/officeDocument/2006/relationships" xmlns:p="http://schemas.openxmlformats.org/presentationml/2006/main">
   <p:cSld>
     <p:spTree>
       <p:nvGrpSpPr>
@@ -4596,7 +5021,7 @@
           </a:ln>
           <a:extLst>
             <a:ext uri="{C572A759-6A51-4108-AA02-DFA0A04FC94B}">
-              <ma14:wrappingTextBoxFlag xmlns:ma14="http://schemas.microsoft.com/office/mac/drawingml/2011/main" val="1"/>
+              <ma14:wrappingTextBoxFlag xmlns="" xmlns:ma14="http://schemas.microsoft.com/office/mac/drawingml/2011/main" val="1"/>
             </a:ext>
           </a:extLst>
         </p:spPr>
@@ -4606,7 +5031,6 @@
           </a:bodyPr>
           <a:lstStyle/>
           <a:p>
-            <a:pPr/>
             <a:r>
               <a:t>bootstrap</a:t>
             </a:r>
@@ -4632,7 +5056,7 @@
           </a:ln>
           <a:extLst>
             <a:ext uri="{C572A759-6A51-4108-AA02-DFA0A04FC94B}">
-              <ma14:wrappingTextBoxFlag xmlns:ma14="http://schemas.microsoft.com/office/mac/drawingml/2011/main" val="1"/>
+              <ma14:wrappingTextBoxFlag xmlns="" xmlns:ma14="http://schemas.microsoft.com/office/mac/drawingml/2011/main" val="1"/>
             </a:ext>
           </a:extLst>
         </p:spPr>
@@ -4642,7 +5066,6 @@
           </a:bodyPr>
           <a:lstStyle/>
           <a:p>
-            <a:pPr/>
             <a:r>
               <a:t>fetch data</a:t>
             </a:r>
@@ -4668,7 +5091,7 @@
           </a:ln>
           <a:extLst>
             <a:ext uri="{C572A759-6A51-4108-AA02-DFA0A04FC94B}">
-              <ma14:wrappingTextBoxFlag xmlns:ma14="http://schemas.microsoft.com/office/mac/drawingml/2011/main" val="1"/>
+              <ma14:wrappingTextBoxFlag xmlns="" xmlns:ma14="http://schemas.microsoft.com/office/mac/drawingml/2011/main" val="1"/>
             </a:ext>
           </a:extLst>
         </p:spPr>
@@ -4678,7 +5101,6 @@
           </a:bodyPr>
           <a:lstStyle/>
           <a:p>
-            <a:pPr/>
             <a:r>
               <a:t>graphical interface</a:t>
             </a:r>
@@ -4704,7 +5126,7 @@
           </a:ln>
           <a:extLst>
             <a:ext uri="{C572A759-6A51-4108-AA02-DFA0A04FC94B}">
-              <ma14:wrappingTextBoxFlag xmlns:ma14="http://schemas.microsoft.com/office/mac/drawingml/2011/main" val="1"/>
+              <ma14:wrappingTextBoxFlag xmlns="" xmlns:ma14="http://schemas.microsoft.com/office/mac/drawingml/2011/main" val="1"/>
             </a:ext>
           </a:extLst>
         </p:spPr>
@@ -4714,7 +5136,6 @@
           </a:bodyPr>
           <a:lstStyle/>
           <a:p>
-            <a:pPr/>
             <a:r>
               <a:t>business domain</a:t>
             </a:r>
@@ -4752,6 +5173,7 @@
             <a:pPr>
               <a:defRPr sz="4800"/>
             </a:pPr>
+            <a:endParaRPr/>
           </a:p>
         </p:txBody>
       </p:sp>
@@ -4786,6 +5208,7 @@
             <a:pPr>
               <a:defRPr sz="4800"/>
             </a:pPr>
+            <a:endParaRPr/>
           </a:p>
         </p:txBody>
       </p:sp>
@@ -4820,6 +5243,7 @@
             <a:pPr>
               <a:defRPr sz="4800"/>
             </a:pPr>
+            <a:endParaRPr/>
           </a:p>
         </p:txBody>
       </p:sp>
@@ -4854,6 +5278,7 @@
             <a:pPr>
               <a:defRPr sz="4800"/>
             </a:pPr>
+            <a:endParaRPr/>
           </a:p>
         </p:txBody>
       </p:sp>
@@ -4876,7 +5301,7 @@
           </a:ln>
           <a:extLst>
             <a:ext uri="{C572A759-6A51-4108-AA02-DFA0A04FC94B}">
-              <ma14:wrappingTextBoxFlag xmlns:ma14="http://schemas.microsoft.com/office/mac/drawingml/2011/main" val="1"/>
+              <ma14:wrappingTextBoxFlag xmlns="" xmlns:ma14="http://schemas.microsoft.com/office/mac/drawingml/2011/main" val="1"/>
             </a:ext>
           </a:extLst>
         </p:spPr>
@@ -4886,7 +5311,6 @@
           </a:bodyPr>
           <a:lstStyle/>
           <a:p>
-            <a:pPr/>
             <a:r>
               <a:t>user interaction</a:t>
             </a:r>
@@ -4974,6 +5398,7 @@
             <a:pPr>
               <a:defRPr sz="4800"/>
             </a:pPr>
+            <a:endParaRPr/>
           </a:p>
         </p:txBody>
       </p:sp>
@@ -5077,7 +5502,7 @@
           </a:ln>
           <a:extLst>
             <a:ext uri="{C572A759-6A51-4108-AA02-DFA0A04FC94B}">
-              <ma14:wrappingTextBoxFlag xmlns:ma14="http://schemas.microsoft.com/office/mac/drawingml/2011/main" val="1"/>
+              <ma14:wrappingTextBoxFlag xmlns="" xmlns:ma14="http://schemas.microsoft.com/office/mac/drawingml/2011/main" val="1"/>
             </a:ext>
           </a:extLst>
         </p:spPr>
@@ -5089,10 +5514,18 @@
             </a:lvl1pPr>
           </a:lstStyle>
           <a:p>
-            <a:pPr/>
-            <a:r>
+            <a:r>
+              <a:rPr dirty="0"/>
               <a:t>God</a:t>
             </a:r>
+            <a:br>
+              <a:rPr lang="de-DE" dirty="0"/>
+            </a:br>
+            <a:r>
+              <a:rPr lang="de-DE" dirty="0"/>
+              <a:t>Class</a:t>
+            </a:r>
+            <a:endParaRPr dirty="0"/>
           </a:p>
         </p:txBody>
       </p:sp>
@@ -5101,12 +5534,12 @@
   <p:clrMapOvr>
     <a:masterClrMapping/>
   </p:clrMapOvr>
-  <p:transition xmlns:p14="http://schemas.microsoft.com/office/powerpoint/2010/main" spd="med" advClick="1"/>
+  <p:transition spd="med"/>
 </p:sld>
 </file>
 
-<file path=ppt/slides/slide4.xml><?xml version="1.0" encoding="utf-8"?>
-<p:sld xmlns:a="http://schemas.openxmlformats.org/drawingml/2006/main" xmlns:r="http://schemas.openxmlformats.org/officeDocument/2006/relationships" xmlns:p="http://schemas.openxmlformats.org/presentationml/2006/main" showMasterSp="1" showMasterPhAnim="1">
+<file path=ppt/slides/slide3.xml><?xml version="1.0" encoding="utf-8"?>
+<p:sld xmlns:a="http://schemas.openxmlformats.org/drawingml/2006/main" xmlns:r="http://schemas.openxmlformats.org/officeDocument/2006/relationships" xmlns:p="http://schemas.openxmlformats.org/presentationml/2006/main">
   <p:cSld>
     <p:spTree>
       <p:nvGrpSpPr>
@@ -5125,7 +5558,9 @@
       <p:sp>
         <p:nvSpPr>
           <p:cNvPr id="147" name="Architecture…"/>
-          <p:cNvSpPr txBox="1"/>
+          <p:cNvSpPr txBox="1">
+            <a:spLocks noGrp="1"/>
+          </p:cNvSpPr>
           <p:nvPr>
             <p:ph type="title"/>
           </p:nvPr>
@@ -5148,12 +5583,13 @@
               </a:defRPr>
             </a:pPr>
             <a:r>
+              <a:rPr dirty="0"/>
               <a:t>Architecture</a:t>
             </a:r>
           </a:p>
           <a:p>
-            <a:pPr/>
-            <a:r>
+            <a:r>
+              <a:rPr dirty="0"/>
               <a:t>to the rescue!</a:t>
             </a:r>
           </a:p>
@@ -5164,12 +5600,12 @@
   <p:clrMapOvr>
     <a:masterClrMapping/>
   </p:clrMapOvr>
-  <p:transition xmlns:p14="http://schemas.microsoft.com/office/powerpoint/2010/main" spd="med" advClick="1"/>
+  <p:transition spd="med"/>
 </p:sld>
 </file>
 
-<file path=ppt/slides/slide5.xml><?xml version="1.0" encoding="utf-8"?>
-<p:sld xmlns:a="http://schemas.openxmlformats.org/drawingml/2006/main" xmlns:r="http://schemas.openxmlformats.org/officeDocument/2006/relationships" xmlns:p="http://schemas.openxmlformats.org/presentationml/2006/main" showMasterSp="1" showMasterPhAnim="1">
+<file path=ppt/slides/slide4.xml><?xml version="1.0" encoding="utf-8"?>
+<p:sld xmlns:a="http://schemas.openxmlformats.org/drawingml/2006/main" xmlns:r="http://schemas.openxmlformats.org/officeDocument/2006/relationships" xmlns:p="http://schemas.openxmlformats.org/presentationml/2006/main">
   <p:cSld>
     <p:spTree>
       <p:nvGrpSpPr>
@@ -5188,7 +5624,9 @@
       <p:sp>
         <p:nvSpPr>
           <p:cNvPr id="151" name="manage complexity…"/>
-          <p:cNvSpPr txBox="1"/>
+          <p:cNvSpPr txBox="1">
+            <a:spLocks noGrp="1"/>
+          </p:cNvSpPr>
           <p:nvPr>
             <p:ph type="title"/>
           </p:nvPr>
@@ -5202,13 +5640,11 @@
           <a:bodyPr/>
           <a:lstStyle/>
           <a:p>
-            <a:pPr/>
             <a:r>
               <a:t>manage complexity</a:t>
             </a:r>
           </a:p>
           <a:p>
-            <a:pPr/>
             <a:r>
               <a:t>enable reuse</a:t>
             </a:r>
@@ -5220,12 +5656,12 @@
   <p:clrMapOvr>
     <a:masterClrMapping/>
   </p:clrMapOvr>
-  <p:transition xmlns:p14="http://schemas.microsoft.com/office/powerpoint/2010/main" spd="med" advClick="1"/>
+  <p:transition spd="med"/>
 </p:sld>
 </file>
 
-<file path=ppt/slides/slide6.xml><?xml version="1.0" encoding="utf-8"?>
-<p:sld xmlns:a="http://schemas.openxmlformats.org/drawingml/2006/main" xmlns:r="http://schemas.openxmlformats.org/officeDocument/2006/relationships" xmlns:p="http://schemas.openxmlformats.org/presentationml/2006/main" showMasterSp="1" showMasterPhAnim="1">
+<file path=ppt/slides/slide5.xml><?xml version="1.0" encoding="utf-8"?>
+<p:sld xmlns:a="http://schemas.openxmlformats.org/drawingml/2006/main" xmlns:r="http://schemas.openxmlformats.org/officeDocument/2006/relationships" xmlns:p="http://schemas.openxmlformats.org/presentationml/2006/main">
   <p:cSld>
     <p:spTree>
       <p:nvGrpSpPr>
@@ -5260,7 +5696,7 @@
           </a:ln>
           <a:extLst>
             <a:ext uri="{C572A759-6A51-4108-AA02-DFA0A04FC94B}">
-              <ma14:wrappingTextBoxFlag xmlns:ma14="http://schemas.microsoft.com/office/mac/drawingml/2011/main" val="1"/>
+              <ma14:wrappingTextBoxFlag xmlns="" xmlns:ma14="http://schemas.microsoft.com/office/mac/drawingml/2011/main" val="1"/>
             </a:ext>
           </a:extLst>
         </p:spPr>
@@ -5270,7 +5706,7 @@
           </a:bodyPr>
           <a:lstStyle>
             <a:lvl1pPr>
-              <a:defRPr b="1" sz="16000">
+              <a:defRPr sz="16000" b="1">
                 <a:latin typeface="Helvetica"/>
                 <a:ea typeface="Helvetica"/>
                 <a:cs typeface="Helvetica"/>
@@ -5279,7 +5715,6 @@
             </a:lvl1pPr>
           </a:lstStyle>
           <a:p>
-            <a:pPr/>
             <a:r>
               <a:t>M</a:t>
             </a:r>
@@ -5305,7 +5740,7 @@
           </a:ln>
           <a:extLst>
             <a:ext uri="{C572A759-6A51-4108-AA02-DFA0A04FC94B}">
-              <ma14:wrappingTextBoxFlag xmlns:ma14="http://schemas.microsoft.com/office/mac/drawingml/2011/main" val="1"/>
+              <ma14:wrappingTextBoxFlag xmlns="" xmlns:ma14="http://schemas.microsoft.com/office/mac/drawingml/2011/main" val="1"/>
             </a:ext>
           </a:extLst>
         </p:spPr>
@@ -5315,7 +5750,7 @@
           </a:bodyPr>
           <a:lstStyle>
             <a:lvl1pPr>
-              <a:defRPr b="1" sz="16000">
+              <a:defRPr sz="16000" b="1">
                 <a:latin typeface="Helvetica"/>
                 <a:ea typeface="Helvetica"/>
                 <a:cs typeface="Helvetica"/>
@@ -5324,7 +5759,6 @@
             </a:lvl1pPr>
           </a:lstStyle>
           <a:p>
-            <a:pPr/>
             <a:r>
               <a:t>V</a:t>
             </a:r>
@@ -5350,7 +5784,7 @@
           </a:ln>
           <a:extLst>
             <a:ext uri="{C572A759-6A51-4108-AA02-DFA0A04FC94B}">
-              <ma14:wrappingTextBoxFlag xmlns:ma14="http://schemas.microsoft.com/office/mac/drawingml/2011/main" val="1"/>
+              <ma14:wrappingTextBoxFlag xmlns="" xmlns:ma14="http://schemas.microsoft.com/office/mac/drawingml/2011/main" val="1"/>
             </a:ext>
           </a:extLst>
         </p:spPr>
@@ -5360,7 +5794,7 @@
           </a:bodyPr>
           <a:lstStyle>
             <a:lvl1pPr>
-              <a:defRPr b="1" sz="16000">
+              <a:defRPr sz="16000" b="1">
                 <a:latin typeface="Helvetica"/>
                 <a:ea typeface="Helvetica"/>
                 <a:cs typeface="Helvetica"/>
@@ -5369,7 +5803,6 @@
             </a:lvl1pPr>
           </a:lstStyle>
           <a:p>
-            <a:pPr/>
             <a:r>
               <a:t>C</a:t>
             </a:r>
@@ -5395,7 +5828,7 @@
           </a:ln>
           <a:extLst>
             <a:ext uri="{C572A759-6A51-4108-AA02-DFA0A04FC94B}">
-              <ma14:wrappingTextBoxFlag xmlns:ma14="http://schemas.microsoft.com/office/mac/drawingml/2011/main" val="1"/>
+              <ma14:wrappingTextBoxFlag xmlns="" xmlns:ma14="http://schemas.microsoft.com/office/mac/drawingml/2011/main" val="1"/>
             </a:ext>
           </a:extLst>
         </p:spPr>
@@ -5409,7 +5842,6 @@
             </a:lvl1pPr>
           </a:lstStyle>
           <a:p>
-            <a:pPr/>
             <a:r>
               <a:t>odel</a:t>
             </a:r>
@@ -5435,7 +5867,7 @@
           </a:ln>
           <a:extLst>
             <a:ext uri="{C572A759-6A51-4108-AA02-DFA0A04FC94B}">
-              <ma14:wrappingTextBoxFlag xmlns:ma14="http://schemas.microsoft.com/office/mac/drawingml/2011/main" val="1"/>
+              <ma14:wrappingTextBoxFlag xmlns="" xmlns:ma14="http://schemas.microsoft.com/office/mac/drawingml/2011/main" val="1"/>
             </a:ext>
           </a:extLst>
         </p:spPr>
@@ -5449,7 +5881,6 @@
             </a:lvl1pPr>
           </a:lstStyle>
           <a:p>
-            <a:pPr/>
             <a:r>
               <a:t>iew</a:t>
             </a:r>
@@ -5475,7 +5906,7 @@
           </a:ln>
           <a:extLst>
             <a:ext uri="{C572A759-6A51-4108-AA02-DFA0A04FC94B}">
-              <ma14:wrappingTextBoxFlag xmlns:ma14="http://schemas.microsoft.com/office/mac/drawingml/2011/main" val="1"/>
+              <ma14:wrappingTextBoxFlag xmlns="" xmlns:ma14="http://schemas.microsoft.com/office/mac/drawingml/2011/main" val="1"/>
             </a:ext>
           </a:extLst>
         </p:spPr>
@@ -5489,7 +5920,6 @@
             </a:lvl1pPr>
           </a:lstStyle>
           <a:p>
-            <a:pPr/>
             <a:r>
               <a:t>ontroller</a:t>
             </a:r>
@@ -5501,14 +5931,14 @@
   <p:clrMapOvr>
     <a:masterClrMapping/>
   </p:clrMapOvr>
-  <p:transition xmlns:p14="http://schemas.microsoft.com/office/powerpoint/2010/main" spd="med" advClick="1"/>
+  <p:transition spd="med"/>
   <p:timing>
     <p:tnLst>
       <p:par>
-        <p:cTn id="1" nodeType="tmRoot" restart="never" dur="indefinite" fill="hold">
+        <p:cTn id="1" dur="indefinite" restart="never" fill="hold" nodeType="tmRoot">
           <p:childTnLst>
             <p:seq concurrent="1" prevAc="none" nextAc="seek">
-              <p:cTn id="2" nodeType="mainSeq" dur="indefinite" fill="hold">
+              <p:cTn id="2" dur="indefinite" fill="hold" nodeType="mainSeq">
                 <p:childTnLst>
                   <p:par>
                     <p:cTn id="3" fill="hold">
@@ -5523,11 +5953,11 @@
                             </p:stCondLst>
                             <p:childTnLst>
                               <p:par>
-                                <p:cTn id="5" presetClass="entr" nodeType="clickEffect" presetSubtype="2" presetID="2" grpId="1" fill="hold">
+                                <p:cTn id="5" presetID="2" presetClass="entr" presetSubtype="2" fill="hold" grpId="1" nodeType="clickEffect">
                                   <p:stCondLst>
                                     <p:cond delay="0"/>
                                   </p:stCondLst>
-                                  <p:iterate type="el" backwards="0">
+                                  <p:iterate>
                                     <p:tmAbs val="0"/>
                                   </p:iterate>
                                   <p:childTnLst>
@@ -5613,11 +6043,11 @@
                             </p:stCondLst>
                             <p:childTnLst>
                               <p:par>
-                                <p:cTn id="11" presetClass="entr" nodeType="clickEffect" presetSubtype="2" presetID="2" grpId="2" fill="hold">
+                                <p:cTn id="11" presetID="2" presetClass="entr" presetSubtype="2" fill="hold" grpId="2" nodeType="clickEffect">
                                   <p:stCondLst>
                                     <p:cond delay="0"/>
                                   </p:stCondLst>
-                                  <p:iterate type="el" backwards="0">
+                                  <p:iterate>
                                     <p:tmAbs val="0"/>
                                   </p:iterate>
                                   <p:childTnLst>
@@ -5703,11 +6133,11 @@
                             </p:stCondLst>
                             <p:childTnLst>
                               <p:par>
-                                <p:cTn id="17" presetClass="entr" nodeType="clickEffect" presetSubtype="2" presetID="2" grpId="3" fill="hold">
+                                <p:cTn id="17" presetID="2" presetClass="entr" presetSubtype="2" fill="hold" grpId="3" nodeType="clickEffect">
                                   <p:stCondLst>
                                     <p:cond delay="0"/>
                                   </p:stCondLst>
-                                  <p:iterate type="el" backwards="0">
+                                  <p:iterate>
                                     <p:tmAbs val="0"/>
                                   </p:iterate>
                                   <p:childTnLst>
@@ -5783,14 +6213,14 @@
                 </p:childTnLst>
               </p:cTn>
               <p:prevCondLst>
-                <p:cond evt="onPrev">
+                <p:cond evt="onPrev" delay="0">
                   <p:tgtEl>
                     <p:sldTgt/>
                   </p:tgtEl>
                 </p:cond>
               </p:prevCondLst>
               <p:nextCondLst>
-                <p:cond evt="onNext">
+                <p:cond evt="onNext" delay="0">
                   <p:tgtEl>
                     <p:sldTgt/>
                   </p:tgtEl>
@@ -5802,16 +6232,16 @@
       </p:par>
     </p:tnLst>
     <p:bldLst>
-      <p:bldP build="whole" bldLvl="1" animBg="1" rev="0" advAuto="0" spid="158" grpId="1"/>
-      <p:bldP build="whole" bldLvl="1" animBg="1" rev="0" advAuto="0" spid="159" grpId="2"/>
-      <p:bldP build="whole" bldLvl="1" animBg="1" rev="0" advAuto="0" spid="160" grpId="3"/>
+      <p:bldP spid="158" grpId="1" animBg="1" advAuto="0"/>
+      <p:bldP spid="159" grpId="2" animBg="1" advAuto="0"/>
+      <p:bldP spid="160" grpId="3" animBg="1" advAuto="0"/>
     </p:bldLst>
   </p:timing>
 </p:sld>
 </file>
 
-<file path=ppt/slides/slide7.xml><?xml version="1.0" encoding="utf-8"?>
-<p:sld xmlns:a="http://schemas.openxmlformats.org/drawingml/2006/main" xmlns:r="http://schemas.openxmlformats.org/officeDocument/2006/relationships" xmlns:p="http://schemas.openxmlformats.org/presentationml/2006/main" showMasterSp="1" showMasterPhAnim="1">
+<file path=ppt/slides/slide6.xml><?xml version="1.0" encoding="utf-8"?>
+<p:sld xmlns:a="http://schemas.openxmlformats.org/drawingml/2006/main" xmlns:r="http://schemas.openxmlformats.org/officeDocument/2006/relationships" xmlns:p="http://schemas.openxmlformats.org/presentationml/2006/main">
   <p:cSld>
     <p:spTree>
       <p:nvGrpSpPr>
@@ -5852,7 +6282,7 @@
           </a:ln>
           <a:extLst>
             <a:ext uri="{C572A759-6A51-4108-AA02-DFA0A04FC94B}">
-              <ma14:wrappingTextBoxFlag xmlns:ma14="http://schemas.microsoft.com/office/mac/drawingml/2011/main" val="1"/>
+              <ma14:wrappingTextBoxFlag xmlns="" xmlns:ma14="http://schemas.microsoft.com/office/mac/drawingml/2011/main" val="1"/>
             </a:ext>
           </a:extLst>
         </p:spPr>
@@ -5864,7 +6294,6 @@
             </a:lvl1pPr>
           </a:lstStyle>
           <a:p>
-            <a:pPr/>
             <a:r>
               <a:t>Model</a:t>
             </a:r>
@@ -5896,7 +6325,7 @@
           </a:ln>
           <a:extLst>
             <a:ext uri="{C572A759-6A51-4108-AA02-DFA0A04FC94B}">
-              <ma14:wrappingTextBoxFlag xmlns:ma14="http://schemas.microsoft.com/office/mac/drawingml/2011/main" val="1"/>
+              <ma14:wrappingTextBoxFlag xmlns="" xmlns:ma14="http://schemas.microsoft.com/office/mac/drawingml/2011/main" val="1"/>
             </a:ext>
           </a:extLst>
         </p:spPr>
@@ -5908,7 +6337,6 @@
             </a:lvl1pPr>
           </a:lstStyle>
           <a:p>
-            <a:pPr/>
             <a:r>
               <a:t>View</a:t>
             </a:r>
@@ -5940,7 +6368,7 @@
           </a:ln>
           <a:extLst>
             <a:ext uri="{C572A759-6A51-4108-AA02-DFA0A04FC94B}">
-              <ma14:wrappingTextBoxFlag xmlns:ma14="http://schemas.microsoft.com/office/mac/drawingml/2011/main" val="1"/>
+              <ma14:wrappingTextBoxFlag xmlns="" xmlns:ma14="http://schemas.microsoft.com/office/mac/drawingml/2011/main" val="1"/>
             </a:ext>
           </a:extLst>
         </p:spPr>
@@ -5952,8 +6380,8 @@
             </a:lvl1pPr>
           </a:lstStyle>
           <a:p>
-            <a:pPr/>
-            <a:r>
+            <a:r>
+              <a:rPr dirty="0"/>
               <a:t>Controller</a:t>
             </a:r>
           </a:p>
@@ -5978,7 +6406,7 @@
           </a:ln>
           <a:extLst>
             <a:ext uri="{C572A759-6A51-4108-AA02-DFA0A04FC94B}">
-              <ma14:wrappingTextBoxFlag xmlns:ma14="http://schemas.microsoft.com/office/mac/drawingml/2011/main" val="1"/>
+              <ma14:wrappingTextBoxFlag xmlns="" xmlns:ma14="http://schemas.microsoft.com/office/mac/drawingml/2011/main" val="1"/>
             </a:ext>
           </a:extLst>
         </p:spPr>
@@ -5988,7 +6416,6 @@
           </a:bodyPr>
           <a:lstStyle/>
           <a:p>
-            <a:pPr/>
             <a:r>
               <a:t>representation</a:t>
             </a:r>
@@ -6026,6 +6453,7 @@
             <a:pPr>
               <a:defRPr sz="4800"/>
             </a:pPr>
+            <a:endParaRPr/>
           </a:p>
         </p:txBody>
       </p:sp>
@@ -6048,7 +6476,7 @@
           </a:ln>
           <a:extLst>
             <a:ext uri="{C572A759-6A51-4108-AA02-DFA0A04FC94B}">
-              <ma14:wrappingTextBoxFlag xmlns:ma14="http://schemas.microsoft.com/office/mac/drawingml/2011/main" val="1"/>
+              <ma14:wrappingTextBoxFlag xmlns="" xmlns:ma14="http://schemas.microsoft.com/office/mac/drawingml/2011/main" val="1"/>
             </a:ext>
           </a:extLst>
         </p:spPr>
@@ -6058,7 +6486,6 @@
           </a:bodyPr>
           <a:lstStyle/>
           <a:p>
-            <a:pPr/>
             <a:r>
               <a:t>business domain</a:t>
             </a:r>
@@ -6096,6 +6523,7 @@
             <a:pPr>
               <a:defRPr sz="4800"/>
             </a:pPr>
+            <a:endParaRPr/>
           </a:p>
         </p:txBody>
       </p:sp>
@@ -6118,7 +6546,7 @@
           </a:ln>
           <a:extLst>
             <a:ext uri="{C572A759-6A51-4108-AA02-DFA0A04FC94B}">
-              <ma14:wrappingTextBoxFlag xmlns:ma14="http://schemas.microsoft.com/office/mac/drawingml/2011/main" val="1"/>
+              <ma14:wrappingTextBoxFlag xmlns="" xmlns:ma14="http://schemas.microsoft.com/office/mac/drawingml/2011/main" val="1"/>
             </a:ext>
           </a:extLst>
         </p:spPr>
@@ -6128,7 +6556,6 @@
           </a:bodyPr>
           <a:lstStyle/>
           <a:p>
-            <a:pPr/>
             <a:r>
               <a:t>delegate changes</a:t>
             </a:r>
@@ -6166,6 +6593,7 @@
             <a:pPr>
               <a:defRPr sz="4800"/>
             </a:pPr>
+            <a:endParaRPr/>
           </a:p>
         </p:txBody>
       </p:sp>
@@ -6399,6 +6827,7 @@
               <a:pPr>
                 <a:defRPr sz="2400"/>
               </a:pPr>
+              <a:endParaRPr/>
             </a:p>
           </p:txBody>
         </p:sp>
@@ -6439,6 +6868,7 @@
               <a:pPr>
                 <a:defRPr sz="2400"/>
               </a:pPr>
+              <a:endParaRPr/>
             </a:p>
           </p:txBody>
         </p:sp>
@@ -6494,6 +6924,7 @@
               <a:pPr>
                 <a:defRPr sz="2400"/>
               </a:pPr>
+              <a:endParaRPr/>
             </a:p>
           </p:txBody>
         </p:sp>
@@ -6534,6 +6965,7 @@
               <a:pPr>
                 <a:defRPr sz="2400"/>
               </a:pPr>
+              <a:endParaRPr/>
             </a:p>
           </p:txBody>
         </p:sp>
@@ -6585,6 +7017,7 @@
               <a:pPr>
                 <a:defRPr sz="2400"/>
               </a:pPr>
+              <a:endParaRPr/>
             </a:p>
           </p:txBody>
         </p:sp>
@@ -6621,6 +7054,7 @@
               <a:pPr>
                 <a:defRPr sz="2400"/>
               </a:pPr>
+              <a:endParaRPr/>
             </a:p>
           </p:txBody>
         </p:sp>
@@ -6672,6 +7106,7 @@
               <a:pPr>
                 <a:defRPr sz="2400"/>
               </a:pPr>
+              <a:endParaRPr/>
             </a:p>
           </p:txBody>
         </p:sp>
@@ -6708,6 +7143,7 @@
               <a:pPr>
                 <a:defRPr sz="2400"/>
               </a:pPr>
+              <a:endParaRPr/>
             </a:p>
           </p:txBody>
         </p:sp>
@@ -6759,6 +7195,7 @@
               <a:pPr>
                 <a:defRPr sz="2400"/>
               </a:pPr>
+              <a:endParaRPr/>
             </a:p>
           </p:txBody>
         </p:sp>
@@ -6795,6 +7232,7 @@
               <a:pPr>
                 <a:defRPr sz="2400"/>
               </a:pPr>
+              <a:endParaRPr/>
             </a:p>
           </p:txBody>
         </p:sp>
@@ -6846,6 +7284,7 @@
               <a:pPr>
                 <a:defRPr sz="2400"/>
               </a:pPr>
+              <a:endParaRPr/>
             </a:p>
           </p:txBody>
         </p:sp>
@@ -6882,6 +7321,7 @@
               <a:pPr>
                 <a:defRPr sz="2400"/>
               </a:pPr>
+              <a:endParaRPr/>
             </a:p>
           </p:txBody>
         </p:sp>
@@ -6891,14 +7331,14 @@
   <p:clrMapOvr>
     <a:masterClrMapping/>
   </p:clrMapOvr>
-  <p:transition xmlns:p14="http://schemas.microsoft.com/office/powerpoint/2010/main" spd="med" advClick="1"/>
+  <p:transition spd="med"/>
   <p:timing>
     <p:tnLst>
       <p:par>
-        <p:cTn id="1" nodeType="tmRoot" restart="never" dur="indefinite" fill="hold">
+        <p:cTn id="1" dur="indefinite" restart="never" fill="hold" nodeType="tmRoot">
           <p:childTnLst>
             <p:seq concurrent="1" prevAc="none" nextAc="seek">
-              <p:cTn id="2" nodeType="mainSeq" dur="indefinite" fill="hold">
+              <p:cTn id="2" dur="indefinite" fill="hold" nodeType="mainSeq">
                 <p:childTnLst>
                   <p:par>
                     <p:cTn id="3" fill="hold">
@@ -6913,11 +7353,11 @@
                             </p:stCondLst>
                             <p:childTnLst>
                               <p:par>
-                                <p:cTn id="5" presetClass="entr" nodeType="clickEffect" presetID="9" grpId="1" fill="hold">
+                                <p:cTn id="5" presetID="9" presetClass="entr" fill="hold" grpId="1" nodeType="clickEffect">
                                   <p:stCondLst>
                                     <p:cond delay="0"/>
                                   </p:stCondLst>
-                                  <p:iterate type="el" backwards="0">
+                                  <p:iterate>
                                     <p:tmAbs val="0"/>
                                   </p:iterate>
                                   <p:childTnLst>
@@ -6935,7 +7375,7 @@
                                         <p:strVal val="visible"/>
                                       </p:to>
                                     </p:set>
-                                    <p:animEffect filter="dissolve" transition="in">
+                                    <p:animEffect transition="in" filter="dissolve">
                                       <p:cBhvr>
                                         <p:cTn id="7" dur="1000"/>
                                         <p:tgtEl>
@@ -6956,11 +7396,11 @@
                             </p:stCondLst>
                             <p:childTnLst>
                               <p:par>
-                                <p:cTn id="9" presetClass="entr" nodeType="afterEffect" presetID="9" grpId="2" fill="hold">
+                                <p:cTn id="9" presetID="9" presetClass="entr" fill="hold" grpId="2" nodeType="afterEffect">
                                   <p:stCondLst>
                                     <p:cond delay="0"/>
                                   </p:stCondLst>
-                                  <p:iterate type="el" backwards="0">
+                                  <p:iterate>
                                     <p:tmAbs val="0"/>
                                   </p:iterate>
                                   <p:childTnLst>
@@ -6978,7 +7418,7 @@
                                         <p:strVal val="visible"/>
                                       </p:to>
                                     </p:set>
-                                    <p:animEffect filter="dissolve" transition="in">
+                                    <p:animEffect transition="in" filter="dissolve">
                                       <p:cBhvr>
                                         <p:cTn id="11" dur="1000"/>
                                         <p:tgtEl>
@@ -7008,11 +7448,11 @@
                             </p:stCondLst>
                             <p:childTnLst>
                               <p:par>
-                                <p:cTn id="14" presetClass="entr" nodeType="clickEffect" presetID="9" grpId="3" fill="hold">
+                                <p:cTn id="14" presetID="9" presetClass="entr" fill="hold" grpId="3" nodeType="clickEffect">
                                   <p:stCondLst>
                                     <p:cond delay="0"/>
                                   </p:stCondLst>
-                                  <p:iterate type="el" backwards="0">
+                                  <p:iterate>
                                     <p:tmAbs val="0"/>
                                   </p:iterate>
                                   <p:childTnLst>
@@ -7030,7 +7470,7 @@
                                         <p:strVal val="visible"/>
                                       </p:to>
                                     </p:set>
-                                    <p:animEffect filter="dissolve" transition="in">
+                                    <p:animEffect transition="in" filter="dissolve">
                                       <p:cBhvr>
                                         <p:cTn id="16" dur="1000"/>
                                         <p:tgtEl>
@@ -7051,11 +7491,11 @@
                             </p:stCondLst>
                             <p:childTnLst>
                               <p:par>
-                                <p:cTn id="18" presetClass="entr" nodeType="afterEffect" presetID="9" grpId="4" fill="hold">
+                                <p:cTn id="18" presetID="9" presetClass="entr" fill="hold" grpId="4" nodeType="afterEffect">
                                   <p:stCondLst>
                                     <p:cond delay="0"/>
                                   </p:stCondLst>
-                                  <p:iterate type="el" backwards="0">
+                                  <p:iterate>
                                     <p:tmAbs val="0"/>
                                   </p:iterate>
                                   <p:childTnLst>
@@ -7073,7 +7513,7 @@
                                         <p:strVal val="visible"/>
                                       </p:to>
                                     </p:set>
-                                    <p:animEffect filter="dissolve" transition="in">
+                                    <p:animEffect transition="in" filter="dissolve">
                                       <p:cBhvr>
                                         <p:cTn id="20" dur="1000"/>
                                         <p:tgtEl>
@@ -7103,11 +7543,11 @@
                             </p:stCondLst>
                             <p:childTnLst>
                               <p:par>
-                                <p:cTn id="23" presetClass="entr" nodeType="clickEffect" presetSubtype="0" presetID="1" grpId="5" fill="hold">
+                                <p:cTn id="23" presetID="1" presetClass="entr" presetSubtype="0" fill="hold" grpId="5" nodeType="clickEffect">
                                   <p:stCondLst>
                                     <p:cond delay="0"/>
                                   </p:stCondLst>
-                                  <p:iterate type="el" backwards="0">
+                                  <p:iterate>
                                     <p:tmAbs val="0"/>
                                   </p:iterate>
                                   <p:childTnLst>
@@ -7147,11 +7587,11 @@
                             </p:stCondLst>
                             <p:childTnLst>
                               <p:par>
-                                <p:cTn id="27" presetClass="entr" nodeType="clickEffect" presetSubtype="0" presetID="1" grpId="6" fill="hold">
+                                <p:cTn id="27" presetID="1" presetClass="entr" presetSubtype="0" fill="hold" grpId="6" nodeType="clickEffect">
                                   <p:stCondLst>
                                     <p:cond delay="0"/>
                                   </p:stCondLst>
-                                  <p:iterate type="el" backwards="0">
+                                  <p:iterate>
                                     <p:tmAbs val="0"/>
                                   </p:iterate>
                                   <p:childTnLst>
@@ -7181,14 +7621,14 @@
                 </p:childTnLst>
               </p:cTn>
               <p:prevCondLst>
-                <p:cond evt="onPrev">
+                <p:cond evt="onPrev" delay="0">
                   <p:tgtEl>
                     <p:sldTgt/>
                   </p:tgtEl>
                 </p:cond>
               </p:prevCondLst>
               <p:nextCondLst>
-                <p:cond evt="onNext">
+                <p:cond evt="onNext" delay="0">
                   <p:tgtEl>
                     <p:sldTgt/>
                   </p:tgtEl>
@@ -7200,679 +7640,19 @@
       </p:par>
     </p:tnLst>
     <p:bldLst>
-      <p:bldP build="whole" bldLvl="1" animBg="1" rev="0" advAuto="0" spid="176" grpId="2"/>
-      <p:bldP build="whole" bldLvl="1" animBg="1" rev="0" advAuto="0" spid="192" grpId="1"/>
-      <p:bldP build="whole" bldLvl="1" animBg="1" rev="0" advAuto="0" spid="183" grpId="5"/>
-      <p:bldP build="whole" bldLvl="1" animBg="1" rev="0" advAuto="0" spid="189" grpId="4"/>
-      <p:bldP build="whole" bldLvl="1" animBg="1" rev="0" advAuto="0" spid="180" grpId="6"/>
-      <p:bldP build="whole" bldLvl="1" animBg="1" rev="0" advAuto="0" spid="177" grpId="3"/>
+      <p:bldP spid="176" grpId="2" animBg="1" advAuto="0"/>
+      <p:bldP spid="177" grpId="3" animBg="1" advAuto="0"/>
+      <p:bldP spid="180" grpId="6" animBg="1" advAuto="0"/>
+      <p:bldP spid="183" grpId="5" animBg="1" advAuto="0"/>
+      <p:bldP spid="189" grpId="4" animBg="1" advAuto="0"/>
+      <p:bldP spid="192" grpId="1" animBg="1" advAuto="0"/>
     </p:bldLst>
   </p:timing>
 </p:sld>
 </file>
 
-<file path=ppt/slides/slide8.xml><?xml version="1.0" encoding="utf-8"?>
-<p:sld xmlns:a="http://schemas.openxmlformats.org/drawingml/2006/main" xmlns:r="http://schemas.openxmlformats.org/officeDocument/2006/relationships" xmlns:p="http://schemas.openxmlformats.org/presentationml/2006/main" showMasterSp="1" showMasterPhAnim="1">
-  <p:cSld>
-    <p:bg>
-      <p:bgPr>
-        <a:solidFill>
-          <a:srgbClr val="000000"/>
-        </a:solidFill>
-      </p:bgPr>
-    </p:bg>
-    <p:spTree>
-      <p:nvGrpSpPr>
-        <p:cNvPr id="1" name=""/>
-        <p:cNvGrpSpPr/>
-        <p:nvPr/>
-      </p:nvGrpSpPr>
-      <p:grpSpPr>
-        <a:xfrm>
-          <a:off x="0" y="0"/>
-          <a:ext cx="0" cy="0"/>
-          <a:chOff x="0" y="0"/>
-          <a:chExt cx="0" cy="0"/>
-        </a:xfrm>
-      </p:grpSpPr>
-      <p:grpSp>
-        <p:nvGrpSpPr>
-          <p:cNvPr id="215" name="Group"/>
-          <p:cNvGrpSpPr/>
-          <p:nvPr/>
-        </p:nvGrpSpPr>
-        <p:grpSpPr>
-          <a:xfrm>
-            <a:off x="3148699" y="3995406"/>
-            <a:ext cx="7594217" cy="5501892"/>
-            <a:chOff x="0" y="0"/>
-            <a:chExt cx="7594215" cy="5501890"/>
-          </a:xfrm>
-        </p:grpSpPr>
-        <p:sp>
-          <p:nvSpPr>
-            <p:cNvPr id="199" name="bootstrap"/>
-            <p:cNvSpPr txBox="1"/>
-            <p:nvPr/>
-          </p:nvSpPr>
-          <p:spPr>
-            <a:xfrm>
-              <a:off x="2676276" y="0"/>
-              <a:ext cx="1561164" cy="532702"/>
-            </a:xfrm>
-            <a:prstGeom prst="rect">
-              <a:avLst/>
-            </a:prstGeom>
-            <a:noFill/>
-            <a:ln w="12700" cap="flat">
-              <a:noFill/>
-              <a:miter lim="400000"/>
-            </a:ln>
-            <a:effectLst/>
-            <a:extLst>
-              <a:ext uri="{C572A759-6A51-4108-AA02-DFA0A04FC94B}">
-                <ma14:wrappingTextBoxFlag xmlns:ma14="http://schemas.microsoft.com/office/mac/drawingml/2011/main" val="1"/>
-              </a:ext>
-            </a:extLst>
-          </p:spPr>
-          <p:txBody>
-            <a:bodyPr wrap="square" lIns="50800" tIns="50800" rIns="50800" bIns="50800" numCol="1" anchor="ctr">
-              <a:normAutofit fontScale="100000" lnSpcReduction="0"/>
-            </a:bodyPr>
-            <a:lstStyle>
-              <a:lvl1pPr defTabSz="432308">
-                <a:defRPr sz="2664">
-                  <a:solidFill>
-                    <a:srgbClr val="FFFFFF"/>
-                  </a:solidFill>
-                </a:defRPr>
-              </a:lvl1pPr>
-            </a:lstStyle>
-            <a:p>
-              <a:pPr/>
-              <a:r>
-                <a:t>bootstrap</a:t>
-              </a:r>
-            </a:p>
-          </p:txBody>
-        </p:sp>
-        <p:sp>
-          <p:nvSpPr>
-            <p:cNvPr id="200" name="fetch data"/>
-            <p:cNvSpPr txBox="1"/>
-            <p:nvPr/>
-          </p:nvSpPr>
-          <p:spPr>
-            <a:xfrm>
-              <a:off x="0" y="1056300"/>
-              <a:ext cx="1561163" cy="704679"/>
-            </a:xfrm>
-            <a:prstGeom prst="rect">
-              <a:avLst/>
-            </a:prstGeom>
-            <a:noFill/>
-            <a:ln w="12700" cap="flat">
-              <a:noFill/>
-              <a:miter lim="400000"/>
-            </a:ln>
-            <a:effectLst/>
-            <a:extLst>
-              <a:ext uri="{C572A759-6A51-4108-AA02-DFA0A04FC94B}">
-                <ma14:wrappingTextBoxFlag xmlns:ma14="http://schemas.microsoft.com/office/mac/drawingml/2011/main" val="1"/>
-              </a:ext>
-            </a:extLst>
-          </p:spPr>
-          <p:txBody>
-            <a:bodyPr wrap="square" lIns="50800" tIns="50800" rIns="50800" bIns="50800" numCol="1" anchor="ctr">
-              <a:normAutofit fontScale="100000" lnSpcReduction="0"/>
-            </a:bodyPr>
-            <a:lstStyle>
-              <a:lvl1pPr defTabSz="408940">
-                <a:defRPr sz="2520">
-                  <a:solidFill>
-                    <a:srgbClr val="FFFFFF"/>
-                  </a:solidFill>
-                </a:defRPr>
-              </a:lvl1pPr>
-            </a:lstStyle>
-            <a:p>
-              <a:pPr/>
-              <a:r>
-                <a:t>fetch data</a:t>
-              </a:r>
-            </a:p>
-          </p:txBody>
-        </p:sp>
-        <p:sp>
-          <p:nvSpPr>
-            <p:cNvPr id="201" name="graphical interface"/>
-            <p:cNvSpPr txBox="1"/>
-            <p:nvPr/>
-          </p:nvSpPr>
-          <p:spPr>
-            <a:xfrm>
-              <a:off x="4863608" y="1146635"/>
-              <a:ext cx="2729246" cy="704680"/>
-            </a:xfrm>
-            <a:prstGeom prst="rect">
-              <a:avLst/>
-            </a:prstGeom>
-            <a:noFill/>
-            <a:ln w="12700" cap="flat">
-              <a:noFill/>
-              <a:miter lim="400000"/>
-            </a:ln>
-            <a:effectLst/>
-            <a:extLst>
-              <a:ext uri="{C572A759-6A51-4108-AA02-DFA0A04FC94B}">
-                <ma14:wrappingTextBoxFlag xmlns:ma14="http://schemas.microsoft.com/office/mac/drawingml/2011/main" val="1"/>
-              </a:ext>
-            </a:extLst>
-          </p:spPr>
-          <p:txBody>
-            <a:bodyPr wrap="square" lIns="50800" tIns="50800" rIns="50800" bIns="50800" numCol="1" anchor="ctr">
-              <a:normAutofit fontScale="100000" lnSpcReduction="0"/>
-            </a:bodyPr>
-            <a:lstStyle>
-              <a:lvl1pPr defTabSz="397256">
-                <a:defRPr sz="2448">
-                  <a:solidFill>
-                    <a:srgbClr val="FFFFFF"/>
-                  </a:solidFill>
-                </a:defRPr>
-              </a:lvl1pPr>
-            </a:lstStyle>
-            <a:p>
-              <a:pPr/>
-              <a:r>
-                <a:t>graphical interface</a:t>
-              </a:r>
-            </a:p>
-          </p:txBody>
-        </p:sp>
-        <p:sp>
-          <p:nvSpPr>
-            <p:cNvPr id="202" name="business domain"/>
-            <p:cNvSpPr txBox="1"/>
-            <p:nvPr/>
-          </p:nvSpPr>
-          <p:spPr>
-            <a:xfrm>
-              <a:off x="88335" y="4679179"/>
-              <a:ext cx="2563834" cy="822712"/>
-            </a:xfrm>
-            <a:prstGeom prst="rect">
-              <a:avLst/>
-            </a:prstGeom>
-            <a:noFill/>
-            <a:ln w="12700" cap="flat">
-              <a:noFill/>
-              <a:miter lim="400000"/>
-            </a:ln>
-            <a:effectLst/>
-            <a:extLst>
-              <a:ext uri="{C572A759-6A51-4108-AA02-DFA0A04FC94B}">
-                <ma14:wrappingTextBoxFlag xmlns:ma14="http://schemas.microsoft.com/office/mac/drawingml/2011/main" val="1"/>
-              </a:ext>
-            </a:extLst>
-          </p:spPr>
-          <p:txBody>
-            <a:bodyPr wrap="square" lIns="50800" tIns="50800" rIns="50800" bIns="50800" numCol="1" anchor="ctr">
-              <a:normAutofit fontScale="100000" lnSpcReduction="0"/>
-            </a:bodyPr>
-            <a:lstStyle>
-              <a:lvl1pPr defTabSz="408940">
-                <a:defRPr sz="2520">
-                  <a:solidFill>
-                    <a:srgbClr val="FFFFFF"/>
-                  </a:solidFill>
-                </a:defRPr>
-              </a:lvl1pPr>
-            </a:lstStyle>
-            <a:p>
-              <a:pPr/>
-              <a:r>
-                <a:t>business domain</a:t>
-              </a:r>
-            </a:p>
-          </p:txBody>
-        </p:sp>
-        <p:sp>
-          <p:nvSpPr>
-            <p:cNvPr id="203" name="Circle"/>
-            <p:cNvSpPr/>
-            <p:nvPr/>
-          </p:nvSpPr>
-          <p:spPr>
-            <a:xfrm>
-              <a:off x="2975903" y="812096"/>
-              <a:ext cx="439658" cy="439657"/>
-            </a:xfrm>
-            <a:prstGeom prst="ellipse">
-              <a:avLst/>
-            </a:prstGeom>
-            <a:solidFill>
-              <a:schemeClr val="accent1">
-                <a:satOff val="-3355"/>
-                <a:lumOff val="26614"/>
-              </a:schemeClr>
-            </a:solidFill>
-            <a:ln w="12700" cap="flat">
-              <a:noFill/>
-              <a:miter lim="400000"/>
-            </a:ln>
-            <a:effectLst/>
-          </p:spPr>
-          <p:txBody>
-            <a:bodyPr wrap="square" lIns="50800" tIns="50800" rIns="50800" bIns="50800" numCol="1" anchor="ctr">
-              <a:noAutofit/>
-            </a:bodyPr>
-            <a:lstStyle/>
-            <a:p>
-              <a:pPr>
-                <a:defRPr sz="4800"/>
-              </a:pPr>
-            </a:p>
-          </p:txBody>
-        </p:sp>
-        <p:sp>
-          <p:nvSpPr>
-            <p:cNvPr id="204" name="Circle"/>
-            <p:cNvSpPr/>
-            <p:nvPr/>
-          </p:nvSpPr>
-          <p:spPr>
-            <a:xfrm>
-              <a:off x="5324097" y="2145664"/>
-              <a:ext cx="439658" cy="439657"/>
-            </a:xfrm>
-            <a:prstGeom prst="ellipse">
-              <a:avLst/>
-            </a:prstGeom>
-            <a:solidFill>
-              <a:schemeClr val="accent1">
-                <a:satOff val="-3355"/>
-                <a:lumOff val="26614"/>
-              </a:schemeClr>
-            </a:solidFill>
-            <a:ln w="12700" cap="flat">
-              <a:noFill/>
-              <a:miter lim="400000"/>
-            </a:ln>
-            <a:effectLst/>
-          </p:spPr>
-          <p:txBody>
-            <a:bodyPr wrap="square" lIns="50800" tIns="50800" rIns="50800" bIns="50800" numCol="1" anchor="ctr">
-              <a:noAutofit/>
-            </a:bodyPr>
-            <a:lstStyle/>
-            <a:p>
-              <a:pPr>
-                <a:defRPr sz="4800"/>
-              </a:pPr>
-            </a:p>
-          </p:txBody>
-        </p:sp>
-        <p:sp>
-          <p:nvSpPr>
-            <p:cNvPr id="205" name="Circle"/>
-            <p:cNvSpPr/>
-            <p:nvPr/>
-          </p:nvSpPr>
-          <p:spPr>
-            <a:xfrm>
-              <a:off x="2010656" y="4302142"/>
-              <a:ext cx="439658" cy="439658"/>
-            </a:xfrm>
-            <a:prstGeom prst="ellipse">
-              <a:avLst/>
-            </a:prstGeom>
-            <a:solidFill>
-              <a:schemeClr val="accent1">
-                <a:satOff val="-3355"/>
-                <a:lumOff val="26614"/>
-              </a:schemeClr>
-            </a:solidFill>
-            <a:ln w="12700" cap="flat">
-              <a:noFill/>
-              <a:miter lim="400000"/>
-            </a:ln>
-            <a:effectLst/>
-          </p:spPr>
-          <p:txBody>
-            <a:bodyPr wrap="square" lIns="50800" tIns="50800" rIns="50800" bIns="50800" numCol="1" anchor="ctr">
-              <a:noAutofit/>
-            </a:bodyPr>
-            <a:lstStyle/>
-            <a:p>
-              <a:pPr>
-                <a:defRPr sz="4800"/>
-              </a:pPr>
-            </a:p>
-          </p:txBody>
-        </p:sp>
-        <p:sp>
-          <p:nvSpPr>
-            <p:cNvPr id="206" name="Circle"/>
-            <p:cNvSpPr/>
-            <p:nvPr/>
-          </p:nvSpPr>
-          <p:spPr>
-            <a:xfrm>
-              <a:off x="4753368" y="4389847"/>
-              <a:ext cx="439658" cy="439658"/>
-            </a:xfrm>
-            <a:prstGeom prst="ellipse">
-              <a:avLst/>
-            </a:prstGeom>
-            <a:solidFill>
-              <a:schemeClr val="accent1">
-                <a:satOff val="-3355"/>
-                <a:lumOff val="26614"/>
-              </a:schemeClr>
-            </a:solidFill>
-            <a:ln w="12700" cap="flat">
-              <a:noFill/>
-              <a:miter lim="400000"/>
-            </a:ln>
-            <a:effectLst/>
-          </p:spPr>
-          <p:txBody>
-            <a:bodyPr wrap="square" lIns="50800" tIns="50800" rIns="50800" bIns="50800" numCol="1" anchor="ctr">
-              <a:noAutofit/>
-            </a:bodyPr>
-            <a:lstStyle/>
-            <a:p>
-              <a:pPr>
-                <a:defRPr sz="4800"/>
-              </a:pPr>
-            </a:p>
-          </p:txBody>
-        </p:sp>
-        <p:sp>
-          <p:nvSpPr>
-            <p:cNvPr id="207" name="user interaction"/>
-            <p:cNvSpPr txBox="1"/>
-            <p:nvPr/>
-          </p:nvSpPr>
-          <p:spPr>
-            <a:xfrm>
-              <a:off x="5228249" y="4679179"/>
-              <a:ext cx="2365967" cy="646945"/>
-            </a:xfrm>
-            <a:prstGeom prst="rect">
-              <a:avLst/>
-            </a:prstGeom>
-            <a:noFill/>
-            <a:ln w="12700" cap="flat">
-              <a:noFill/>
-              <a:miter lim="400000"/>
-            </a:ln>
-            <a:effectLst/>
-            <a:extLst>
-              <a:ext uri="{C572A759-6A51-4108-AA02-DFA0A04FC94B}">
-                <ma14:wrappingTextBoxFlag xmlns:ma14="http://schemas.microsoft.com/office/mac/drawingml/2011/main" val="1"/>
-              </a:ext>
-            </a:extLst>
-          </p:spPr>
-          <p:txBody>
-            <a:bodyPr wrap="square" lIns="50800" tIns="50800" rIns="50800" bIns="50800" numCol="1" anchor="ctr">
-              <a:normAutofit fontScale="100000" lnSpcReduction="0"/>
-            </a:bodyPr>
-            <a:lstStyle>
-              <a:lvl1pPr defTabSz="414781">
-                <a:defRPr sz="2556">
-                  <a:solidFill>
-                    <a:srgbClr val="FFFFFF"/>
-                  </a:solidFill>
-                </a:defRPr>
-              </a:lvl1pPr>
-            </a:lstStyle>
-            <a:p>
-              <a:pPr/>
-              <a:r>
-                <a:t>user interaction</a:t>
-              </a:r>
-            </a:p>
-          </p:txBody>
-        </p:sp>
-        <p:cxnSp>
-          <p:nvCxnSpPr>
-            <p:cNvPr id="208" name="Connection Line"/>
-            <p:cNvCxnSpPr>
-              <a:stCxn id="214" idx="0"/>
-              <a:endCxn id="203" idx="0"/>
-            </p:cNvCxnSpPr>
-            <p:nvPr/>
-          </p:nvCxnSpPr>
-          <p:spPr>
-            <a:xfrm flipH="1" flipV="1">
-              <a:off x="3195731" y="1031924"/>
-              <a:ext cx="263621" cy="1799991"/>
-            </a:xfrm>
-            <a:prstGeom prst="straightConnector1">
-              <a:avLst/>
-            </a:prstGeom>
-            <a:ln w="25400" cap="flat">
-              <a:solidFill>
-                <a:srgbClr val="FFFFFF"/>
-              </a:solidFill>
-              <a:prstDash val="solid"/>
-              <a:miter lim="400000"/>
-            </a:ln>
-            <a:effectLst/>
-          </p:spPr>
-        </p:cxnSp>
-        <p:cxnSp>
-          <p:nvCxnSpPr>
-            <p:cNvPr id="209" name="Connection Line"/>
-            <p:cNvCxnSpPr>
-              <a:stCxn id="214" idx="0"/>
-              <a:endCxn id="204" idx="0"/>
-            </p:cNvCxnSpPr>
-            <p:nvPr/>
-          </p:nvCxnSpPr>
-          <p:spPr>
-            <a:xfrm flipV="1">
-              <a:off x="3459351" y="2365492"/>
-              <a:ext cx="2084575" cy="466423"/>
-            </a:xfrm>
-            <a:prstGeom prst="straightConnector1">
-              <a:avLst/>
-            </a:prstGeom>
-            <a:ln w="25400" cap="flat">
-              <a:solidFill>
-                <a:srgbClr val="FFFFFF"/>
-              </a:solidFill>
-              <a:prstDash val="solid"/>
-              <a:miter lim="400000"/>
-            </a:ln>
-            <a:effectLst/>
-          </p:spPr>
-        </p:cxnSp>
-        <p:sp>
-          <p:nvSpPr>
-            <p:cNvPr id="210" name="Circle"/>
-            <p:cNvSpPr/>
-            <p:nvPr/>
-          </p:nvSpPr>
-          <p:spPr>
-            <a:xfrm>
-              <a:off x="1150423" y="1926660"/>
-              <a:ext cx="439658" cy="439658"/>
-            </a:xfrm>
-            <a:prstGeom prst="ellipse">
-              <a:avLst/>
-            </a:prstGeom>
-            <a:solidFill>
-              <a:schemeClr val="accent1">
-                <a:satOff val="-3355"/>
-                <a:lumOff val="26614"/>
-              </a:schemeClr>
-            </a:solidFill>
-            <a:ln w="12700" cap="flat">
-              <a:noFill/>
-              <a:miter lim="400000"/>
-            </a:ln>
-            <a:effectLst/>
-          </p:spPr>
-          <p:txBody>
-            <a:bodyPr wrap="square" lIns="50800" tIns="50800" rIns="50800" bIns="50800" numCol="1" anchor="ctr">
-              <a:noAutofit/>
-            </a:bodyPr>
-            <a:lstStyle/>
-            <a:p>
-              <a:pPr>
-                <a:defRPr sz="4800"/>
-              </a:pPr>
-            </a:p>
-          </p:txBody>
-        </p:sp>
-        <p:cxnSp>
-          <p:nvCxnSpPr>
-            <p:cNvPr id="211" name="Connection Line"/>
-            <p:cNvCxnSpPr>
-              <a:stCxn id="214" idx="0"/>
-              <a:endCxn id="210" idx="0"/>
-            </p:cNvCxnSpPr>
-            <p:nvPr/>
-          </p:nvCxnSpPr>
-          <p:spPr>
-            <a:xfrm flipH="1" flipV="1">
-              <a:off x="1370252" y="2146488"/>
-              <a:ext cx="2089100" cy="685427"/>
-            </a:xfrm>
-            <a:prstGeom prst="straightConnector1">
-              <a:avLst/>
-            </a:prstGeom>
-            <a:ln w="25400" cap="flat">
-              <a:solidFill>
-                <a:srgbClr val="FFFFFF"/>
-              </a:solidFill>
-              <a:prstDash val="solid"/>
-              <a:miter lim="400000"/>
-            </a:ln>
-            <a:effectLst/>
-          </p:spPr>
-        </p:cxnSp>
-        <p:cxnSp>
-          <p:nvCxnSpPr>
-            <p:cNvPr id="212" name="Connection Line"/>
-            <p:cNvCxnSpPr>
-              <a:stCxn id="205" idx="0"/>
-              <a:endCxn id="214" idx="0"/>
-            </p:cNvCxnSpPr>
-            <p:nvPr/>
-          </p:nvCxnSpPr>
-          <p:spPr>
-            <a:xfrm flipV="1">
-              <a:off x="2230484" y="2831914"/>
-              <a:ext cx="1228868" cy="1690058"/>
-            </a:xfrm>
-            <a:prstGeom prst="straightConnector1">
-              <a:avLst/>
-            </a:prstGeom>
-            <a:ln w="25400" cap="flat">
-              <a:solidFill>
-                <a:srgbClr val="FFFFFF"/>
-              </a:solidFill>
-              <a:prstDash val="solid"/>
-              <a:miter lim="400000"/>
-            </a:ln>
-            <a:effectLst/>
-          </p:spPr>
-        </p:cxnSp>
-        <p:cxnSp>
-          <p:nvCxnSpPr>
-            <p:cNvPr id="213" name="Connection Line"/>
-            <p:cNvCxnSpPr>
-              <a:stCxn id="214" idx="0"/>
-              <a:endCxn id="206" idx="0"/>
-            </p:cNvCxnSpPr>
-            <p:nvPr/>
-          </p:nvCxnSpPr>
-          <p:spPr>
-            <a:xfrm>
-              <a:off x="3459351" y="2831914"/>
-              <a:ext cx="1513846" cy="1777763"/>
-            </a:xfrm>
-            <a:prstGeom prst="straightConnector1">
-              <a:avLst/>
-            </a:prstGeom>
-            <a:ln w="25400" cap="flat">
-              <a:solidFill>
-                <a:srgbClr val="FFFFFF"/>
-              </a:solidFill>
-              <a:prstDash val="solid"/>
-              <a:miter lim="400000"/>
-            </a:ln>
-            <a:effectLst/>
-          </p:spPr>
-        </p:cxnSp>
-        <p:sp>
-          <p:nvSpPr>
-            <p:cNvPr id="214" name="God"/>
-            <p:cNvSpPr/>
-            <p:nvPr/>
-          </p:nvSpPr>
-          <p:spPr>
-            <a:xfrm>
-              <a:off x="2748739" y="2428648"/>
-              <a:ext cx="1421225" cy="806533"/>
-            </a:xfrm>
-            <a:prstGeom prst="rect">
-              <a:avLst/>
-            </a:prstGeom>
-            <a:solidFill>
-              <a:srgbClr val="000000"/>
-            </a:solidFill>
-            <a:ln w="25400" cap="flat">
-              <a:solidFill>
-                <a:srgbClr val="FFFFFF"/>
-              </a:solidFill>
-              <a:prstDash val="solid"/>
-              <a:miter lim="400000"/>
-            </a:ln>
-            <a:effectLst/>
-            <a:extLst>
-              <a:ext uri="{C572A759-6A51-4108-AA02-DFA0A04FC94B}">
-                <ma14:wrappingTextBoxFlag xmlns:ma14="http://schemas.microsoft.com/office/mac/drawingml/2011/main" val="1"/>
-              </a:ext>
-            </a:extLst>
-          </p:spPr>
-          <p:txBody>
-            <a:bodyPr wrap="square" lIns="50800" tIns="50800" rIns="50800" bIns="50800" numCol="1" anchor="ctr">
-              <a:noAutofit/>
-            </a:bodyPr>
-            <a:lstStyle>
-              <a:lvl1pPr>
-                <a:defRPr sz="4800">
-                  <a:solidFill>
-                    <a:srgbClr val="FFFFFF"/>
-                  </a:solidFill>
-                </a:defRPr>
-              </a:lvl1pPr>
-            </a:lstStyle>
-            <a:p>
-              <a:pPr/>
-              <a:r>
-                <a:t>God</a:t>
-              </a:r>
-            </a:p>
-          </p:txBody>
-        </p:sp>
-      </p:grpSp>
-    </p:spTree>
-  </p:cSld>
-  <p:clrMapOvr>
-    <a:masterClrMapping/>
-  </p:clrMapOvr>
-  <p:transition xmlns:p14="http://schemas.microsoft.com/office/powerpoint/2010/main" spd="med" advClick="1"/>
-</p:sld>
-</file>
-
-<file path=ppt/slides/slide9.xml><?xml version="1.0" encoding="utf-8"?>
-<p:sld xmlns:a="http://schemas.openxmlformats.org/drawingml/2006/main" xmlns:r="http://schemas.openxmlformats.org/officeDocument/2006/relationships" xmlns:p="http://schemas.openxmlformats.org/presentationml/2006/main" showMasterSp="1" showMasterPhAnim="1">
+<file path=ppt/slides/slide7.xml><?xml version="1.0" encoding="utf-8"?>
+<p:sld xmlns:a="http://schemas.openxmlformats.org/drawingml/2006/main" xmlns:r="http://schemas.openxmlformats.org/officeDocument/2006/relationships" xmlns:p="http://schemas.openxmlformats.org/presentationml/2006/main">
   <p:cSld>
     <p:spTree>
       <p:nvGrpSpPr>
@@ -7891,7 +7671,632 @@
       <p:sp>
         <p:nvSpPr>
           <p:cNvPr id="219" name="Spring MVC"/>
-          <p:cNvSpPr txBox="1"/>
+          <p:cNvSpPr txBox="1">
+            <a:spLocks noGrp="1"/>
+          </p:cNvSpPr>
+          <p:nvPr>
+            <p:ph type="title"/>
+          </p:nvPr>
+        </p:nvSpPr>
+        <p:spPr>
+          <a:xfrm>
+            <a:off x="1241425" y="2025650"/>
+            <a:ext cx="10464800" cy="3302000"/>
+          </a:xfrm>
+          <a:prstGeom prst="rect">
+            <a:avLst/>
+          </a:prstGeom>
+        </p:spPr>
+        <p:txBody>
+          <a:bodyPr>
+            <a:normAutofit/>
+          </a:bodyPr>
+          <a:lstStyle/>
+          <a:p>
+            <a:r>
+              <a:rPr b="1" dirty="0"/>
+              <a:t>Spring MVC</a:t>
+            </a:r>
+            <a:br>
+              <a:rPr lang="de-DE" dirty="0"/>
+            </a:br>
+            <a:endParaRPr sz="6000" dirty="0"/>
+          </a:p>
+        </p:txBody>
+      </p:sp>
+      <p:sp>
+        <p:nvSpPr>
+          <p:cNvPr id="3" name="Spring MVC">
+            <a:extLst>
+              <a:ext uri="{FF2B5EF4-FFF2-40B4-BE49-F238E27FC236}">
+                <a16:creationId xmlns:a16="http://schemas.microsoft.com/office/drawing/2014/main" id="{AEDAF319-83BB-40D5-A251-A5E64CEA80B7}"/>
+              </a:ext>
+            </a:extLst>
+          </p:cNvPr>
+          <p:cNvSpPr txBox="1">
+            <a:spLocks/>
+          </p:cNvSpPr>
+          <p:nvPr/>
+        </p:nvSpPr>
+        <p:spPr>
+          <a:xfrm>
+            <a:off x="1241425" y="5054600"/>
+            <a:ext cx="10464800" cy="3302000"/>
+          </a:xfrm>
+          <a:prstGeom prst="rect">
+            <a:avLst/>
+          </a:prstGeom>
+          <a:ln w="12700">
+            <a:miter lim="400000"/>
+          </a:ln>
+          <a:extLst>
+            <a:ext uri="{C572A759-6A51-4108-AA02-DFA0A04FC94B}">
+              <ma14:wrappingTextBoxFlag xmlns="" xmlns:ma14="http://schemas.microsoft.com/office/mac/drawingml/2011/main" val="1"/>
+            </a:ext>
+          </a:extLst>
+        </p:spPr>
+        <p:txBody>
+          <a:bodyPr lIns="50800" tIns="50800" rIns="50800" bIns="50800" anchor="ctr">
+            <a:normAutofit/>
+          </a:bodyPr>
+          <a:lstStyle>
+            <a:lvl1pPr marL="0" marR="0" indent="0" algn="ctr" defTabSz="584200" rtl="0" latinLnBrk="0">
+              <a:lnSpc>
+                <a:spcPct val="100000"/>
+              </a:lnSpc>
+              <a:spcBef>
+                <a:spcPts val="0"/>
+              </a:spcBef>
+              <a:spcAft>
+                <a:spcPts val="0"/>
+              </a:spcAft>
+              <a:buClrTx/>
+              <a:buSzTx/>
+              <a:buFontTx/>
+              <a:buNone/>
+              <a:tabLst/>
+              <a:defRPr sz="8000" b="0" i="0" u="none" strike="noStrike" cap="none" spc="0" baseline="0">
+                <a:ln>
+                  <a:noFill/>
+                </a:ln>
+                <a:solidFill>
+                  <a:srgbClr val="000000"/>
+                </a:solidFill>
+                <a:uFillTx/>
+                <a:latin typeface="+mn-lt"/>
+                <a:ea typeface="+mn-ea"/>
+                <a:cs typeface="+mn-cs"/>
+                <a:sym typeface="Helvetica Light"/>
+              </a:defRPr>
+            </a:lvl1pPr>
+            <a:lvl2pPr marL="0" marR="0" indent="228600" algn="ctr" defTabSz="584200" rtl="0" latinLnBrk="0">
+              <a:lnSpc>
+                <a:spcPct val="100000"/>
+              </a:lnSpc>
+              <a:spcBef>
+                <a:spcPts val="0"/>
+              </a:spcBef>
+              <a:spcAft>
+                <a:spcPts val="0"/>
+              </a:spcAft>
+              <a:buClrTx/>
+              <a:buSzTx/>
+              <a:buFontTx/>
+              <a:buNone/>
+              <a:tabLst/>
+              <a:defRPr sz="8000" b="0" i="0" u="none" strike="noStrike" cap="none" spc="0" baseline="0">
+                <a:ln>
+                  <a:noFill/>
+                </a:ln>
+                <a:solidFill>
+                  <a:srgbClr val="000000"/>
+                </a:solidFill>
+                <a:uFillTx/>
+                <a:latin typeface="+mn-lt"/>
+                <a:ea typeface="+mn-ea"/>
+                <a:cs typeface="+mn-cs"/>
+                <a:sym typeface="Helvetica Light"/>
+              </a:defRPr>
+            </a:lvl2pPr>
+            <a:lvl3pPr marL="0" marR="0" indent="457200" algn="ctr" defTabSz="584200" rtl="0" latinLnBrk="0">
+              <a:lnSpc>
+                <a:spcPct val="100000"/>
+              </a:lnSpc>
+              <a:spcBef>
+                <a:spcPts val="0"/>
+              </a:spcBef>
+              <a:spcAft>
+                <a:spcPts val="0"/>
+              </a:spcAft>
+              <a:buClrTx/>
+              <a:buSzTx/>
+              <a:buFontTx/>
+              <a:buNone/>
+              <a:tabLst/>
+              <a:defRPr sz="8000" b="0" i="0" u="none" strike="noStrike" cap="none" spc="0" baseline="0">
+                <a:ln>
+                  <a:noFill/>
+                </a:ln>
+                <a:solidFill>
+                  <a:srgbClr val="000000"/>
+                </a:solidFill>
+                <a:uFillTx/>
+                <a:latin typeface="+mn-lt"/>
+                <a:ea typeface="+mn-ea"/>
+                <a:cs typeface="+mn-cs"/>
+                <a:sym typeface="Helvetica Light"/>
+              </a:defRPr>
+            </a:lvl3pPr>
+            <a:lvl4pPr marL="0" marR="0" indent="685800" algn="ctr" defTabSz="584200" rtl="0" latinLnBrk="0">
+              <a:lnSpc>
+                <a:spcPct val="100000"/>
+              </a:lnSpc>
+              <a:spcBef>
+                <a:spcPts val="0"/>
+              </a:spcBef>
+              <a:spcAft>
+                <a:spcPts val="0"/>
+              </a:spcAft>
+              <a:buClrTx/>
+              <a:buSzTx/>
+              <a:buFontTx/>
+              <a:buNone/>
+              <a:tabLst/>
+              <a:defRPr sz="8000" b="0" i="0" u="none" strike="noStrike" cap="none" spc="0" baseline="0">
+                <a:ln>
+                  <a:noFill/>
+                </a:ln>
+                <a:solidFill>
+                  <a:srgbClr val="000000"/>
+                </a:solidFill>
+                <a:uFillTx/>
+                <a:latin typeface="+mn-lt"/>
+                <a:ea typeface="+mn-ea"/>
+                <a:cs typeface="+mn-cs"/>
+                <a:sym typeface="Helvetica Light"/>
+              </a:defRPr>
+            </a:lvl4pPr>
+            <a:lvl5pPr marL="0" marR="0" indent="914400" algn="ctr" defTabSz="584200" rtl="0" latinLnBrk="0">
+              <a:lnSpc>
+                <a:spcPct val="100000"/>
+              </a:lnSpc>
+              <a:spcBef>
+                <a:spcPts val="0"/>
+              </a:spcBef>
+              <a:spcAft>
+                <a:spcPts val="0"/>
+              </a:spcAft>
+              <a:buClrTx/>
+              <a:buSzTx/>
+              <a:buFontTx/>
+              <a:buNone/>
+              <a:tabLst/>
+              <a:defRPr sz="8000" b="0" i="0" u="none" strike="noStrike" cap="none" spc="0" baseline="0">
+                <a:ln>
+                  <a:noFill/>
+                </a:ln>
+                <a:solidFill>
+                  <a:srgbClr val="000000"/>
+                </a:solidFill>
+                <a:uFillTx/>
+                <a:latin typeface="+mn-lt"/>
+                <a:ea typeface="+mn-ea"/>
+                <a:cs typeface="+mn-cs"/>
+                <a:sym typeface="Helvetica Light"/>
+              </a:defRPr>
+            </a:lvl5pPr>
+            <a:lvl6pPr marL="0" marR="0" indent="1143000" algn="ctr" defTabSz="584200" rtl="0" latinLnBrk="0">
+              <a:lnSpc>
+                <a:spcPct val="100000"/>
+              </a:lnSpc>
+              <a:spcBef>
+                <a:spcPts val="0"/>
+              </a:spcBef>
+              <a:spcAft>
+                <a:spcPts val="0"/>
+              </a:spcAft>
+              <a:buClrTx/>
+              <a:buSzTx/>
+              <a:buFontTx/>
+              <a:buNone/>
+              <a:tabLst/>
+              <a:defRPr sz="8000" b="0" i="0" u="none" strike="noStrike" cap="none" spc="0" baseline="0">
+                <a:ln>
+                  <a:noFill/>
+                </a:ln>
+                <a:solidFill>
+                  <a:srgbClr val="000000"/>
+                </a:solidFill>
+                <a:uFillTx/>
+                <a:latin typeface="+mn-lt"/>
+                <a:ea typeface="+mn-ea"/>
+                <a:cs typeface="+mn-cs"/>
+                <a:sym typeface="Helvetica Light"/>
+              </a:defRPr>
+            </a:lvl6pPr>
+            <a:lvl7pPr marL="0" marR="0" indent="1371600" algn="ctr" defTabSz="584200" rtl="0" latinLnBrk="0">
+              <a:lnSpc>
+                <a:spcPct val="100000"/>
+              </a:lnSpc>
+              <a:spcBef>
+                <a:spcPts val="0"/>
+              </a:spcBef>
+              <a:spcAft>
+                <a:spcPts val="0"/>
+              </a:spcAft>
+              <a:buClrTx/>
+              <a:buSzTx/>
+              <a:buFontTx/>
+              <a:buNone/>
+              <a:tabLst/>
+              <a:defRPr sz="8000" b="0" i="0" u="none" strike="noStrike" cap="none" spc="0" baseline="0">
+                <a:ln>
+                  <a:noFill/>
+                </a:ln>
+                <a:solidFill>
+                  <a:srgbClr val="000000"/>
+                </a:solidFill>
+                <a:uFillTx/>
+                <a:latin typeface="+mn-lt"/>
+                <a:ea typeface="+mn-ea"/>
+                <a:cs typeface="+mn-cs"/>
+                <a:sym typeface="Helvetica Light"/>
+              </a:defRPr>
+            </a:lvl7pPr>
+            <a:lvl8pPr marL="0" marR="0" indent="1600200" algn="ctr" defTabSz="584200" rtl="0" latinLnBrk="0">
+              <a:lnSpc>
+                <a:spcPct val="100000"/>
+              </a:lnSpc>
+              <a:spcBef>
+                <a:spcPts val="0"/>
+              </a:spcBef>
+              <a:spcAft>
+                <a:spcPts val="0"/>
+              </a:spcAft>
+              <a:buClrTx/>
+              <a:buSzTx/>
+              <a:buFontTx/>
+              <a:buNone/>
+              <a:tabLst/>
+              <a:defRPr sz="8000" b="0" i="0" u="none" strike="noStrike" cap="none" spc="0" baseline="0">
+                <a:ln>
+                  <a:noFill/>
+                </a:ln>
+                <a:solidFill>
+                  <a:srgbClr val="000000"/>
+                </a:solidFill>
+                <a:uFillTx/>
+                <a:latin typeface="+mn-lt"/>
+                <a:ea typeface="+mn-ea"/>
+                <a:cs typeface="+mn-cs"/>
+                <a:sym typeface="Helvetica Light"/>
+              </a:defRPr>
+            </a:lvl8pPr>
+            <a:lvl9pPr marL="0" marR="0" indent="1828800" algn="ctr" defTabSz="584200" rtl="0" latinLnBrk="0">
+              <a:lnSpc>
+                <a:spcPct val="100000"/>
+              </a:lnSpc>
+              <a:spcBef>
+                <a:spcPts val="0"/>
+              </a:spcBef>
+              <a:spcAft>
+                <a:spcPts val="0"/>
+              </a:spcAft>
+              <a:buClrTx/>
+              <a:buSzTx/>
+              <a:buFontTx/>
+              <a:buNone/>
+              <a:tabLst/>
+              <a:defRPr sz="8000" b="0" i="0" u="none" strike="noStrike" cap="none" spc="0" baseline="0">
+                <a:ln>
+                  <a:noFill/>
+                </a:ln>
+                <a:solidFill>
+                  <a:srgbClr val="000000"/>
+                </a:solidFill>
+                <a:uFillTx/>
+                <a:latin typeface="+mn-lt"/>
+                <a:ea typeface="+mn-ea"/>
+                <a:cs typeface="+mn-cs"/>
+                <a:sym typeface="Helvetica Light"/>
+              </a:defRPr>
+            </a:lvl9pPr>
+          </a:lstStyle>
+          <a:p>
+            <a:pPr hangingPunct="1"/>
+            <a:r>
+              <a:rPr lang="en-GB" sz="6000" dirty="0"/>
+              <a:t>„automagically“ </a:t>
+            </a:r>
+          </a:p>
+        </p:txBody>
+      </p:sp>
+    </p:spTree>
+  </p:cSld>
+  <p:clrMapOvr>
+    <a:masterClrMapping/>
+  </p:clrMapOvr>
+  <p:transition spd="med"/>
+  <p:timing>
+    <p:tnLst>
+      <p:par>
+        <p:cTn id="1" dur="indefinite" restart="never" nodeType="tmRoot">
+          <p:childTnLst>
+            <p:seq concurrent="1" nextAc="seek">
+              <p:cTn id="2" dur="indefinite" nodeType="mainSeq">
+                <p:childTnLst>
+                  <p:par>
+                    <p:cTn id="3" fill="hold">
+                      <p:stCondLst>
+                        <p:cond delay="indefinite"/>
+                      </p:stCondLst>
+                      <p:childTnLst>
+                        <p:par>
+                          <p:cTn id="4" fill="hold">
+                            <p:stCondLst>
+                              <p:cond delay="0"/>
+                            </p:stCondLst>
+                            <p:childTnLst>
+                              <p:par>
+                                <p:cTn id="5" presetID="1" presetClass="entr" presetSubtype="0" fill="hold" nodeType="clickEffect">
+                                  <p:stCondLst>
+                                    <p:cond delay="0"/>
+                                  </p:stCondLst>
+                                  <p:childTnLst>
+                                    <p:set>
+                                      <p:cBhvr>
+                                        <p:cTn id="6" dur="1" fill="hold">
+                                          <p:stCondLst>
+                                            <p:cond delay="0"/>
+                                          </p:stCondLst>
+                                        </p:cTn>
+                                        <p:tgtEl>
+                                          <p:spTgt spid="3">
+                                            <p:txEl>
+                                              <p:pRg st="0" end="0"/>
+                                            </p:txEl>
+                                          </p:spTgt>
+                                        </p:tgtEl>
+                                        <p:attrNameLst>
+                                          <p:attrName>style.visibility</p:attrName>
+                                        </p:attrNameLst>
+                                      </p:cBhvr>
+                                      <p:to>
+                                        <p:strVal val="visible"/>
+                                      </p:to>
+                                    </p:set>
+                                  </p:childTnLst>
+                                </p:cTn>
+                              </p:par>
+                            </p:childTnLst>
+                          </p:cTn>
+                        </p:par>
+                      </p:childTnLst>
+                    </p:cTn>
+                  </p:par>
+                </p:childTnLst>
+              </p:cTn>
+              <p:prevCondLst>
+                <p:cond evt="onPrev" delay="0">
+                  <p:tgtEl>
+                    <p:sldTgt/>
+                  </p:tgtEl>
+                </p:cond>
+              </p:prevCondLst>
+              <p:nextCondLst>
+                <p:cond evt="onNext" delay="0">
+                  <p:tgtEl>
+                    <p:sldTgt/>
+                  </p:tgtEl>
+                </p:cond>
+              </p:nextCondLst>
+            </p:seq>
+          </p:childTnLst>
+        </p:cTn>
+      </p:par>
+    </p:tnLst>
+  </p:timing>
+</p:sld>
+</file>
+
+<file path=ppt/slides/slide8.xml><?xml version="1.0" encoding="utf-8"?>
+<p:sld xmlns:a="http://schemas.openxmlformats.org/drawingml/2006/main" xmlns:r="http://schemas.openxmlformats.org/officeDocument/2006/relationships" xmlns:p="http://schemas.openxmlformats.org/presentationml/2006/main">
+  <p:cSld>
+    <p:spTree>
+      <p:nvGrpSpPr>
+        <p:cNvPr id="1" name=""/>
+        <p:cNvGrpSpPr/>
+        <p:nvPr/>
+      </p:nvGrpSpPr>
+      <p:grpSpPr>
+        <a:xfrm>
+          <a:off x="0" y="0"/>
+          <a:ext cx="0" cy="0"/>
+          <a:chOff x="0" y="0"/>
+          <a:chExt cx="0" cy="0"/>
+        </a:xfrm>
+      </p:grpSpPr>
+      <p:sp>
+        <p:nvSpPr>
+          <p:cNvPr id="223" name="Request lifecycle"/>
+          <p:cNvSpPr txBox="1">
+            <a:spLocks noGrp="1"/>
+          </p:cNvSpPr>
+          <p:nvPr>
+            <p:ph type="title"/>
+          </p:nvPr>
+        </p:nvSpPr>
+        <p:spPr>
+          <a:prstGeom prst="rect">
+            <a:avLst/>
+          </a:prstGeom>
+        </p:spPr>
+        <p:txBody>
+          <a:bodyPr>
+            <a:normAutofit fontScale="90000"/>
+          </a:bodyPr>
+          <a:lstStyle/>
+          <a:p>
+            <a:r>
+              <a:rPr lang="de-DE" dirty="0"/>
+              <a:t>Request </a:t>
+            </a:r>
+            <a:r>
+              <a:rPr lang="de-DE" dirty="0" err="1"/>
+              <a:t>lifecycle</a:t>
+            </a:r>
+            <a:r>
+              <a:rPr lang="de-DE" dirty="0"/>
+              <a:t> </a:t>
+            </a:r>
+            <a:r>
+              <a:rPr lang="de-DE" dirty="0" err="1"/>
+              <a:t>summary</a:t>
+            </a:r>
+            <a:endParaRPr dirty="0"/>
+          </a:p>
+        </p:txBody>
+      </p:sp>
+      <p:sp>
+        <p:nvSpPr>
+          <p:cNvPr id="224" name="user navigates to URL…"/>
+          <p:cNvSpPr txBox="1">
+            <a:spLocks noGrp="1"/>
+          </p:cNvSpPr>
+          <p:nvPr>
+            <p:ph type="body" idx="1"/>
+          </p:nvPr>
+        </p:nvSpPr>
+        <p:spPr>
+          <a:prstGeom prst="rect">
+            <a:avLst/>
+          </a:prstGeom>
+        </p:spPr>
+        <p:txBody>
+          <a:bodyPr/>
+          <a:lstStyle/>
+          <a:p>
+            <a:r>
+              <a:t>user navigates to URL</a:t>
+            </a:r>
+          </a:p>
+          <a:p>
+            <a:r>
+              <a:t>request is mapped to </a:t>
+            </a:r>
+            <a:r>
+              <a:rPr b="1">
+                <a:latin typeface="Helvetica"/>
+                <a:ea typeface="Helvetica"/>
+                <a:cs typeface="Helvetica"/>
+                <a:sym typeface="Helvetica"/>
+              </a:rPr>
+              <a:t>controller</a:t>
+            </a:r>
+            <a:r>
+              <a:t> method</a:t>
+            </a:r>
+          </a:p>
+          <a:p>
+            <a:r>
+              <a:rPr b="1">
+                <a:latin typeface="Helvetica"/>
+                <a:ea typeface="Helvetica"/>
+                <a:cs typeface="Helvetica"/>
+                <a:sym typeface="Helvetica"/>
+              </a:rPr>
+              <a:t>controller</a:t>
+            </a:r>
+            <a:r>
+              <a:t> loads </a:t>
+            </a:r>
+            <a:r>
+              <a:rPr b="1">
+                <a:latin typeface="Helvetica"/>
+                <a:ea typeface="Helvetica"/>
+                <a:cs typeface="Helvetica"/>
+                <a:sym typeface="Helvetica"/>
+              </a:rPr>
+              <a:t>model</a:t>
+            </a:r>
+            <a:r>
+              <a:t> by id</a:t>
+            </a:r>
+          </a:p>
+          <a:p>
+            <a:r>
+              <a:rPr b="1">
+                <a:latin typeface="Helvetica"/>
+                <a:ea typeface="Helvetica"/>
+                <a:cs typeface="Helvetica"/>
+                <a:sym typeface="Helvetica"/>
+              </a:rPr>
+              <a:t>controller</a:t>
+            </a:r>
+            <a:r>
+              <a:t> pipes model data into </a:t>
+            </a:r>
+            <a:r>
+              <a:rPr b="1">
+                <a:latin typeface="Helvetica"/>
+                <a:ea typeface="Helvetica"/>
+                <a:cs typeface="Helvetica"/>
+                <a:sym typeface="Helvetica"/>
+              </a:rPr>
+              <a:t>view</a:t>
+            </a:r>
+          </a:p>
+          <a:p>
+            <a:r>
+              <a:t>user gets rendered </a:t>
+            </a:r>
+            <a:r>
+              <a:rPr b="1">
+                <a:latin typeface="Helvetica"/>
+                <a:ea typeface="Helvetica"/>
+                <a:cs typeface="Helvetica"/>
+                <a:sym typeface="Helvetica"/>
+              </a:rPr>
+              <a:t>view</a:t>
+            </a:r>
+            <a:r>
+              <a:t> as response</a:t>
+            </a:r>
+          </a:p>
+        </p:txBody>
+      </p:sp>
+    </p:spTree>
+  </p:cSld>
+  <p:clrMapOvr>
+    <a:masterClrMapping/>
+  </p:clrMapOvr>
+  <p:transition spd="med"/>
+</p:sld>
+</file>
+
+<file path=ppt/slides/slide9.xml><?xml version="1.0" encoding="utf-8"?>
+<p:sld xmlns:a="http://schemas.openxmlformats.org/drawingml/2006/main" xmlns:r="http://schemas.openxmlformats.org/officeDocument/2006/relationships" xmlns:p="http://schemas.openxmlformats.org/presentationml/2006/main">
+  <p:cSld>
+    <p:spTree>
+      <p:nvGrpSpPr>
+        <p:cNvPr id="1" name=""/>
+        <p:cNvGrpSpPr/>
+        <p:nvPr/>
+      </p:nvGrpSpPr>
+      <p:grpSpPr>
+        <a:xfrm>
+          <a:off x="0" y="0"/>
+          <a:ext cx="0" cy="0"/>
+          <a:chOff x="0" y="0"/>
+          <a:chExt cx="0" cy="0"/>
+        </a:xfrm>
+      </p:grpSpPr>
+      <p:sp>
+        <p:nvSpPr>
+          <p:cNvPr id="226" name="Tip"/>
+          <p:cNvSpPr txBox="1">
+            <a:spLocks noGrp="1"/>
+          </p:cNvSpPr>
           <p:nvPr>
             <p:ph type="title"/>
           </p:nvPr>
@@ -7905,9 +8310,182 @@
           <a:bodyPr/>
           <a:lstStyle/>
           <a:p>
-            <a:pPr/>
-            <a:r>
-              <a:t>Spring MVC</a:t>
+            <a:r>
+              <a:t>Tip</a:t>
+            </a:r>
+          </a:p>
+        </p:txBody>
+      </p:sp>
+      <p:sp>
+        <p:nvSpPr>
+          <p:cNvPr id="227" name="become fluent in the web vocabulary…"/>
+          <p:cNvSpPr txBox="1">
+            <a:spLocks noGrp="1"/>
+          </p:cNvSpPr>
+          <p:nvPr>
+            <p:ph type="body" idx="1"/>
+          </p:nvPr>
+        </p:nvSpPr>
+        <p:spPr>
+          <a:prstGeom prst="rect">
+            <a:avLst/>
+          </a:prstGeom>
+        </p:spPr>
+        <p:txBody>
+          <a:bodyPr>
+            <a:normAutofit lnSpcReduction="10000"/>
+          </a:bodyPr>
+          <a:lstStyle/>
+          <a:p>
+            <a:pPr marL="342264" indent="-342264" defTabSz="449833">
+              <a:spcBef>
+                <a:spcPts val="3200"/>
+              </a:spcBef>
+              <a:defRPr sz="2772"/>
+            </a:pPr>
+            <a:r>
+              <a:rPr dirty="0"/>
+              <a:t>become fluent in the web </a:t>
+            </a:r>
+            <a:r>
+              <a:rPr b="1" dirty="0">
+                <a:latin typeface="Helvetica"/>
+                <a:ea typeface="Helvetica"/>
+                <a:cs typeface="Helvetica"/>
+                <a:sym typeface="Helvetica"/>
+              </a:rPr>
+              <a:t>vocabulary</a:t>
+            </a:r>
+          </a:p>
+          <a:p>
+            <a:pPr marL="342264" indent="-342264" defTabSz="449833">
+              <a:spcBef>
+                <a:spcPts val="3200"/>
+              </a:spcBef>
+              <a:defRPr sz="2772"/>
+            </a:pPr>
+            <a:r>
+              <a:rPr dirty="0"/>
+              <a:t>understand concepts of used </a:t>
+            </a:r>
+            <a:r>
+              <a:rPr b="1" dirty="0">
+                <a:latin typeface="Helvetica"/>
+                <a:ea typeface="Helvetica"/>
+                <a:cs typeface="Helvetica"/>
+                <a:sym typeface="Helvetica"/>
+              </a:rPr>
+              <a:t>technologies</a:t>
+            </a:r>
+          </a:p>
+          <a:p>
+            <a:pPr marL="342264" indent="-342264" defTabSz="449833">
+              <a:spcBef>
+                <a:spcPts val="3200"/>
+              </a:spcBef>
+              <a:defRPr sz="2772"/>
+            </a:pPr>
+            <a:r>
+              <a:rPr dirty="0"/>
+              <a:t>HTTP: request &amp; response, headers, body, method, status</a:t>
+            </a:r>
+          </a:p>
+          <a:p>
+            <a:pPr marL="342264" indent="-342264" defTabSz="449833">
+              <a:spcBef>
+                <a:spcPts val="3200"/>
+              </a:spcBef>
+              <a:defRPr sz="2772"/>
+            </a:pPr>
+            <a:r>
+              <a:rPr dirty="0"/>
+              <a:t>URL: host, path, query, hash, URL-encoding</a:t>
+            </a:r>
+          </a:p>
+          <a:p>
+            <a:pPr marL="342264" indent="-342264" defTabSz="449833">
+              <a:spcBef>
+                <a:spcPts val="3200"/>
+              </a:spcBef>
+              <a:defRPr sz="2772"/>
+            </a:pPr>
+            <a:r>
+              <a:rPr dirty="0"/>
+              <a:t>HTML: element, attribute, form-control</a:t>
+            </a:r>
+          </a:p>
+          <a:p>
+            <a:pPr marL="342264" indent="-342264" defTabSz="449833">
+              <a:spcBef>
+                <a:spcPts val="3200"/>
+              </a:spcBef>
+              <a:defRPr sz="2772"/>
+            </a:pPr>
+            <a:r>
+              <a:rPr dirty="0"/>
+              <a:t>CSS: selector, property, position, display</a:t>
+            </a:r>
+          </a:p>
+          <a:p>
+            <a:pPr marL="342264" indent="-342264" defTabSz="449833">
+              <a:spcBef>
+                <a:spcPts val="3200"/>
+              </a:spcBef>
+              <a:defRPr sz="2772"/>
+            </a:pPr>
+            <a:r>
+              <a:rPr dirty="0"/>
+              <a:t>JS: jQuery, JSON, DOM</a:t>
+            </a:r>
+          </a:p>
+          <a:p>
+            <a:pPr marL="342264" indent="-342264" defTabSz="449833">
+              <a:spcBef>
+                <a:spcPts val="3200"/>
+              </a:spcBef>
+              <a:defRPr sz="2772"/>
+            </a:pPr>
+            <a:r>
+              <a:rPr dirty="0"/>
+              <a:t>Documentation</a:t>
+            </a:r>
+            <a:r>
+              <a:rPr lang="de-DE" dirty="0"/>
+              <a:t>:</a:t>
+            </a:r>
+            <a:r>
+              <a:rPr dirty="0"/>
+              <a:t> </a:t>
+            </a:r>
+            <a:r>
+              <a:rPr u="sng" dirty="0" err="1">
+                <a:hlinkClick r:id="rId3"/>
+              </a:rPr>
+              <a:t>stackoverflow</a:t>
+            </a:r>
+            <a:r>
+              <a:rPr lang="de-DE" u="sng" dirty="0"/>
+              <a:t>,</a:t>
+            </a:r>
+            <a:r>
+              <a:rPr dirty="0"/>
+              <a:t> </a:t>
+            </a:r>
+            <a:r>
+              <a:rPr u="sng" dirty="0" err="1">
+                <a:hlinkClick r:id="rId4"/>
+              </a:rPr>
+              <a:t>JavaDoc</a:t>
+            </a:r>
+            <a:r>
+              <a:rPr dirty="0"/>
+              <a:t>, </a:t>
+            </a:r>
+            <a:r>
+              <a:rPr u="sng" dirty="0">
+                <a:hlinkClick r:id="rId5"/>
+              </a:rPr>
+              <a:t>Guides</a:t>
             </a:r>
           </a:p>
         </p:txBody>
@@ -7917,12 +8495,12 @@
   <p:clrMapOvr>
     <a:masterClrMapping/>
   </p:clrMapOvr>
-  <p:transition xmlns:p14="http://schemas.microsoft.com/office/powerpoint/2010/main" spd="med" advClick="1"/>
+  <p:transition spd="med"/>
 </p:sld>
 </file>
 
 <file path=ppt/theme/theme1.xml><?xml version="1.0" encoding="utf-8"?>
-<a:theme xmlns:a="http://schemas.openxmlformats.org/drawingml/2006/main" xmlns:r="http://schemas.openxmlformats.org/officeDocument/2006/relationships" name="White">
+<a:theme xmlns:a="http://schemas.openxmlformats.org/drawingml/2006/main" name="White">
   <a:themeElements>
     <a:clrScheme name="White">
       <a:dk1>
@@ -8048,7 +8626,7 @@
       <a:effectStyleLst>
         <a:effectStyle>
           <a:effectLst>
-            <a:outerShdw sx="100000" sy="100000" kx="0" ky="0" algn="b" rotWithShape="0" blurRad="38100" dist="25400" dir="5400000">
+            <a:outerShdw blurRad="38100" dist="25400" dir="5400000" rotWithShape="0">
               <a:srgbClr val="000000">
                 <a:alpha val="50000"/>
               </a:srgbClr>
@@ -8057,7 +8635,7 @@
         </a:effectStyle>
         <a:effectStyle>
           <a:effectLst>
-            <a:outerShdw sx="100000" sy="100000" kx="0" ky="0" algn="b" rotWithShape="0" blurRad="50800" dist="12700" dir="0">
+            <a:outerShdw blurRad="50800" dist="12700" rotWithShape="0">
               <a:srgbClr val="000000">
                 <a:alpha val="50000"/>
               </a:srgbClr>
@@ -8066,7 +8644,7 @@
         </a:effectStyle>
         <a:effectStyle>
           <a:effectLst>
-            <a:outerShdw sx="100000" sy="100000" kx="0" ky="0" algn="b" rotWithShape="0" blurRad="38100" dist="25400" dir="5400000">
+            <a:outerShdw blurRad="38100" dist="25400" dir="5400000" rotWithShape="0">
               <a:srgbClr val="000000">
                 <a:alpha val="50000"/>
               </a:srgbClr>
@@ -8130,8 +8708,8 @@
     <a:spDef>
       <a:spPr>
         <a:blipFill rotWithShape="1">
-          <a:blip r:embed="rId1"/>
-          <a:srcRect l="0" t="0" r="0" b="0"/>
+          <a:blip xmlns:r="http://schemas.openxmlformats.org/officeDocument/2006/relationships" r:embed="rId1"/>
+          <a:srcRect/>
           <a:tile tx="0" ty="0" sx="100000" sy="100000" flip="none" algn="tl"/>
         </a:blipFill>
         <a:ln w="12700" cap="flat">
@@ -8139,7 +8717,7 @@
           <a:miter lim="400000"/>
         </a:ln>
         <a:effectLst>
-          <a:outerShdw sx="100000" sy="100000" kx="0" ky="0" algn="b" rotWithShape="0" blurRad="38100" dist="25400" dir="5400000">
+          <a:outerShdw blurRad="38100" dist="25400" dir="5400000" rotWithShape="0">
             <a:srgbClr val="000000">
               <a:alpha val="50000"/>
             </a:srgbClr>
@@ -8147,7 +8725,7 @@
         </a:effectLst>
         <a:sp3d/>
       </a:spPr>
-      <a:bodyPr rot="0" spcFirstLastPara="1" vertOverflow="overflow" horzOverflow="overflow" vert="horz" wrap="square" lIns="50800" tIns="50800" rIns="50800" bIns="50800" numCol="1" spcCol="38100" rtlCol="0" anchor="ctr" upright="0">
+      <a:bodyPr rot="0" spcFirstLastPara="1" vertOverflow="overflow" horzOverflow="overflow" vert="horz" wrap="square" lIns="50800" tIns="50800" rIns="50800" bIns="50800" numCol="1" spcCol="38100" rtlCol="0" anchor="ctr">
         <a:spAutoFit/>
       </a:bodyPr>
       <a:lstStyle>
@@ -8166,7 +8744,7 @@
           <a:buFontTx/>
           <a:buNone/>
           <a:tabLst/>
-          <a:defRPr b="0" baseline="0" cap="none" i="0" spc="0" strike="noStrike" sz="2400" u="none" kumimoji="0" normalizeH="0">
+          <a:defRPr kumimoji="0" sz="2400" b="0" i="0" u="none" strike="noStrike" cap="none" spc="0" normalizeH="0" baseline="0">
             <a:ln>
               <a:noFill/>
             </a:ln>
@@ -8196,7 +8774,7 @@
           <a:buFontTx/>
           <a:buNone/>
           <a:tabLst/>
-          <a:defRPr b="0" baseline="0" cap="none" i="0" spc="0" strike="noStrike" sz="1800" u="none" kumimoji="0" normalizeH="0">
+          <a:defRPr kumimoji="0" sz="1800" b="0" i="0" u="none" strike="noStrike" cap="none" spc="0" normalizeH="0" baseline="0">
             <a:ln>
               <a:noFill/>
             </a:ln>
@@ -8222,7 +8800,7 @@
           <a:buFontTx/>
           <a:buNone/>
           <a:tabLst/>
-          <a:defRPr b="0" baseline="0" cap="none" i="0" spc="0" strike="noStrike" sz="1800" u="none" kumimoji="0" normalizeH="0">
+          <a:defRPr kumimoji="0" sz="1800" b="0" i="0" u="none" strike="noStrike" cap="none" spc="0" normalizeH="0" baseline="0">
             <a:ln>
               <a:noFill/>
             </a:ln>
@@ -8248,7 +8826,7 @@
           <a:buFontTx/>
           <a:buNone/>
           <a:tabLst/>
-          <a:defRPr b="0" baseline="0" cap="none" i="0" spc="0" strike="noStrike" sz="1800" u="none" kumimoji="0" normalizeH="0">
+          <a:defRPr kumimoji="0" sz="1800" b="0" i="0" u="none" strike="noStrike" cap="none" spc="0" normalizeH="0" baseline="0">
             <a:ln>
               <a:noFill/>
             </a:ln>
@@ -8274,7 +8852,7 @@
           <a:buFontTx/>
           <a:buNone/>
           <a:tabLst/>
-          <a:defRPr b="0" baseline="0" cap="none" i="0" spc="0" strike="noStrike" sz="1800" u="none" kumimoji="0" normalizeH="0">
+          <a:defRPr kumimoji="0" sz="1800" b="0" i="0" u="none" strike="noStrike" cap="none" spc="0" normalizeH="0" baseline="0">
             <a:ln>
               <a:noFill/>
             </a:ln>
@@ -8300,7 +8878,7 @@
           <a:buFontTx/>
           <a:buNone/>
           <a:tabLst/>
-          <a:defRPr b="0" baseline="0" cap="none" i="0" spc="0" strike="noStrike" sz="1800" u="none" kumimoji="0" normalizeH="0">
+          <a:defRPr kumimoji="0" sz="1800" b="0" i="0" u="none" strike="noStrike" cap="none" spc="0" normalizeH="0" baseline="0">
             <a:ln>
               <a:noFill/>
             </a:ln>
@@ -8326,7 +8904,7 @@
           <a:buFontTx/>
           <a:buNone/>
           <a:tabLst/>
-          <a:defRPr b="0" baseline="0" cap="none" i="0" spc="0" strike="noStrike" sz="1800" u="none" kumimoji="0" normalizeH="0">
+          <a:defRPr kumimoji="0" sz="1800" b="0" i="0" u="none" strike="noStrike" cap="none" spc="0" normalizeH="0" baseline="0">
             <a:ln>
               <a:noFill/>
             </a:ln>
@@ -8352,7 +8930,7 @@
           <a:buFontTx/>
           <a:buNone/>
           <a:tabLst/>
-          <a:defRPr b="0" baseline="0" cap="none" i="0" spc="0" strike="noStrike" sz="1800" u="none" kumimoji="0" normalizeH="0">
+          <a:defRPr kumimoji="0" sz="1800" b="0" i="0" u="none" strike="noStrike" cap="none" spc="0" normalizeH="0" baseline="0">
             <a:ln>
               <a:noFill/>
             </a:ln>
@@ -8378,7 +8956,7 @@
           <a:buFontTx/>
           <a:buNone/>
           <a:tabLst/>
-          <a:defRPr b="0" baseline="0" cap="none" i="0" spc="0" strike="noStrike" sz="1800" u="none" kumimoji="0" normalizeH="0">
+          <a:defRPr kumimoji="0" sz="1800" b="0" i="0" u="none" strike="noStrike" cap="none" spc="0" normalizeH="0" baseline="0">
             <a:ln>
               <a:noFill/>
             </a:ln>
@@ -8404,7 +8982,7 @@
           <a:buFontTx/>
           <a:buNone/>
           <a:tabLst/>
-          <a:defRPr b="0" baseline="0" cap="none" i="0" spc="0" strike="noStrike" sz="1800" u="none" kumimoji="0" normalizeH="0">
+          <a:defRPr kumimoji="0" sz="1800" b="0" i="0" u="none" strike="noStrike" cap="none" spc="0" normalizeH="0" baseline="0">
             <a:ln>
               <a:noFill/>
             </a:ln>
@@ -8417,9 +8995,15 @@
         </a:lvl9pPr>
       </a:lstStyle>
       <a:style>
-        <a:lnRef idx="0"/>
-        <a:fillRef idx="0"/>
-        <a:effectRef idx="0"/>
+        <a:lnRef idx="0">
+          <a:scrgbClr r="0" g="0" b="0"/>
+        </a:lnRef>
+        <a:fillRef idx="0">
+          <a:scrgbClr r="0" g="0" b="0"/>
+        </a:fillRef>
+        <a:effectRef idx="0">
+          <a:scrgbClr r="0" g="0" b="0"/>
+        </a:effectRef>
         <a:fontRef idx="none"/>
       </a:style>
     </a:spDef>
@@ -8436,7 +9020,7 @@
         <a:effectLst/>
         <a:sp3d/>
       </a:spPr>
-      <a:bodyPr rot="0" spcFirstLastPara="1" vertOverflow="overflow" horzOverflow="overflow" vert="horz" wrap="square" lIns="91439" tIns="45719" rIns="91439" bIns="45719" numCol="1" spcCol="38100" rtlCol="0" anchor="t" upright="0">
+      <a:bodyPr rot="0" spcFirstLastPara="1" vertOverflow="overflow" horzOverflow="overflow" vert="horz" wrap="square" lIns="91439" tIns="45719" rIns="91439" bIns="45719" numCol="1" spcCol="38100" rtlCol="0" anchor="t">
         <a:noAutofit/>
       </a:bodyPr>
       <a:lstStyle>
@@ -8455,7 +9039,7 @@
           <a:buFontTx/>
           <a:buNone/>
           <a:tabLst/>
-          <a:defRPr b="0" baseline="0" cap="none" i="0" spc="0" strike="noStrike" sz="1800" u="none" kumimoji="0" normalizeH="0">
+          <a:defRPr kumimoji="0" sz="1800" b="0" i="0" u="none" strike="noStrike" cap="none" spc="0" normalizeH="0" baseline="0">
             <a:ln>
               <a:noFill/>
             </a:ln>
@@ -8481,7 +9065,7 @@
           <a:buFontTx/>
           <a:buNone/>
           <a:tabLst/>
-          <a:defRPr b="0" baseline="0" cap="none" i="0" spc="0" strike="noStrike" sz="1800" u="none" kumimoji="0" normalizeH="0">
+          <a:defRPr kumimoji="0" sz="1800" b="0" i="0" u="none" strike="noStrike" cap="none" spc="0" normalizeH="0" baseline="0">
             <a:ln>
               <a:noFill/>
             </a:ln>
@@ -8507,7 +9091,7 @@
           <a:buFontTx/>
           <a:buNone/>
           <a:tabLst/>
-          <a:defRPr b="0" baseline="0" cap="none" i="0" spc="0" strike="noStrike" sz="1800" u="none" kumimoji="0" normalizeH="0">
+          <a:defRPr kumimoji="0" sz="1800" b="0" i="0" u="none" strike="noStrike" cap="none" spc="0" normalizeH="0" baseline="0">
             <a:ln>
               <a:noFill/>
             </a:ln>
@@ -8533,7 +9117,7 @@
           <a:buFontTx/>
           <a:buNone/>
           <a:tabLst/>
-          <a:defRPr b="0" baseline="0" cap="none" i="0" spc="0" strike="noStrike" sz="1800" u="none" kumimoji="0" normalizeH="0">
+          <a:defRPr kumimoji="0" sz="1800" b="0" i="0" u="none" strike="noStrike" cap="none" spc="0" normalizeH="0" baseline="0">
             <a:ln>
               <a:noFill/>
             </a:ln>
@@ -8559,7 +9143,7 @@
           <a:buFontTx/>
           <a:buNone/>
           <a:tabLst/>
-          <a:defRPr b="0" baseline="0" cap="none" i="0" spc="0" strike="noStrike" sz="1800" u="none" kumimoji="0" normalizeH="0">
+          <a:defRPr kumimoji="0" sz="1800" b="0" i="0" u="none" strike="noStrike" cap="none" spc="0" normalizeH="0" baseline="0">
             <a:ln>
               <a:noFill/>
             </a:ln>
@@ -8585,7 +9169,7 @@
           <a:buFontTx/>
           <a:buNone/>
           <a:tabLst/>
-          <a:defRPr b="0" baseline="0" cap="none" i="0" spc="0" strike="noStrike" sz="1800" u="none" kumimoji="0" normalizeH="0">
+          <a:defRPr kumimoji="0" sz="1800" b="0" i="0" u="none" strike="noStrike" cap="none" spc="0" normalizeH="0" baseline="0">
             <a:ln>
               <a:noFill/>
             </a:ln>
@@ -8611,7 +9195,7 @@
           <a:buFontTx/>
           <a:buNone/>
           <a:tabLst/>
-          <a:defRPr b="0" baseline="0" cap="none" i="0" spc="0" strike="noStrike" sz="1800" u="none" kumimoji="0" normalizeH="0">
+          <a:defRPr kumimoji="0" sz="1800" b="0" i="0" u="none" strike="noStrike" cap="none" spc="0" normalizeH="0" baseline="0">
             <a:ln>
               <a:noFill/>
             </a:ln>
@@ -8637,7 +9221,7 @@
           <a:buFontTx/>
           <a:buNone/>
           <a:tabLst/>
-          <a:defRPr b="0" baseline="0" cap="none" i="0" spc="0" strike="noStrike" sz="1800" u="none" kumimoji="0" normalizeH="0">
+          <a:defRPr kumimoji="0" sz="1800" b="0" i="0" u="none" strike="noStrike" cap="none" spc="0" normalizeH="0" baseline="0">
             <a:ln>
               <a:noFill/>
             </a:ln>
@@ -8663,7 +9247,7 @@
           <a:buFontTx/>
           <a:buNone/>
           <a:tabLst/>
-          <a:defRPr b="0" baseline="0" cap="none" i="0" spc="0" strike="noStrike" sz="1800" u="none" kumimoji="0" normalizeH="0">
+          <a:defRPr kumimoji="0" sz="1800" b="0" i="0" u="none" strike="noStrike" cap="none" spc="0" normalizeH="0" baseline="0">
             <a:ln>
               <a:noFill/>
             </a:ln>
@@ -8689,7 +9273,7 @@
           <a:buFontTx/>
           <a:buNone/>
           <a:tabLst/>
-          <a:defRPr b="0" baseline="0" cap="none" i="0" spc="0" strike="noStrike" sz="1800" u="none" kumimoji="0" normalizeH="0">
+          <a:defRPr kumimoji="0" sz="1800" b="0" i="0" u="none" strike="noStrike" cap="none" spc="0" normalizeH="0" baseline="0">
             <a:ln>
               <a:noFill/>
             </a:ln>
@@ -8702,9 +9286,15 @@
         </a:lvl9pPr>
       </a:lstStyle>
       <a:style>
-        <a:lnRef idx="0"/>
-        <a:fillRef idx="0"/>
-        <a:effectRef idx="0"/>
+        <a:lnRef idx="0">
+          <a:scrgbClr r="0" g="0" b="0"/>
+        </a:lnRef>
+        <a:fillRef idx="0">
+          <a:scrgbClr r="0" g="0" b="0"/>
+        </a:fillRef>
+        <a:effectRef idx="0">
+          <a:scrgbClr r="0" g="0" b="0"/>
+        </a:effectRef>
         <a:fontRef idx="none"/>
       </a:style>
     </a:lnDef>
@@ -8718,7 +9308,7 @@
         <a:effectLst/>
         <a:sp3d/>
       </a:spPr>
-      <a:bodyPr rot="0" spcFirstLastPara="1" vertOverflow="overflow" horzOverflow="overflow" vert="horz" wrap="square" lIns="50800" tIns="50800" rIns="50800" bIns="50800" numCol="1" spcCol="38100" rtlCol="0" anchor="ctr" upright="0">
+      <a:bodyPr rot="0" spcFirstLastPara="1" vertOverflow="overflow" horzOverflow="overflow" vert="horz" wrap="square" lIns="50800" tIns="50800" rIns="50800" bIns="50800" numCol="1" spcCol="38100" rtlCol="0" anchor="ctr">
         <a:spAutoFit/>
       </a:bodyPr>
       <a:lstStyle>
@@ -8737,7 +9327,7 @@
           <a:buFontTx/>
           <a:buNone/>
           <a:tabLst/>
-          <a:defRPr b="0" baseline="0" cap="none" i="0" spc="0" strike="noStrike" sz="3600" u="none" kumimoji="0" normalizeH="0">
+          <a:defRPr kumimoji="0" sz="3600" b="0" i="0" u="none" strike="noStrike" cap="none" spc="0" normalizeH="0" baseline="0">
             <a:ln>
               <a:noFill/>
             </a:ln>
@@ -8767,7 +9357,7 @@
           <a:buFontTx/>
           <a:buNone/>
           <a:tabLst/>
-          <a:defRPr b="0" baseline="0" cap="none" i="0" spc="0" strike="noStrike" sz="1800" u="none" kumimoji="0" normalizeH="0">
+          <a:defRPr kumimoji="0" sz="1800" b="0" i="0" u="none" strike="noStrike" cap="none" spc="0" normalizeH="0" baseline="0">
             <a:ln>
               <a:noFill/>
             </a:ln>
@@ -8793,7 +9383,7 @@
           <a:buFontTx/>
           <a:buNone/>
           <a:tabLst/>
-          <a:defRPr b="0" baseline="0" cap="none" i="0" spc="0" strike="noStrike" sz="1800" u="none" kumimoji="0" normalizeH="0">
+          <a:defRPr kumimoji="0" sz="1800" b="0" i="0" u="none" strike="noStrike" cap="none" spc="0" normalizeH="0" baseline="0">
             <a:ln>
               <a:noFill/>
             </a:ln>
@@ -8819,7 +9409,7 @@
           <a:buFontTx/>
           <a:buNone/>
           <a:tabLst/>
-          <a:defRPr b="0" baseline="0" cap="none" i="0" spc="0" strike="noStrike" sz="1800" u="none" kumimoji="0" normalizeH="0">
+          <a:defRPr kumimoji="0" sz="1800" b="0" i="0" u="none" strike="noStrike" cap="none" spc="0" normalizeH="0" baseline="0">
             <a:ln>
               <a:noFill/>
             </a:ln>
@@ -8845,7 +9435,7 @@
           <a:buFontTx/>
           <a:buNone/>
           <a:tabLst/>
-          <a:defRPr b="0" baseline="0" cap="none" i="0" spc="0" strike="noStrike" sz="1800" u="none" kumimoji="0" normalizeH="0">
+          <a:defRPr kumimoji="0" sz="1800" b="0" i="0" u="none" strike="noStrike" cap="none" spc="0" normalizeH="0" baseline="0">
             <a:ln>
               <a:noFill/>
             </a:ln>
@@ -8871,7 +9461,7 @@
           <a:buFontTx/>
           <a:buNone/>
           <a:tabLst/>
-          <a:defRPr b="0" baseline="0" cap="none" i="0" spc="0" strike="noStrike" sz="1800" u="none" kumimoji="0" normalizeH="0">
+          <a:defRPr kumimoji="0" sz="1800" b="0" i="0" u="none" strike="noStrike" cap="none" spc="0" normalizeH="0" baseline="0">
             <a:ln>
               <a:noFill/>
             </a:ln>
@@ -8897,7 +9487,7 @@
           <a:buFontTx/>
           <a:buNone/>
           <a:tabLst/>
-          <a:defRPr b="0" baseline="0" cap="none" i="0" spc="0" strike="noStrike" sz="1800" u="none" kumimoji="0" normalizeH="0">
+          <a:defRPr kumimoji="0" sz="1800" b="0" i="0" u="none" strike="noStrike" cap="none" spc="0" normalizeH="0" baseline="0">
             <a:ln>
               <a:noFill/>
             </a:ln>
@@ -8923,7 +9513,7 @@
           <a:buFontTx/>
           <a:buNone/>
           <a:tabLst/>
-          <a:defRPr b="0" baseline="0" cap="none" i="0" spc="0" strike="noStrike" sz="1800" u="none" kumimoji="0" normalizeH="0">
+          <a:defRPr kumimoji="0" sz="1800" b="0" i="0" u="none" strike="noStrike" cap="none" spc="0" normalizeH="0" baseline="0">
             <a:ln>
               <a:noFill/>
             </a:ln>
@@ -8949,7 +9539,7 @@
           <a:buFontTx/>
           <a:buNone/>
           <a:tabLst/>
-          <a:defRPr b="0" baseline="0" cap="none" i="0" spc="0" strike="noStrike" sz="1800" u="none" kumimoji="0" normalizeH="0">
+          <a:defRPr kumimoji="0" sz="1800" b="0" i="0" u="none" strike="noStrike" cap="none" spc="0" normalizeH="0" baseline="0">
             <a:ln>
               <a:noFill/>
             </a:ln>
@@ -8975,7 +9565,7 @@
           <a:buFontTx/>
           <a:buNone/>
           <a:tabLst/>
-          <a:defRPr b="0" baseline="0" cap="none" i="0" spc="0" strike="noStrike" sz="1800" u="none" kumimoji="0" normalizeH="0">
+          <a:defRPr kumimoji="0" sz="1800" b="0" i="0" u="none" strike="noStrike" cap="none" spc="0" normalizeH="0" baseline="0">
             <a:ln>
               <a:noFill/>
             </a:ln>
@@ -8988,18 +9578,25 @@
         </a:lvl9pPr>
       </a:lstStyle>
       <a:style>
-        <a:lnRef idx="0"/>
-        <a:fillRef idx="0"/>
-        <a:effectRef idx="0"/>
+        <a:lnRef idx="0">
+          <a:scrgbClr r="0" g="0" b="0"/>
+        </a:lnRef>
+        <a:fillRef idx="0">
+          <a:scrgbClr r="0" g="0" b="0"/>
+        </a:fillRef>
+        <a:effectRef idx="0">
+          <a:scrgbClr r="0" g="0" b="0"/>
+        </a:effectRef>
         <a:fontRef idx="none"/>
       </a:style>
     </a:txDef>
   </a:objectDefaults>
+  <a:extraClrSchemeLst/>
 </a:theme>
 </file>
 
 <file path=ppt/theme/theme2.xml><?xml version="1.0" encoding="utf-8"?>
-<a:theme xmlns:a="http://schemas.openxmlformats.org/drawingml/2006/main" xmlns:r="http://schemas.openxmlformats.org/officeDocument/2006/relationships" name="White">
+<a:theme xmlns:a="http://schemas.openxmlformats.org/drawingml/2006/main" name="White">
   <a:themeElements>
     <a:clrScheme name="White">
       <a:dk1>
@@ -9125,7 +9722,7 @@
       <a:effectStyleLst>
         <a:effectStyle>
           <a:effectLst>
-            <a:outerShdw sx="100000" sy="100000" kx="0" ky="0" algn="b" rotWithShape="0" blurRad="38100" dist="25400" dir="5400000">
+            <a:outerShdw blurRad="38100" dist="25400" dir="5400000" rotWithShape="0">
               <a:srgbClr val="000000">
                 <a:alpha val="50000"/>
               </a:srgbClr>
@@ -9134,7 +9731,7 @@
         </a:effectStyle>
         <a:effectStyle>
           <a:effectLst>
-            <a:outerShdw sx="100000" sy="100000" kx="0" ky="0" algn="b" rotWithShape="0" blurRad="50800" dist="12700" dir="0">
+            <a:outerShdw blurRad="50800" dist="12700" rotWithShape="0">
               <a:srgbClr val="000000">
                 <a:alpha val="50000"/>
               </a:srgbClr>
@@ -9143,7 +9740,7 @@
         </a:effectStyle>
         <a:effectStyle>
           <a:effectLst>
-            <a:outerShdw sx="100000" sy="100000" kx="0" ky="0" algn="b" rotWithShape="0" blurRad="38100" dist="25400" dir="5400000">
+            <a:outerShdw blurRad="38100" dist="25400" dir="5400000" rotWithShape="0">
               <a:srgbClr val="000000">
                 <a:alpha val="50000"/>
               </a:srgbClr>
@@ -9207,8 +9804,8 @@
     <a:spDef>
       <a:spPr>
         <a:blipFill rotWithShape="1">
-          <a:blip r:embed="rId1"/>
-          <a:srcRect l="0" t="0" r="0" b="0"/>
+          <a:blip xmlns:r="http://schemas.openxmlformats.org/officeDocument/2006/relationships" r:embed="rId1"/>
+          <a:srcRect/>
           <a:tile tx="0" ty="0" sx="100000" sy="100000" flip="none" algn="tl"/>
         </a:blipFill>
         <a:ln w="12700" cap="flat">
@@ -9216,7 +9813,7 @@
           <a:miter lim="400000"/>
         </a:ln>
         <a:effectLst>
-          <a:outerShdw sx="100000" sy="100000" kx="0" ky="0" algn="b" rotWithShape="0" blurRad="38100" dist="25400" dir="5400000">
+          <a:outerShdw blurRad="38100" dist="25400" dir="5400000" rotWithShape="0">
             <a:srgbClr val="000000">
               <a:alpha val="50000"/>
             </a:srgbClr>
@@ -9224,7 +9821,7 @@
         </a:effectLst>
         <a:sp3d/>
       </a:spPr>
-      <a:bodyPr rot="0" spcFirstLastPara="1" vertOverflow="overflow" horzOverflow="overflow" vert="horz" wrap="square" lIns="50800" tIns="50800" rIns="50800" bIns="50800" numCol="1" spcCol="38100" rtlCol="0" anchor="ctr" upright="0">
+      <a:bodyPr rot="0" spcFirstLastPara="1" vertOverflow="overflow" horzOverflow="overflow" vert="horz" wrap="square" lIns="50800" tIns="50800" rIns="50800" bIns="50800" numCol="1" spcCol="38100" rtlCol="0" anchor="ctr">
         <a:spAutoFit/>
       </a:bodyPr>
       <a:lstStyle>
@@ -9243,7 +9840,7 @@
           <a:buFontTx/>
           <a:buNone/>
           <a:tabLst/>
-          <a:defRPr b="0" baseline="0" cap="none" i="0" spc="0" strike="noStrike" sz="2400" u="none" kumimoji="0" normalizeH="0">
+          <a:defRPr kumimoji="0" sz="2400" b="0" i="0" u="none" strike="noStrike" cap="none" spc="0" normalizeH="0" baseline="0">
             <a:ln>
               <a:noFill/>
             </a:ln>
@@ -9273,7 +9870,7 @@
           <a:buFontTx/>
           <a:buNone/>
           <a:tabLst/>
-          <a:defRPr b="0" baseline="0" cap="none" i="0" spc="0" strike="noStrike" sz="1800" u="none" kumimoji="0" normalizeH="0">
+          <a:defRPr kumimoji="0" sz="1800" b="0" i="0" u="none" strike="noStrike" cap="none" spc="0" normalizeH="0" baseline="0">
             <a:ln>
               <a:noFill/>
             </a:ln>
@@ -9299,7 +9896,7 @@
           <a:buFontTx/>
           <a:buNone/>
           <a:tabLst/>
-          <a:defRPr b="0" baseline="0" cap="none" i="0" spc="0" strike="noStrike" sz="1800" u="none" kumimoji="0" normalizeH="0">
+          <a:defRPr kumimoji="0" sz="1800" b="0" i="0" u="none" strike="noStrike" cap="none" spc="0" normalizeH="0" baseline="0">
             <a:ln>
               <a:noFill/>
             </a:ln>
@@ -9325,7 +9922,7 @@
           <a:buFontTx/>
           <a:buNone/>
           <a:tabLst/>
-          <a:defRPr b="0" baseline="0" cap="none" i="0" spc="0" strike="noStrike" sz="1800" u="none" kumimoji="0" normalizeH="0">
+          <a:defRPr kumimoji="0" sz="1800" b="0" i="0" u="none" strike="noStrike" cap="none" spc="0" normalizeH="0" baseline="0">
             <a:ln>
               <a:noFill/>
             </a:ln>
@@ -9351,7 +9948,7 @@
           <a:buFontTx/>
           <a:buNone/>
           <a:tabLst/>
-          <a:defRPr b="0" baseline="0" cap="none" i="0" spc="0" strike="noStrike" sz="1800" u="none" kumimoji="0" normalizeH="0">
+          <a:defRPr kumimoji="0" sz="1800" b="0" i="0" u="none" strike="noStrike" cap="none" spc="0" normalizeH="0" baseline="0">
             <a:ln>
               <a:noFill/>
             </a:ln>
@@ -9377,7 +9974,7 @@
           <a:buFontTx/>
           <a:buNone/>
           <a:tabLst/>
-          <a:defRPr b="0" baseline="0" cap="none" i="0" spc="0" strike="noStrike" sz="1800" u="none" kumimoji="0" normalizeH="0">
+          <a:defRPr kumimoji="0" sz="1800" b="0" i="0" u="none" strike="noStrike" cap="none" spc="0" normalizeH="0" baseline="0">
             <a:ln>
               <a:noFill/>
             </a:ln>
@@ -9403,7 +10000,7 @@
           <a:buFontTx/>
           <a:buNone/>
           <a:tabLst/>
-          <a:defRPr b="0" baseline="0" cap="none" i="0" spc="0" strike="noStrike" sz="1800" u="none" kumimoji="0" normalizeH="0">
+          <a:defRPr kumimoji="0" sz="1800" b="0" i="0" u="none" strike="noStrike" cap="none" spc="0" normalizeH="0" baseline="0">
             <a:ln>
               <a:noFill/>
             </a:ln>
@@ -9429,7 +10026,7 @@
           <a:buFontTx/>
           <a:buNone/>
           <a:tabLst/>
-          <a:defRPr b="0" baseline="0" cap="none" i="0" spc="0" strike="noStrike" sz="1800" u="none" kumimoji="0" normalizeH="0">
+          <a:defRPr kumimoji="0" sz="1800" b="0" i="0" u="none" strike="noStrike" cap="none" spc="0" normalizeH="0" baseline="0">
             <a:ln>
               <a:noFill/>
             </a:ln>
@@ -9455,7 +10052,7 @@
           <a:buFontTx/>
           <a:buNone/>
           <a:tabLst/>
-          <a:defRPr b="0" baseline="0" cap="none" i="0" spc="0" strike="noStrike" sz="1800" u="none" kumimoji="0" normalizeH="0">
+          <a:defRPr kumimoji="0" sz="1800" b="0" i="0" u="none" strike="noStrike" cap="none" spc="0" normalizeH="0" baseline="0">
             <a:ln>
               <a:noFill/>
             </a:ln>
@@ -9481,7 +10078,7 @@
           <a:buFontTx/>
           <a:buNone/>
           <a:tabLst/>
-          <a:defRPr b="0" baseline="0" cap="none" i="0" spc="0" strike="noStrike" sz="1800" u="none" kumimoji="0" normalizeH="0">
+          <a:defRPr kumimoji="0" sz="1800" b="0" i="0" u="none" strike="noStrike" cap="none" spc="0" normalizeH="0" baseline="0">
             <a:ln>
               <a:noFill/>
             </a:ln>
@@ -9494,9 +10091,15 @@
         </a:lvl9pPr>
       </a:lstStyle>
       <a:style>
-        <a:lnRef idx="0"/>
-        <a:fillRef idx="0"/>
-        <a:effectRef idx="0"/>
+        <a:lnRef idx="0">
+          <a:scrgbClr r="0" g="0" b="0"/>
+        </a:lnRef>
+        <a:fillRef idx="0">
+          <a:scrgbClr r="0" g="0" b="0"/>
+        </a:fillRef>
+        <a:effectRef idx="0">
+          <a:scrgbClr r="0" g="0" b="0"/>
+        </a:effectRef>
         <a:fontRef idx="none"/>
       </a:style>
     </a:spDef>
@@ -9513,7 +10116,7 @@
         <a:effectLst/>
         <a:sp3d/>
       </a:spPr>
-      <a:bodyPr rot="0" spcFirstLastPara="1" vertOverflow="overflow" horzOverflow="overflow" vert="horz" wrap="square" lIns="91439" tIns="45719" rIns="91439" bIns="45719" numCol="1" spcCol="38100" rtlCol="0" anchor="t" upright="0">
+      <a:bodyPr rot="0" spcFirstLastPara="1" vertOverflow="overflow" horzOverflow="overflow" vert="horz" wrap="square" lIns="91439" tIns="45719" rIns="91439" bIns="45719" numCol="1" spcCol="38100" rtlCol="0" anchor="t">
         <a:noAutofit/>
       </a:bodyPr>
       <a:lstStyle>
@@ -9532,7 +10135,7 @@
           <a:buFontTx/>
           <a:buNone/>
           <a:tabLst/>
-          <a:defRPr b="0" baseline="0" cap="none" i="0" spc="0" strike="noStrike" sz="1800" u="none" kumimoji="0" normalizeH="0">
+          <a:defRPr kumimoji="0" sz="1800" b="0" i="0" u="none" strike="noStrike" cap="none" spc="0" normalizeH="0" baseline="0">
             <a:ln>
               <a:noFill/>
             </a:ln>
@@ -9558,7 +10161,7 @@
           <a:buFontTx/>
           <a:buNone/>
           <a:tabLst/>
-          <a:defRPr b="0" baseline="0" cap="none" i="0" spc="0" strike="noStrike" sz="1800" u="none" kumimoji="0" normalizeH="0">
+          <a:defRPr kumimoji="0" sz="1800" b="0" i="0" u="none" strike="noStrike" cap="none" spc="0" normalizeH="0" baseline="0">
             <a:ln>
               <a:noFill/>
             </a:ln>
@@ -9584,7 +10187,7 @@
           <a:buFontTx/>
           <a:buNone/>
           <a:tabLst/>
-          <a:defRPr b="0" baseline="0" cap="none" i="0" spc="0" strike="noStrike" sz="1800" u="none" kumimoji="0" normalizeH="0">
+          <a:defRPr kumimoji="0" sz="1800" b="0" i="0" u="none" strike="noStrike" cap="none" spc="0" normalizeH="0" baseline="0">
             <a:ln>
               <a:noFill/>
             </a:ln>
@@ -9610,7 +10213,7 @@
           <a:buFontTx/>
           <a:buNone/>
           <a:tabLst/>
-          <a:defRPr b="0" baseline="0" cap="none" i="0" spc="0" strike="noStrike" sz="1800" u="none" kumimoji="0" normalizeH="0">
+          <a:defRPr kumimoji="0" sz="1800" b="0" i="0" u="none" strike="noStrike" cap="none" spc="0" normalizeH="0" baseline="0">
             <a:ln>
               <a:noFill/>
             </a:ln>
@@ -9636,7 +10239,7 @@
           <a:buFontTx/>
           <a:buNone/>
           <a:tabLst/>
-          <a:defRPr b="0" baseline="0" cap="none" i="0" spc="0" strike="noStrike" sz="1800" u="none" kumimoji="0" normalizeH="0">
+          <a:defRPr kumimoji="0" sz="1800" b="0" i="0" u="none" strike="noStrike" cap="none" spc="0" normalizeH="0" baseline="0">
             <a:ln>
               <a:noFill/>
             </a:ln>
@@ -9662,7 +10265,7 @@
           <a:buFontTx/>
           <a:buNone/>
           <a:tabLst/>
-          <a:defRPr b="0" baseline="0" cap="none" i="0" spc="0" strike="noStrike" sz="1800" u="none" kumimoji="0" normalizeH="0">
+          <a:defRPr kumimoji="0" sz="1800" b="0" i="0" u="none" strike="noStrike" cap="none" spc="0" normalizeH="0" baseline="0">
             <a:ln>
               <a:noFill/>
             </a:ln>
@@ -9688,7 +10291,7 @@
           <a:buFontTx/>
           <a:buNone/>
           <a:tabLst/>
-          <a:defRPr b="0" baseline="0" cap="none" i="0" spc="0" strike="noStrike" sz="1800" u="none" kumimoji="0" normalizeH="0">
+          <a:defRPr kumimoji="0" sz="1800" b="0" i="0" u="none" strike="noStrike" cap="none" spc="0" normalizeH="0" baseline="0">
             <a:ln>
               <a:noFill/>
             </a:ln>
@@ -9714,7 +10317,7 @@
           <a:buFontTx/>
           <a:buNone/>
           <a:tabLst/>
-          <a:defRPr b="0" baseline="0" cap="none" i="0" spc="0" strike="noStrike" sz="1800" u="none" kumimoji="0" normalizeH="0">
+          <a:defRPr kumimoji="0" sz="1800" b="0" i="0" u="none" strike="noStrike" cap="none" spc="0" normalizeH="0" baseline="0">
             <a:ln>
               <a:noFill/>
             </a:ln>
@@ -9740,7 +10343,7 @@
           <a:buFontTx/>
           <a:buNone/>
           <a:tabLst/>
-          <a:defRPr b="0" baseline="0" cap="none" i="0" spc="0" strike="noStrike" sz="1800" u="none" kumimoji="0" normalizeH="0">
+          <a:defRPr kumimoji="0" sz="1800" b="0" i="0" u="none" strike="noStrike" cap="none" spc="0" normalizeH="0" baseline="0">
             <a:ln>
               <a:noFill/>
             </a:ln>
@@ -9766,7 +10369,7 @@
           <a:buFontTx/>
           <a:buNone/>
           <a:tabLst/>
-          <a:defRPr b="0" baseline="0" cap="none" i="0" spc="0" strike="noStrike" sz="1800" u="none" kumimoji="0" normalizeH="0">
+          <a:defRPr kumimoji="0" sz="1800" b="0" i="0" u="none" strike="noStrike" cap="none" spc="0" normalizeH="0" baseline="0">
             <a:ln>
               <a:noFill/>
             </a:ln>
@@ -9779,9 +10382,15 @@
         </a:lvl9pPr>
       </a:lstStyle>
       <a:style>
-        <a:lnRef idx="0"/>
-        <a:fillRef idx="0"/>
-        <a:effectRef idx="0"/>
+        <a:lnRef idx="0">
+          <a:scrgbClr r="0" g="0" b="0"/>
+        </a:lnRef>
+        <a:fillRef idx="0">
+          <a:scrgbClr r="0" g="0" b="0"/>
+        </a:fillRef>
+        <a:effectRef idx="0">
+          <a:scrgbClr r="0" g="0" b="0"/>
+        </a:effectRef>
         <a:fontRef idx="none"/>
       </a:style>
     </a:lnDef>
@@ -9795,7 +10404,7 @@
         <a:effectLst/>
         <a:sp3d/>
       </a:spPr>
-      <a:bodyPr rot="0" spcFirstLastPara="1" vertOverflow="overflow" horzOverflow="overflow" vert="horz" wrap="square" lIns="50800" tIns="50800" rIns="50800" bIns="50800" numCol="1" spcCol="38100" rtlCol="0" anchor="ctr" upright="0">
+      <a:bodyPr rot="0" spcFirstLastPara="1" vertOverflow="overflow" horzOverflow="overflow" vert="horz" wrap="square" lIns="50800" tIns="50800" rIns="50800" bIns="50800" numCol="1" spcCol="38100" rtlCol="0" anchor="ctr">
         <a:spAutoFit/>
       </a:bodyPr>
       <a:lstStyle>
@@ -9814,7 +10423,7 @@
           <a:buFontTx/>
           <a:buNone/>
           <a:tabLst/>
-          <a:defRPr b="0" baseline="0" cap="none" i="0" spc="0" strike="noStrike" sz="3600" u="none" kumimoji="0" normalizeH="0">
+          <a:defRPr kumimoji="0" sz="3600" b="0" i="0" u="none" strike="noStrike" cap="none" spc="0" normalizeH="0" baseline="0">
             <a:ln>
               <a:noFill/>
             </a:ln>
@@ -9844,7 +10453,7 @@
           <a:buFontTx/>
           <a:buNone/>
           <a:tabLst/>
-          <a:defRPr b="0" baseline="0" cap="none" i="0" spc="0" strike="noStrike" sz="1800" u="none" kumimoji="0" normalizeH="0">
+          <a:defRPr kumimoji="0" sz="1800" b="0" i="0" u="none" strike="noStrike" cap="none" spc="0" normalizeH="0" baseline="0">
             <a:ln>
               <a:noFill/>
             </a:ln>
@@ -9870,7 +10479,7 @@
           <a:buFontTx/>
           <a:buNone/>
           <a:tabLst/>
-          <a:defRPr b="0" baseline="0" cap="none" i="0" spc="0" strike="noStrike" sz="1800" u="none" kumimoji="0" normalizeH="0">
+          <a:defRPr kumimoji="0" sz="1800" b="0" i="0" u="none" strike="noStrike" cap="none" spc="0" normalizeH="0" baseline="0">
             <a:ln>
               <a:noFill/>
             </a:ln>
@@ -9896,7 +10505,7 @@
           <a:buFontTx/>
           <a:buNone/>
           <a:tabLst/>
-          <a:defRPr b="0" baseline="0" cap="none" i="0" spc="0" strike="noStrike" sz="1800" u="none" kumimoji="0" normalizeH="0">
+          <a:defRPr kumimoji="0" sz="1800" b="0" i="0" u="none" strike="noStrike" cap="none" spc="0" normalizeH="0" baseline="0">
             <a:ln>
               <a:noFill/>
             </a:ln>
@@ -9922,7 +10531,7 @@
           <a:buFontTx/>
           <a:buNone/>
           <a:tabLst/>
-          <a:defRPr b="0" baseline="0" cap="none" i="0" spc="0" strike="noStrike" sz="1800" u="none" kumimoji="0" normalizeH="0">
+          <a:defRPr kumimoji="0" sz="1800" b="0" i="0" u="none" strike="noStrike" cap="none" spc="0" normalizeH="0" baseline="0">
             <a:ln>
               <a:noFill/>
             </a:ln>
@@ -9948,7 +10557,7 @@
           <a:buFontTx/>
           <a:buNone/>
           <a:tabLst/>
-          <a:defRPr b="0" baseline="0" cap="none" i="0" spc="0" strike="noStrike" sz="1800" u="none" kumimoji="0" normalizeH="0">
+          <a:defRPr kumimoji="0" sz="1800" b="0" i="0" u="none" strike="noStrike" cap="none" spc="0" normalizeH="0" baseline="0">
             <a:ln>
               <a:noFill/>
             </a:ln>
@@ -9974,7 +10583,7 @@
           <a:buFontTx/>
           <a:buNone/>
           <a:tabLst/>
-          <a:defRPr b="0" baseline="0" cap="none" i="0" spc="0" strike="noStrike" sz="1800" u="none" kumimoji="0" normalizeH="0">
+          <a:defRPr kumimoji="0" sz="1800" b="0" i="0" u="none" strike="noStrike" cap="none" spc="0" normalizeH="0" baseline="0">
             <a:ln>
               <a:noFill/>
             </a:ln>
@@ -10000,7 +10609,7 @@
           <a:buFontTx/>
           <a:buNone/>
           <a:tabLst/>
-          <a:defRPr b="0" baseline="0" cap="none" i="0" spc="0" strike="noStrike" sz="1800" u="none" kumimoji="0" normalizeH="0">
+          <a:defRPr kumimoji="0" sz="1800" b="0" i="0" u="none" strike="noStrike" cap="none" spc="0" normalizeH="0" baseline="0">
             <a:ln>
               <a:noFill/>
             </a:ln>
@@ -10026,7 +10635,7 @@
           <a:buFontTx/>
           <a:buNone/>
           <a:tabLst/>
-          <a:defRPr b="0" baseline="0" cap="none" i="0" spc="0" strike="noStrike" sz="1800" u="none" kumimoji="0" normalizeH="0">
+          <a:defRPr kumimoji="0" sz="1800" b="0" i="0" u="none" strike="noStrike" cap="none" spc="0" normalizeH="0" baseline="0">
             <a:ln>
               <a:noFill/>
             </a:ln>
@@ -10052,7 +10661,7 @@
           <a:buFontTx/>
           <a:buNone/>
           <a:tabLst/>
-          <a:defRPr b="0" baseline="0" cap="none" i="0" spc="0" strike="noStrike" sz="1800" u="none" kumimoji="0" normalizeH="0">
+          <a:defRPr kumimoji="0" sz="1800" b="0" i="0" u="none" strike="noStrike" cap="none" spc="0" normalizeH="0" baseline="0">
             <a:ln>
               <a:noFill/>
             </a:ln>
@@ -10065,12 +10674,19 @@
         </a:lvl9pPr>
       </a:lstStyle>
       <a:style>
-        <a:lnRef idx="0"/>
-        <a:fillRef idx="0"/>
-        <a:effectRef idx="0"/>
+        <a:lnRef idx="0">
+          <a:scrgbClr r="0" g="0" b="0"/>
+        </a:lnRef>
+        <a:fillRef idx="0">
+          <a:scrgbClr r="0" g="0" b="0"/>
+        </a:fillRef>
+        <a:effectRef idx="0">
+          <a:scrgbClr r="0" g="0" b="0"/>
+        </a:effectRef>
         <a:fontRef idx="none"/>
       </a:style>
     </a:txDef>
   </a:objectDefaults>
+  <a:extraClrSchemeLst/>
 </a:theme>
 </file>